--- a/designs/containers/diagrams/container_flows.pptx
+++ b/designs/containers/diagrams/container_flows.pptx
@@ -5,10 +5,15 @@
     <p:sldMasterId id="2147483648" r:id="rId1"/>
   </p:sldMasterIdLst>
   <p:notesMasterIdLst>
-    <p:notesMasterId r:id="rId3"/>
+    <p:notesMasterId r:id="rId8"/>
   </p:notesMasterIdLst>
   <p:sldIdLst>
-    <p:sldId id="261" r:id="rId2"/>
+    <p:sldId id="269" r:id="rId2"/>
+    <p:sldId id="262" r:id="rId3"/>
+    <p:sldId id="265" r:id="rId4"/>
+    <p:sldId id="266" r:id="rId5"/>
+    <p:sldId id="267" r:id="rId6"/>
+    <p:sldId id="261" r:id="rId7"/>
   </p:sldIdLst>
   <p:sldSz cx="12192000" cy="6858000"/>
   <p:notesSz cx="6858000" cy="9144000"/>
@@ -197,7 +202,7 @@
           <a:p>
             <a:fld id="{92A988EC-6840-42F9-988B-C5C2C163AC70}" type="datetimeFigureOut">
               <a:rPr lang="en-US" smtClean="0"/>
-              <a:t>6/29/2017</a:t>
+              <a:t>11/9/2017</a:t>
             </a:fld>
             <a:endParaRPr lang="en-US"/>
           </a:p>
@@ -530,7 +535,343 @@
           <a:p>
             <a:fld id="{4FEEE822-16E3-45BE-BF6C-4C46B46F90EB}" type="slidenum">
               <a:rPr lang="en-US" smtClean="0"/>
-              <a:t>1</a:t>
+              <a:t>2</a:t>
+            </a:fld>
+            <a:endParaRPr lang="en-US"/>
+          </a:p>
+        </p:txBody>
+      </p:sp>
+    </p:spTree>
+    <p:extLst>
+      <p:ext uri="{BB962C8B-B14F-4D97-AF65-F5344CB8AC3E}">
+        <p14:creationId xmlns:p14="http://schemas.microsoft.com/office/powerpoint/2010/main" val="1388351889"/>
+      </p:ext>
+    </p:extLst>
+  </p:cSld>
+  <p:clrMapOvr>
+    <a:masterClrMapping/>
+  </p:clrMapOvr>
+</p:notes>
+</file>
+
+<file path=ppt/notesSlides/notesSlide2.xml><?xml version="1.0" encoding="utf-8"?>
+<p:notes xmlns:a="http://schemas.openxmlformats.org/drawingml/2006/main" xmlns:r="http://schemas.openxmlformats.org/officeDocument/2006/relationships" xmlns:p="http://schemas.openxmlformats.org/presentationml/2006/main">
+  <p:cSld>
+    <p:spTree>
+      <p:nvGrpSpPr>
+        <p:cNvPr id="1" name=""/>
+        <p:cNvGrpSpPr/>
+        <p:nvPr/>
+      </p:nvGrpSpPr>
+      <p:grpSpPr>
+        <a:xfrm>
+          <a:off x="0" y="0"/>
+          <a:ext cx="0" cy="0"/>
+          <a:chOff x="0" y="0"/>
+          <a:chExt cx="0" cy="0"/>
+        </a:xfrm>
+      </p:grpSpPr>
+      <p:sp>
+        <p:nvSpPr>
+          <p:cNvPr id="2" name="Slide Image Placeholder 1"/>
+          <p:cNvSpPr>
+            <a:spLocks noGrp="1" noRot="1" noChangeAspect="1"/>
+          </p:cNvSpPr>
+          <p:nvPr>
+            <p:ph type="sldImg"/>
+          </p:nvPr>
+        </p:nvSpPr>
+        <p:spPr/>
+      </p:sp>
+      <p:sp>
+        <p:nvSpPr>
+          <p:cNvPr id="3" name="Notes Placeholder 2"/>
+          <p:cNvSpPr>
+            <a:spLocks noGrp="1"/>
+          </p:cNvSpPr>
+          <p:nvPr>
+            <p:ph type="body" idx="1"/>
+          </p:nvPr>
+        </p:nvSpPr>
+        <p:spPr/>
+        <p:txBody>
+          <a:bodyPr/>
+          <a:lstStyle/>
+          <a:p>
+            <a:endParaRPr lang="en-US"/>
+          </a:p>
+        </p:txBody>
+      </p:sp>
+      <p:sp>
+        <p:nvSpPr>
+          <p:cNvPr id="4" name="Slide Number Placeholder 3"/>
+          <p:cNvSpPr>
+            <a:spLocks noGrp="1"/>
+          </p:cNvSpPr>
+          <p:nvPr>
+            <p:ph type="sldNum" sz="quarter" idx="10"/>
+          </p:nvPr>
+        </p:nvSpPr>
+        <p:spPr/>
+        <p:txBody>
+          <a:bodyPr/>
+          <a:lstStyle/>
+          <a:p>
+            <a:fld id="{4FEEE822-16E3-45BE-BF6C-4C46B46F90EB}" type="slidenum">
+              <a:rPr lang="en-US" smtClean="0"/>
+              <a:t>3</a:t>
+            </a:fld>
+            <a:endParaRPr lang="en-US"/>
+          </a:p>
+        </p:txBody>
+      </p:sp>
+    </p:spTree>
+    <p:extLst>
+      <p:ext uri="{BB962C8B-B14F-4D97-AF65-F5344CB8AC3E}">
+        <p14:creationId xmlns:p14="http://schemas.microsoft.com/office/powerpoint/2010/main" val="2142275631"/>
+      </p:ext>
+    </p:extLst>
+  </p:cSld>
+  <p:clrMapOvr>
+    <a:masterClrMapping/>
+  </p:clrMapOvr>
+</p:notes>
+</file>
+
+<file path=ppt/notesSlides/notesSlide3.xml><?xml version="1.0" encoding="utf-8"?>
+<p:notes xmlns:a="http://schemas.openxmlformats.org/drawingml/2006/main" xmlns:r="http://schemas.openxmlformats.org/officeDocument/2006/relationships" xmlns:p="http://schemas.openxmlformats.org/presentationml/2006/main">
+  <p:cSld>
+    <p:spTree>
+      <p:nvGrpSpPr>
+        <p:cNvPr id="1" name=""/>
+        <p:cNvGrpSpPr/>
+        <p:nvPr/>
+      </p:nvGrpSpPr>
+      <p:grpSpPr>
+        <a:xfrm>
+          <a:off x="0" y="0"/>
+          <a:ext cx="0" cy="0"/>
+          <a:chOff x="0" y="0"/>
+          <a:chExt cx="0" cy="0"/>
+        </a:xfrm>
+      </p:grpSpPr>
+      <p:sp>
+        <p:nvSpPr>
+          <p:cNvPr id="2" name="Slide Image Placeholder 1"/>
+          <p:cNvSpPr>
+            <a:spLocks noGrp="1" noRot="1" noChangeAspect="1"/>
+          </p:cNvSpPr>
+          <p:nvPr>
+            <p:ph type="sldImg"/>
+          </p:nvPr>
+        </p:nvSpPr>
+        <p:spPr/>
+      </p:sp>
+      <p:sp>
+        <p:nvSpPr>
+          <p:cNvPr id="3" name="Notes Placeholder 2"/>
+          <p:cNvSpPr>
+            <a:spLocks noGrp="1"/>
+          </p:cNvSpPr>
+          <p:nvPr>
+            <p:ph type="body" idx="1"/>
+          </p:nvPr>
+        </p:nvSpPr>
+        <p:spPr/>
+        <p:txBody>
+          <a:bodyPr/>
+          <a:lstStyle/>
+          <a:p>
+            <a:endParaRPr lang="en-US"/>
+          </a:p>
+        </p:txBody>
+      </p:sp>
+      <p:sp>
+        <p:nvSpPr>
+          <p:cNvPr id="4" name="Slide Number Placeholder 3"/>
+          <p:cNvSpPr>
+            <a:spLocks noGrp="1"/>
+          </p:cNvSpPr>
+          <p:nvPr>
+            <p:ph type="sldNum" sz="quarter" idx="10"/>
+          </p:nvPr>
+        </p:nvSpPr>
+        <p:spPr/>
+        <p:txBody>
+          <a:bodyPr/>
+          <a:lstStyle/>
+          <a:p>
+            <a:fld id="{4FEEE822-16E3-45BE-BF6C-4C46B46F90EB}" type="slidenum">
+              <a:rPr lang="en-US" smtClean="0"/>
+              <a:t>4</a:t>
+            </a:fld>
+            <a:endParaRPr lang="en-US"/>
+          </a:p>
+        </p:txBody>
+      </p:sp>
+    </p:spTree>
+    <p:extLst>
+      <p:ext uri="{BB962C8B-B14F-4D97-AF65-F5344CB8AC3E}">
+        <p14:creationId xmlns:p14="http://schemas.microsoft.com/office/powerpoint/2010/main" val="3642639249"/>
+      </p:ext>
+    </p:extLst>
+  </p:cSld>
+  <p:clrMapOvr>
+    <a:masterClrMapping/>
+  </p:clrMapOvr>
+</p:notes>
+</file>
+
+<file path=ppt/notesSlides/notesSlide4.xml><?xml version="1.0" encoding="utf-8"?>
+<p:notes xmlns:a="http://schemas.openxmlformats.org/drawingml/2006/main" xmlns:r="http://schemas.openxmlformats.org/officeDocument/2006/relationships" xmlns:p="http://schemas.openxmlformats.org/presentationml/2006/main">
+  <p:cSld>
+    <p:spTree>
+      <p:nvGrpSpPr>
+        <p:cNvPr id="1" name=""/>
+        <p:cNvGrpSpPr/>
+        <p:nvPr/>
+      </p:nvGrpSpPr>
+      <p:grpSpPr>
+        <a:xfrm>
+          <a:off x="0" y="0"/>
+          <a:ext cx="0" cy="0"/>
+          <a:chOff x="0" y="0"/>
+          <a:chExt cx="0" cy="0"/>
+        </a:xfrm>
+      </p:grpSpPr>
+      <p:sp>
+        <p:nvSpPr>
+          <p:cNvPr id="2" name="Slide Image Placeholder 1"/>
+          <p:cNvSpPr>
+            <a:spLocks noGrp="1" noRot="1" noChangeAspect="1"/>
+          </p:cNvSpPr>
+          <p:nvPr>
+            <p:ph type="sldImg"/>
+          </p:nvPr>
+        </p:nvSpPr>
+        <p:spPr/>
+      </p:sp>
+      <p:sp>
+        <p:nvSpPr>
+          <p:cNvPr id="3" name="Notes Placeholder 2"/>
+          <p:cNvSpPr>
+            <a:spLocks noGrp="1"/>
+          </p:cNvSpPr>
+          <p:nvPr>
+            <p:ph type="body" idx="1"/>
+          </p:nvPr>
+        </p:nvSpPr>
+        <p:spPr/>
+        <p:txBody>
+          <a:bodyPr/>
+          <a:lstStyle/>
+          <a:p>
+            <a:endParaRPr lang="en-US"/>
+          </a:p>
+        </p:txBody>
+      </p:sp>
+      <p:sp>
+        <p:nvSpPr>
+          <p:cNvPr id="4" name="Slide Number Placeholder 3"/>
+          <p:cNvSpPr>
+            <a:spLocks noGrp="1"/>
+          </p:cNvSpPr>
+          <p:nvPr>
+            <p:ph type="sldNum" sz="quarter" idx="10"/>
+          </p:nvPr>
+        </p:nvSpPr>
+        <p:spPr/>
+        <p:txBody>
+          <a:bodyPr/>
+          <a:lstStyle/>
+          <a:p>
+            <a:fld id="{4FEEE822-16E3-45BE-BF6C-4C46B46F90EB}" type="slidenum">
+              <a:rPr lang="en-US" smtClean="0"/>
+              <a:t>5</a:t>
+            </a:fld>
+            <a:endParaRPr lang="en-US"/>
+          </a:p>
+        </p:txBody>
+      </p:sp>
+    </p:spTree>
+    <p:extLst>
+      <p:ext uri="{BB962C8B-B14F-4D97-AF65-F5344CB8AC3E}">
+        <p14:creationId xmlns:p14="http://schemas.microsoft.com/office/powerpoint/2010/main" val="97237456"/>
+      </p:ext>
+    </p:extLst>
+  </p:cSld>
+  <p:clrMapOvr>
+    <a:masterClrMapping/>
+  </p:clrMapOvr>
+</p:notes>
+</file>
+
+<file path=ppt/notesSlides/notesSlide5.xml><?xml version="1.0" encoding="utf-8"?>
+<p:notes xmlns:a="http://schemas.openxmlformats.org/drawingml/2006/main" xmlns:r="http://schemas.openxmlformats.org/officeDocument/2006/relationships" xmlns:p="http://schemas.openxmlformats.org/presentationml/2006/main">
+  <p:cSld>
+    <p:spTree>
+      <p:nvGrpSpPr>
+        <p:cNvPr id="1" name=""/>
+        <p:cNvGrpSpPr/>
+        <p:nvPr/>
+      </p:nvGrpSpPr>
+      <p:grpSpPr>
+        <a:xfrm>
+          <a:off x="0" y="0"/>
+          <a:ext cx="0" cy="0"/>
+          <a:chOff x="0" y="0"/>
+          <a:chExt cx="0" cy="0"/>
+        </a:xfrm>
+      </p:grpSpPr>
+      <p:sp>
+        <p:nvSpPr>
+          <p:cNvPr id="2" name="Slide Image Placeholder 1"/>
+          <p:cNvSpPr>
+            <a:spLocks noGrp="1" noRot="1" noChangeAspect="1"/>
+          </p:cNvSpPr>
+          <p:nvPr>
+            <p:ph type="sldImg"/>
+          </p:nvPr>
+        </p:nvSpPr>
+        <p:spPr/>
+      </p:sp>
+      <p:sp>
+        <p:nvSpPr>
+          <p:cNvPr id="3" name="Notes Placeholder 2"/>
+          <p:cNvSpPr>
+            <a:spLocks noGrp="1"/>
+          </p:cNvSpPr>
+          <p:nvPr>
+            <p:ph type="body" idx="1"/>
+          </p:nvPr>
+        </p:nvSpPr>
+        <p:spPr/>
+        <p:txBody>
+          <a:bodyPr/>
+          <a:lstStyle/>
+          <a:p>
+            <a:endParaRPr lang="en-US"/>
+          </a:p>
+        </p:txBody>
+      </p:sp>
+      <p:sp>
+        <p:nvSpPr>
+          <p:cNvPr id="4" name="Slide Number Placeholder 3"/>
+          <p:cNvSpPr>
+            <a:spLocks noGrp="1"/>
+          </p:cNvSpPr>
+          <p:nvPr>
+            <p:ph type="sldNum" sz="quarter" idx="10"/>
+          </p:nvPr>
+        </p:nvSpPr>
+        <p:spPr/>
+        <p:txBody>
+          <a:bodyPr/>
+          <a:lstStyle/>
+          <a:p>
+            <a:fld id="{4FEEE822-16E3-45BE-BF6C-4C46B46F90EB}" type="slidenum">
+              <a:rPr lang="en-US" smtClean="0"/>
+              <a:t>6</a:t>
             </a:fld>
             <a:endParaRPr lang="en-US"/>
           </a:p>
@@ -680,7 +1021,7 @@
           <a:p>
             <a:fld id="{54A96814-A5BE-4929-B187-3C162A57AD79}" type="datetimeFigureOut">
               <a:rPr lang="en-US" smtClean="0"/>
-              <a:t>6/29/2017</a:t>
+              <a:t>11/9/2017</a:t>
             </a:fld>
             <a:endParaRPr lang="en-US"/>
           </a:p>
@@ -850,7 +1191,7 @@
           <a:p>
             <a:fld id="{54A96814-A5BE-4929-B187-3C162A57AD79}" type="datetimeFigureOut">
               <a:rPr lang="en-US" smtClean="0"/>
-              <a:t>6/29/2017</a:t>
+              <a:t>11/9/2017</a:t>
             </a:fld>
             <a:endParaRPr lang="en-US"/>
           </a:p>
@@ -1030,7 +1371,7 @@
           <a:p>
             <a:fld id="{54A96814-A5BE-4929-B187-3C162A57AD79}" type="datetimeFigureOut">
               <a:rPr lang="en-US" smtClean="0"/>
-              <a:t>6/29/2017</a:t>
+              <a:t>11/9/2017</a:t>
             </a:fld>
             <a:endParaRPr lang="en-US"/>
           </a:p>
@@ -1200,7 +1541,7 @@
           <a:p>
             <a:fld id="{54A96814-A5BE-4929-B187-3C162A57AD79}" type="datetimeFigureOut">
               <a:rPr lang="en-US" smtClean="0"/>
-              <a:t>6/29/2017</a:t>
+              <a:t>11/9/2017</a:t>
             </a:fld>
             <a:endParaRPr lang="en-US"/>
           </a:p>
@@ -1446,7 +1787,7 @@
           <a:p>
             <a:fld id="{54A96814-A5BE-4929-B187-3C162A57AD79}" type="datetimeFigureOut">
               <a:rPr lang="en-US" smtClean="0"/>
-              <a:t>6/29/2017</a:t>
+              <a:t>11/9/2017</a:t>
             </a:fld>
             <a:endParaRPr lang="en-US"/>
           </a:p>
@@ -1678,7 +2019,7 @@
           <a:p>
             <a:fld id="{54A96814-A5BE-4929-B187-3C162A57AD79}" type="datetimeFigureOut">
               <a:rPr lang="en-US" smtClean="0"/>
-              <a:t>6/29/2017</a:t>
+              <a:t>11/9/2017</a:t>
             </a:fld>
             <a:endParaRPr lang="en-US"/>
           </a:p>
@@ -2045,7 +2386,7 @@
           <a:p>
             <a:fld id="{54A96814-A5BE-4929-B187-3C162A57AD79}" type="datetimeFigureOut">
               <a:rPr lang="en-US" smtClean="0"/>
-              <a:t>6/29/2017</a:t>
+              <a:t>11/9/2017</a:t>
             </a:fld>
             <a:endParaRPr lang="en-US"/>
           </a:p>
@@ -2163,7 +2504,7 @@
           <a:p>
             <a:fld id="{54A96814-A5BE-4929-B187-3C162A57AD79}" type="datetimeFigureOut">
               <a:rPr lang="en-US" smtClean="0"/>
-              <a:t>6/29/2017</a:t>
+              <a:t>11/9/2017</a:t>
             </a:fld>
             <a:endParaRPr lang="en-US"/>
           </a:p>
@@ -2258,7 +2599,7 @@
           <a:p>
             <a:fld id="{54A96814-A5BE-4929-B187-3C162A57AD79}" type="datetimeFigureOut">
               <a:rPr lang="en-US" smtClean="0"/>
-              <a:t>6/29/2017</a:t>
+              <a:t>11/9/2017</a:t>
             </a:fld>
             <a:endParaRPr lang="en-US"/>
           </a:p>
@@ -2535,7 +2876,7 @@
           <a:p>
             <a:fld id="{54A96814-A5BE-4929-B187-3C162A57AD79}" type="datetimeFigureOut">
               <a:rPr lang="en-US" smtClean="0"/>
-              <a:t>6/29/2017</a:t>
+              <a:t>11/9/2017</a:t>
             </a:fld>
             <a:endParaRPr lang="en-US"/>
           </a:p>
@@ -2788,7 +3129,7 @@
           <a:p>
             <a:fld id="{54A96814-A5BE-4929-B187-3C162A57AD79}" type="datetimeFigureOut">
               <a:rPr lang="en-US" smtClean="0"/>
-              <a:t>6/29/2017</a:t>
+              <a:t>11/9/2017</a:t>
             </a:fld>
             <a:endParaRPr lang="en-US"/>
           </a:p>
@@ -3001,7 +3342,7 @@
           <a:p>
             <a:fld id="{54A96814-A5BE-4929-B187-3C162A57AD79}" type="datetimeFigureOut">
               <a:rPr lang="en-US" smtClean="0"/>
-              <a:t>6/29/2017</a:t>
+              <a:t>11/9/2017</a:t>
             </a:fld>
             <a:endParaRPr lang="en-US"/>
           </a:p>
@@ -3408,14 +3749,214 @@
       </p:grpSpPr>
       <p:sp>
         <p:nvSpPr>
+          <p:cNvPr id="2" name="Title 1"/>
+          <p:cNvSpPr>
+            <a:spLocks noGrp="1"/>
+          </p:cNvSpPr>
+          <p:nvPr>
+            <p:ph type="title"/>
+          </p:nvPr>
+        </p:nvSpPr>
+        <p:spPr/>
+        <p:txBody>
+          <a:bodyPr/>
+          <a:lstStyle/>
+          <a:p>
+            <a:r>
+              <a:rPr lang="en-US" dirty="0" smtClean="0"/>
+              <a:t>Protecting Containerized Workloads</a:t>
+            </a:r>
+            <a:endParaRPr lang="en-US" dirty="0"/>
+          </a:p>
+        </p:txBody>
+      </p:sp>
+      <p:sp>
+        <p:nvSpPr>
+          <p:cNvPr id="3" name="Content Placeholder 2"/>
+          <p:cNvSpPr>
+            <a:spLocks noGrp="1"/>
+          </p:cNvSpPr>
+          <p:nvPr>
+            <p:ph idx="1"/>
+          </p:nvPr>
+        </p:nvSpPr>
+        <p:spPr/>
+        <p:txBody>
+          <a:bodyPr>
+            <a:normAutofit fontScale="55000" lnSpcReduction="20000"/>
+          </a:bodyPr>
+          <a:lstStyle/>
+          <a:p>
+            <a:r>
+              <a:rPr lang="en-US" dirty="0" smtClean="0"/>
+              <a:t>OSC Differentiators</a:t>
+            </a:r>
+          </a:p>
+          <a:p>
+            <a:pPr lvl="1"/>
+            <a:r>
+              <a:rPr lang="en-US" dirty="0" smtClean="0"/>
+              <a:t>Vendor agnostic solution</a:t>
+            </a:r>
+          </a:p>
+          <a:p>
+            <a:pPr lvl="1"/>
+            <a:r>
+              <a:rPr lang="en-US" dirty="0" smtClean="0"/>
+              <a:t>Centralized protection across data centers</a:t>
+            </a:r>
+          </a:p>
+          <a:p>
+            <a:pPr lvl="1"/>
+            <a:r>
+              <a:rPr lang="en-US" dirty="0" smtClean="0"/>
+              <a:t>Virtualization platform </a:t>
+            </a:r>
+            <a:r>
+              <a:rPr lang="en-US" dirty="0" smtClean="0"/>
+              <a:t>aware</a:t>
+            </a:r>
+            <a:endParaRPr lang="en-US" dirty="0" smtClean="0"/>
+          </a:p>
+          <a:p>
+            <a:endParaRPr lang="en-US" dirty="0" smtClean="0"/>
+          </a:p>
+          <a:p>
+            <a:r>
+              <a:rPr lang="en-US" dirty="0" smtClean="0"/>
+              <a:t>Containers Space</a:t>
+            </a:r>
+          </a:p>
+          <a:p>
+            <a:pPr lvl="1"/>
+            <a:r>
+              <a:rPr lang="en-US" dirty="0" smtClean="0"/>
+              <a:t>Security flaws</a:t>
+            </a:r>
+          </a:p>
+          <a:p>
+            <a:pPr lvl="1"/>
+            <a:r>
+              <a:rPr lang="en-US" dirty="0" smtClean="0"/>
+              <a:t>Security VNF on </a:t>
+            </a:r>
+            <a:r>
+              <a:rPr lang="en-US" dirty="0" smtClean="0"/>
+              <a:t>containers</a:t>
+            </a:r>
+            <a:endParaRPr lang="en-US" dirty="0" smtClean="0"/>
+          </a:p>
+          <a:p>
+            <a:pPr lvl="2"/>
+            <a:r>
+              <a:rPr lang="en-US" dirty="0" smtClean="0"/>
+              <a:t>Runtime defense</a:t>
+            </a:r>
+          </a:p>
+          <a:p>
+            <a:pPr lvl="2"/>
+            <a:r>
+              <a:rPr lang="en-US" dirty="0" smtClean="0"/>
+              <a:t>Network application</a:t>
+            </a:r>
+          </a:p>
+          <a:p>
+            <a:pPr lvl="2"/>
+            <a:r>
+              <a:rPr lang="en-US" dirty="0" smtClean="0"/>
+              <a:t>Dynamic workloads</a:t>
+            </a:r>
+          </a:p>
+          <a:p>
+            <a:pPr lvl="2"/>
+            <a:r>
+              <a:rPr lang="en-US" dirty="0" smtClean="0"/>
+              <a:t>Segmentation (east-west traffic)</a:t>
+            </a:r>
+          </a:p>
+          <a:p>
+            <a:pPr lvl="2"/>
+            <a:r>
+              <a:rPr lang="en-US" dirty="0" smtClean="0"/>
+              <a:t>Zero configuration  </a:t>
+            </a:r>
+          </a:p>
+          <a:p>
+            <a:pPr lvl="1"/>
+            <a:r>
+              <a:rPr lang="en-US" dirty="0" smtClean="0"/>
+              <a:t>Container adoption</a:t>
+            </a:r>
+          </a:p>
+          <a:p>
+            <a:pPr marL="457200" lvl="1" indent="0">
+              <a:buNone/>
+            </a:pPr>
+            <a:endParaRPr lang="en-US" dirty="0"/>
+          </a:p>
+          <a:p>
+            <a:endParaRPr lang="en-US" dirty="0" smtClean="0"/>
+          </a:p>
+          <a:p>
+            <a:r>
+              <a:rPr lang="en-US" dirty="0" smtClean="0"/>
+              <a:t>Deployment</a:t>
+            </a:r>
+          </a:p>
+          <a:p>
+            <a:r>
+              <a:rPr lang="en-US" dirty="0" smtClean="0"/>
+              <a:t>Workload discovery</a:t>
+            </a:r>
+          </a:p>
+          <a:p>
+            <a:r>
+              <a:rPr lang="en-US" dirty="0" smtClean="0"/>
+              <a:t>Traffic redirection</a:t>
+            </a:r>
+          </a:p>
+        </p:txBody>
+      </p:sp>
+    </p:spTree>
+    <p:extLst>
+      <p:ext uri="{BB962C8B-B14F-4D97-AF65-F5344CB8AC3E}">
+        <p14:creationId xmlns:p14="http://schemas.microsoft.com/office/powerpoint/2010/main" val="2533062890"/>
+      </p:ext>
+    </p:extLst>
+  </p:cSld>
+  <p:clrMapOvr>
+    <a:masterClrMapping/>
+  </p:clrMapOvr>
+</p:sld>
+</file>
+
+<file path=ppt/slides/slide2.xml><?xml version="1.0" encoding="utf-8"?>
+<p:sld xmlns:a="http://schemas.openxmlformats.org/drawingml/2006/main" xmlns:r="http://schemas.openxmlformats.org/officeDocument/2006/relationships" xmlns:p="http://schemas.openxmlformats.org/presentationml/2006/main">
+  <p:cSld>
+    <p:spTree>
+      <p:nvGrpSpPr>
+        <p:cNvPr id="1" name=""/>
+        <p:cNvGrpSpPr/>
+        <p:nvPr/>
+      </p:nvGrpSpPr>
+      <p:grpSpPr>
+        <a:xfrm>
+          <a:off x="0" y="0"/>
+          <a:ext cx="0" cy="0"/>
+          <a:chOff x="0" y="0"/>
+          <a:chExt cx="0" cy="0"/>
+        </a:xfrm>
+      </p:grpSpPr>
+      <p:sp>
+        <p:nvSpPr>
           <p:cNvPr id="8" name="Rectangle 7"/>
           <p:cNvSpPr/>
           <p:nvPr/>
         </p:nvSpPr>
         <p:spPr>
           <a:xfrm>
-            <a:off x="4580626" y="3485072"/>
-            <a:ext cx="3547373" cy="1362974"/>
+            <a:off x="4580626" y="2421038"/>
+            <a:ext cx="3547373" cy="493604"/>
           </a:xfrm>
           <a:prstGeom prst="rect">
             <a:avLst/>
@@ -3449,6 +3990,13 @@
             <a:pPr algn="ctr"/>
             <a:r>
               <a:rPr lang="en-US" sz="1400" dirty="0" smtClean="0"/>
+              <a:t>K8s API Server/</a:t>
+            </a:r>
+          </a:p>
+          <a:p>
+            <a:pPr algn="ctr"/>
+            <a:r>
+              <a:rPr lang="en-US" sz="1400" dirty="0" smtClean="0"/>
               <a:t>K8S Controller</a:t>
             </a:r>
             <a:endParaRPr lang="en-US" sz="1400" dirty="0"/>
@@ -3492,7 +4040,7 @@
           <a:p>
             <a:pPr algn="ctr"/>
             <a:r>
-              <a:rPr lang="en-US" sz="1100" dirty="0"/>
+              <a:rPr lang="en-US" dirty="0"/>
               <a:t>OSC</a:t>
             </a:r>
           </a:p>
@@ -3506,8 +4054,8 @@
         </p:nvSpPr>
         <p:spPr>
           <a:xfrm>
-            <a:off x="5706373" y="2040147"/>
-            <a:ext cx="1785668" cy="379562"/>
+            <a:off x="5876931" y="1362229"/>
+            <a:ext cx="1388393" cy="195883"/>
           </a:xfrm>
           <a:prstGeom prst="rect">
             <a:avLst/>
@@ -3536,7 +4084,7 @@
             <a:pPr algn="ctr"/>
             <a:r>
               <a:rPr lang="en-US" sz="1200" dirty="0" smtClean="0"/>
-              <a:t>SFC SDK</a:t>
+              <a:t>SDN SDK</a:t>
             </a:r>
             <a:endParaRPr lang="en-US" sz="1200" dirty="0"/>
           </a:p>
@@ -3550,8 +4098,8 @@
         </p:nvSpPr>
         <p:spPr>
           <a:xfrm>
-            <a:off x="5710687" y="2605177"/>
-            <a:ext cx="1802921" cy="621102"/>
+            <a:off x="5591736" y="1902545"/>
+            <a:ext cx="1958781" cy="265574"/>
           </a:xfrm>
           <a:prstGeom prst="rect">
             <a:avLst/>
@@ -3579,30 +4127,34 @@
           <a:p>
             <a:pPr algn="ctr"/>
             <a:r>
-              <a:rPr lang="en-US" sz="1200" dirty="0"/>
-              <a:t>SFC OVN Plugin</a:t>
-            </a:r>
-          </a:p>
-        </p:txBody>
-      </p:sp>
-      <p:sp>
-        <p:nvSpPr>
-          <p:cNvPr id="7" name="Rectangle 6"/>
+              <a:rPr lang="en-US" sz="1200" dirty="0" err="1" smtClean="0"/>
+              <a:t>Nuage</a:t>
+            </a:r>
+            <a:r>
+              <a:rPr lang="en-US" sz="1200" dirty="0" smtClean="0"/>
+              <a:t>/Sample SDN Plugin</a:t>
+            </a:r>
+            <a:endParaRPr lang="en-US" sz="1200" dirty="0"/>
+          </a:p>
+        </p:txBody>
+      </p:sp>
+      <p:sp>
+        <p:nvSpPr>
+          <p:cNvPr id="15" name="Rectangle 14"/>
           <p:cNvSpPr/>
           <p:nvPr/>
         </p:nvSpPr>
         <p:spPr>
           <a:xfrm>
-            <a:off x="7013275" y="3545458"/>
-            <a:ext cx="957532" cy="477713"/>
+            <a:off x="3217025" y="3473585"/>
+            <a:ext cx="2922371" cy="963422"/>
           </a:xfrm>
           <a:prstGeom prst="rect">
             <a:avLst/>
           </a:prstGeom>
           <a:solidFill>
-            <a:schemeClr val="accent6">
-              <a:lumMod val="60000"/>
-              <a:lumOff val="40000"/>
+            <a:schemeClr val="bg2">
+              <a:lumMod val="75000"/>
             </a:schemeClr>
           </a:solidFill>
         </p:spPr>
@@ -3623,55 +4175,6 @@
           </a:fontRef>
         </p:style>
         <p:txBody>
-          <a:bodyPr rtlCol="0" anchor="ctr"/>
-          <a:lstStyle/>
-          <a:p>
-            <a:pPr algn="ctr"/>
-            <a:r>
-              <a:rPr lang="en-US" sz="1000" dirty="0" smtClean="0"/>
-              <a:t>OVN NB DB</a:t>
-            </a:r>
-            <a:endParaRPr lang="en-US" sz="1000" dirty="0"/>
-          </a:p>
-        </p:txBody>
-      </p:sp>
-      <p:sp>
-        <p:nvSpPr>
-          <p:cNvPr id="15" name="Rectangle 14"/>
-          <p:cNvSpPr/>
-          <p:nvPr/>
-        </p:nvSpPr>
-        <p:spPr>
-          <a:xfrm>
-            <a:off x="4569518" y="5302389"/>
-            <a:ext cx="1569878" cy="1026542"/>
-          </a:xfrm>
-          <a:prstGeom prst="rect">
-            <a:avLst/>
-          </a:prstGeom>
-          <a:solidFill>
-            <a:schemeClr val="bg2">
-              <a:lumMod val="75000"/>
-            </a:schemeClr>
-          </a:solidFill>
-        </p:spPr>
-        <p:style>
-          <a:lnRef idx="2">
-            <a:schemeClr val="accent1">
-              <a:shade val="50000"/>
-            </a:schemeClr>
-          </a:lnRef>
-          <a:fillRef idx="1">
-            <a:schemeClr val="accent1"/>
-          </a:fillRef>
-          <a:effectRef idx="0">
-            <a:schemeClr val="accent1"/>
-          </a:effectRef>
-          <a:fontRef idx="minor">
-            <a:schemeClr val="lt1"/>
-          </a:fontRef>
-        </p:style>
-        <p:txBody>
           <a:bodyPr rtlCol="0" anchor="t"/>
           <a:lstStyle/>
           <a:p>
@@ -3691,8 +4194,8 @@
         </p:nvSpPr>
         <p:spPr>
           <a:xfrm>
-            <a:off x="6478986" y="5276264"/>
-            <a:ext cx="1651623" cy="1026542"/>
+            <a:off x="6478986" y="3464084"/>
+            <a:ext cx="2889458" cy="1026542"/>
           </a:xfrm>
           <a:prstGeom prst="rect">
             <a:avLst/>
@@ -3742,11 +4245,13 @@
         </p:nvCxnSpPr>
         <p:spPr>
           <a:xfrm rot="5400000">
-            <a:off x="5627214" y="4575289"/>
-            <a:ext cx="454343" cy="999856"/>
+            <a:off x="5236791" y="2356062"/>
+            <a:ext cx="558943" cy="1676102"/>
           </a:xfrm>
           <a:prstGeom prst="bentConnector3">
-            <a:avLst/>
+            <a:avLst>
+              <a:gd name="adj1" fmla="val 50000"/>
+            </a:avLst>
           </a:prstGeom>
           <a:ln>
             <a:solidFill>
@@ -3781,11 +4286,13 @@
         </p:nvCxnSpPr>
         <p:spPr>
           <a:xfrm rot="16200000" flipH="1">
-            <a:off x="6615446" y="4586912"/>
-            <a:ext cx="428218" cy="950485"/>
+            <a:off x="6864293" y="2404662"/>
+            <a:ext cx="549442" cy="1569402"/>
           </a:xfrm>
           <a:prstGeom prst="bentConnector3">
-            <a:avLst/>
+            <a:avLst>
+              <a:gd name="adj1" fmla="val 50000"/>
+            </a:avLst>
           </a:prstGeom>
           <a:ln>
             <a:solidFill>
@@ -3809,248 +4316,6 @@
           </a:fontRef>
         </p:style>
       </p:cxnSp>
-      <p:cxnSp>
-        <p:nvCxnSpPr>
-          <p:cNvPr id="31" name="Elbow Connector 30"/>
-          <p:cNvCxnSpPr>
-            <a:stCxn id="4" idx="2"/>
-            <a:endCxn id="5" idx="0"/>
-          </p:cNvCxnSpPr>
-          <p:nvPr/>
-        </p:nvCxnSpPr>
-        <p:spPr>
-          <a:xfrm rot="16200000" flipH="1">
-            <a:off x="5488556" y="929496"/>
-            <a:ext cx="405442" cy="1815860"/>
-          </a:xfrm>
-          <a:prstGeom prst="bentConnector3">
-            <a:avLst/>
-          </a:prstGeom>
-          <a:ln>
-            <a:solidFill>
-              <a:schemeClr val="tx1"/>
-            </a:solidFill>
-            <a:tailEnd type="triangle"/>
-          </a:ln>
-        </p:spPr>
-        <p:style>
-          <a:lnRef idx="1">
-            <a:schemeClr val="accent1"/>
-          </a:lnRef>
-          <a:fillRef idx="0">
-            <a:schemeClr val="accent1"/>
-          </a:fillRef>
-          <a:effectRef idx="0">
-            <a:schemeClr val="accent1"/>
-          </a:effectRef>
-          <a:fontRef idx="minor">
-            <a:schemeClr val="tx1"/>
-          </a:fontRef>
-        </p:style>
-      </p:cxnSp>
-      <p:cxnSp>
-        <p:nvCxnSpPr>
-          <p:cNvPr id="33" name="Elbow Connector 32"/>
-          <p:cNvCxnSpPr>
-            <a:stCxn id="5" idx="2"/>
-            <a:endCxn id="6" idx="0"/>
-          </p:cNvCxnSpPr>
-          <p:nvPr/>
-        </p:nvCxnSpPr>
-        <p:spPr>
-          <a:xfrm rot="16200000" flipH="1">
-            <a:off x="6512943" y="2505972"/>
-            <a:ext cx="185468" cy="12941"/>
-          </a:xfrm>
-          <a:prstGeom prst="bentConnector3">
-            <a:avLst/>
-          </a:prstGeom>
-          <a:ln>
-            <a:solidFill>
-              <a:schemeClr val="tx1"/>
-            </a:solidFill>
-            <a:tailEnd type="triangle"/>
-          </a:ln>
-        </p:spPr>
-        <p:style>
-          <a:lnRef idx="1">
-            <a:schemeClr val="accent1"/>
-          </a:lnRef>
-          <a:fillRef idx="0">
-            <a:schemeClr val="accent1"/>
-          </a:fillRef>
-          <a:effectRef idx="0">
-            <a:schemeClr val="accent1"/>
-          </a:effectRef>
-          <a:fontRef idx="minor">
-            <a:schemeClr val="tx1"/>
-          </a:fontRef>
-        </p:style>
-      </p:cxnSp>
-      <p:sp>
-        <p:nvSpPr>
-          <p:cNvPr id="34" name="Snip Diagonal Corner Rectangle 33"/>
-          <p:cNvSpPr/>
-          <p:nvPr/>
-        </p:nvSpPr>
-        <p:spPr>
-          <a:xfrm>
-            <a:off x="2342073" y="871267"/>
-            <a:ext cx="992036" cy="508958"/>
-          </a:xfrm>
-          <a:prstGeom prst="snip2DiagRect">
-            <a:avLst/>
-          </a:prstGeom>
-          <a:solidFill>
-            <a:srgbClr val="00B050"/>
-          </a:solidFill>
-        </p:spPr>
-        <p:style>
-          <a:lnRef idx="2">
-            <a:schemeClr val="accent1">
-              <a:shade val="50000"/>
-            </a:schemeClr>
-          </a:lnRef>
-          <a:fillRef idx="1">
-            <a:schemeClr val="accent1"/>
-          </a:fillRef>
-          <a:effectRef idx="0">
-            <a:schemeClr val="accent1"/>
-          </a:effectRef>
-          <a:fontRef idx="minor">
-            <a:schemeClr val="lt1"/>
-          </a:fontRef>
-        </p:style>
-        <p:txBody>
-          <a:bodyPr rtlCol="0" anchor="ctr"/>
-          <a:lstStyle/>
-          <a:p>
-            <a:pPr algn="ctr"/>
-            <a:r>
-              <a:rPr lang="en-US" sz="1100" dirty="0"/>
-              <a:t>Appliance VM Image</a:t>
-            </a:r>
-          </a:p>
-        </p:txBody>
-      </p:sp>
-      <p:cxnSp>
-        <p:nvCxnSpPr>
-          <p:cNvPr id="38" name="Elbow Connector 37"/>
-          <p:cNvCxnSpPr>
-            <a:stCxn id="34" idx="0"/>
-            <a:endCxn id="4" idx="1"/>
-          </p:cNvCxnSpPr>
-          <p:nvPr/>
-        </p:nvCxnSpPr>
-        <p:spPr>
-          <a:xfrm>
-            <a:off x="3334109" y="1125746"/>
-            <a:ext cx="526211" cy="1"/>
-          </a:xfrm>
-          <a:prstGeom prst="bentConnector3">
-            <a:avLst/>
-          </a:prstGeom>
-          <a:ln>
-            <a:solidFill>
-              <a:schemeClr val="tx1"/>
-            </a:solidFill>
-            <a:tailEnd type="triangle"/>
-          </a:ln>
-        </p:spPr>
-        <p:style>
-          <a:lnRef idx="1">
-            <a:schemeClr val="accent1"/>
-          </a:lnRef>
-          <a:fillRef idx="0">
-            <a:schemeClr val="accent1"/>
-          </a:fillRef>
-          <a:effectRef idx="0">
-            <a:schemeClr val="accent1"/>
-          </a:effectRef>
-          <a:fontRef idx="minor">
-            <a:schemeClr val="tx1"/>
-          </a:fontRef>
-        </p:style>
-      </p:cxnSp>
-      <p:cxnSp>
-        <p:nvCxnSpPr>
-          <p:cNvPr id="40" name="Elbow Connector 39"/>
-          <p:cNvCxnSpPr>
-            <a:stCxn id="8" idx="1"/>
-          </p:cNvCxnSpPr>
-          <p:nvPr/>
-        </p:nvCxnSpPr>
-        <p:spPr>
-          <a:xfrm rot="10800000">
-            <a:off x="4373598" y="1634713"/>
-            <a:ext cx="207028" cy="2531847"/>
-          </a:xfrm>
-          <a:prstGeom prst="bentConnector2">
-            <a:avLst/>
-          </a:prstGeom>
-          <a:ln>
-            <a:solidFill>
-              <a:schemeClr val="tx1"/>
-            </a:solidFill>
-            <a:tailEnd type="triangle"/>
-          </a:ln>
-        </p:spPr>
-        <p:style>
-          <a:lnRef idx="1">
-            <a:schemeClr val="accent1"/>
-          </a:lnRef>
-          <a:fillRef idx="0">
-            <a:schemeClr val="accent1"/>
-          </a:fillRef>
-          <a:effectRef idx="0">
-            <a:schemeClr val="accent1"/>
-          </a:effectRef>
-          <a:fontRef idx="minor">
-            <a:schemeClr val="tx1"/>
-          </a:fontRef>
-        </p:style>
-      </p:cxnSp>
-      <p:cxnSp>
-        <p:nvCxnSpPr>
-          <p:cNvPr id="42" name="Elbow Connector 41"/>
-          <p:cNvCxnSpPr>
-            <a:stCxn id="6" idx="3"/>
-            <a:endCxn id="7" idx="3"/>
-          </p:cNvCxnSpPr>
-          <p:nvPr/>
-        </p:nvCxnSpPr>
-        <p:spPr>
-          <a:xfrm>
-            <a:off x="7513608" y="2915728"/>
-            <a:ext cx="457199" cy="868587"/>
-          </a:xfrm>
-          <a:prstGeom prst="bentConnector3">
-            <a:avLst>
-              <a:gd name="adj1" fmla="val 150000"/>
-            </a:avLst>
-          </a:prstGeom>
-          <a:ln>
-            <a:solidFill>
-              <a:schemeClr val="tx1"/>
-            </a:solidFill>
-            <a:tailEnd type="triangle"/>
-          </a:ln>
-        </p:spPr>
-        <p:style>
-          <a:lnRef idx="1">
-            <a:schemeClr val="accent1"/>
-          </a:lnRef>
-          <a:fillRef idx="0">
-            <a:schemeClr val="accent1"/>
-          </a:fillRef>
-          <a:effectRef idx="0">
-            <a:schemeClr val="accent1"/>
-          </a:effectRef>
-          <a:fontRef idx="minor">
-            <a:schemeClr val="tx1"/>
-          </a:fontRef>
-        </p:style>
-      </p:cxnSp>
       <p:sp>
         <p:nvSpPr>
           <p:cNvPr id="48" name="TextBox 47"/>
@@ -4059,7 +4324,7 @@
         </p:nvSpPr>
         <p:spPr>
           <a:xfrm>
-            <a:off x="6018246" y="1495321"/>
+            <a:off x="1476587" y="2766980"/>
             <a:ext cx="1241750" cy="276999"/>
           </a:xfrm>
           <a:prstGeom prst="rect">
@@ -4104,13 +4369,6 @@
               </a:rPr>
               <a:t>steering</a:t>
             </a:r>
-            <a:endParaRPr lang="en-US" dirty="0">
-              <a:solidFill>
-                <a:schemeClr val="accent6">
-                  <a:lumMod val="75000"/>
-                </a:schemeClr>
-              </a:solidFill>
-            </a:endParaRPr>
           </a:p>
         </p:txBody>
       </p:sp>
@@ -4122,8 +4380,8 @@
         </p:nvSpPr>
         <p:spPr>
           <a:xfrm>
-            <a:off x="2823404" y="1878576"/>
-            <a:ext cx="1546321" cy="276999"/>
+            <a:off x="1464904" y="2222306"/>
+            <a:ext cx="759310" cy="276999"/>
           </a:xfrm>
           <a:prstGeom prst="rect">
             <a:avLst/>
@@ -4150,118 +4408,17 @@
           </a:lstStyle>
           <a:p>
             <a:r>
+              <a:rPr lang="en-US" dirty="0"/>
+              <a:t>1</a:t>
+            </a:r>
+            <a:r>
               <a:rPr lang="en-US" dirty="0" smtClean="0"/>
-              <a:t>2. workload </a:t>
-            </a:r>
-            <a:r>
-              <a:rPr lang="en-US" dirty="0"/>
-              <a:t>discovery</a:t>
+              <a:t>. deploy</a:t>
             </a:r>
             <a:endParaRPr lang="en-US" dirty="0"/>
           </a:p>
         </p:txBody>
       </p:sp>
-      <p:sp>
-        <p:nvSpPr>
-          <p:cNvPr id="76" name="Rectangle 75"/>
-          <p:cNvSpPr/>
-          <p:nvPr/>
-        </p:nvSpPr>
-        <p:spPr>
-          <a:xfrm>
-            <a:off x="4830414" y="3930542"/>
-            <a:ext cx="1117121" cy="606954"/>
-          </a:xfrm>
-          <a:prstGeom prst="rect">
-            <a:avLst/>
-          </a:prstGeom>
-          <a:solidFill>
-            <a:schemeClr val="accent4">
-              <a:lumMod val="60000"/>
-              <a:lumOff val="40000"/>
-            </a:schemeClr>
-          </a:solidFill>
-        </p:spPr>
-        <p:style>
-          <a:lnRef idx="2">
-            <a:schemeClr val="accent1">
-              <a:shade val="50000"/>
-            </a:schemeClr>
-          </a:lnRef>
-          <a:fillRef idx="1">
-            <a:schemeClr val="accent1"/>
-          </a:fillRef>
-          <a:effectRef idx="0">
-            <a:schemeClr val="accent1"/>
-          </a:effectRef>
-          <a:fontRef idx="minor">
-            <a:schemeClr val="lt1"/>
-          </a:fontRef>
-        </p:style>
-        <p:txBody>
-          <a:bodyPr rot="0" spcFirstLastPara="0" vertOverflow="overflow" horzOverflow="overflow" vert="horz" wrap="square" lIns="91440" tIns="45720" rIns="91440" bIns="45720" numCol="1" spcCol="0" rtlCol="0" fromWordArt="0" anchor="ctr" anchorCtr="0" forceAA="0" compatLnSpc="1">
-            <a:prstTxWarp prst="textNoShape">
-              <a:avLst/>
-            </a:prstTxWarp>
-            <a:noAutofit/>
-          </a:bodyPr>
-          <a:lstStyle/>
-          <a:p>
-            <a:pPr algn="ctr"/>
-            <a:r>
-              <a:rPr lang="en-US" sz="1000" dirty="0" err="1"/>
-              <a:t>VirtLet</a:t>
-            </a:r>
-            <a:r>
-              <a:rPr lang="en-US" sz="1000" dirty="0"/>
-              <a:t>/</a:t>
-            </a:r>
-            <a:r>
-              <a:rPr lang="en-US" sz="1000" dirty="0" err="1"/>
-              <a:t>KubeVirt</a:t>
-            </a:r>
-            <a:endParaRPr lang="en-US" sz="1000" dirty="0"/>
-          </a:p>
-        </p:txBody>
-      </p:sp>
-      <p:cxnSp>
-        <p:nvCxnSpPr>
-          <p:cNvPr id="79" name="Elbow Connector 78"/>
-          <p:cNvCxnSpPr/>
-          <p:nvPr/>
-        </p:nvCxnSpPr>
-        <p:spPr>
-          <a:xfrm rot="16200000" flipH="1">
-            <a:off x="4218254" y="2222983"/>
-            <a:ext cx="1827853" cy="682179"/>
-          </a:xfrm>
-          <a:prstGeom prst="bentConnector3">
-            <a:avLst>
-              <a:gd name="adj1" fmla="val 50000"/>
-            </a:avLst>
-          </a:prstGeom>
-          <a:ln>
-            <a:solidFill>
-              <a:schemeClr val="tx1"/>
-            </a:solidFill>
-            <a:tailEnd type="triangle"/>
-          </a:ln>
-        </p:spPr>
-        <p:style>
-          <a:lnRef idx="1">
-            <a:schemeClr val="accent1"/>
-          </a:lnRef>
-          <a:fillRef idx="0">
-            <a:schemeClr val="accent1"/>
-          </a:fillRef>
-          <a:effectRef idx="0">
-            <a:schemeClr val="accent1"/>
-          </a:effectRef>
-          <a:fontRef idx="minor">
-            <a:schemeClr val="tx1"/>
-          </a:fontRef>
-        </p:style>
-      </p:cxnSp>
       <p:sp>
         <p:nvSpPr>
           <p:cNvPr id="81" name="TextBox 80"/>
@@ -4270,8 +4427,8 @@
         </p:nvSpPr>
         <p:spPr>
           <a:xfrm>
-            <a:off x="4746682" y="2110839"/>
-            <a:ext cx="794576" cy="276999"/>
+            <a:off x="1473217" y="2492935"/>
+            <a:ext cx="1546321" cy="276999"/>
           </a:xfrm>
           <a:prstGeom prst="rect">
             <a:avLst/>
@@ -4292,6 +4449,5568 @@
           </a:lstStyle>
           <a:p>
             <a:r>
+              <a:rPr lang="en-US" dirty="0">
+                <a:solidFill>
+                  <a:schemeClr val="accent6">
+                    <a:lumMod val="75000"/>
+                  </a:schemeClr>
+                </a:solidFill>
+              </a:rPr>
+              <a:t>2</a:t>
+            </a:r>
+            <a:r>
+              <a:rPr lang="en-US" dirty="0" smtClean="0">
+                <a:solidFill>
+                  <a:schemeClr val="accent6">
+                    <a:lumMod val="75000"/>
+                  </a:schemeClr>
+                </a:solidFill>
+              </a:rPr>
+              <a:t>. workload discovery</a:t>
+            </a:r>
+          </a:p>
+        </p:txBody>
+      </p:sp>
+      <p:sp>
+        <p:nvSpPr>
+          <p:cNvPr id="113" name="Flowchart: Multidocument 112"/>
+          <p:cNvSpPr/>
+          <p:nvPr/>
+        </p:nvSpPr>
+        <p:spPr>
+          <a:xfrm>
+            <a:off x="4942918" y="3765295"/>
+            <a:ext cx="1060704" cy="595224"/>
+          </a:xfrm>
+          <a:prstGeom prst="flowChartMultidocument">
+            <a:avLst/>
+          </a:prstGeom>
+          <a:solidFill>
+            <a:schemeClr val="accent2">
+              <a:lumMod val="50000"/>
+            </a:schemeClr>
+          </a:solidFill>
+          <a:ln>
+            <a:noFill/>
+          </a:ln>
+        </p:spPr>
+        <p:style>
+          <a:lnRef idx="2">
+            <a:schemeClr val="accent1">
+              <a:shade val="50000"/>
+            </a:schemeClr>
+          </a:lnRef>
+          <a:fillRef idx="1">
+            <a:schemeClr val="accent1"/>
+          </a:fillRef>
+          <a:effectRef idx="0">
+            <a:schemeClr val="accent1"/>
+          </a:effectRef>
+          <a:fontRef idx="minor">
+            <a:schemeClr val="lt1"/>
+          </a:fontRef>
+        </p:style>
+        <p:txBody>
+          <a:bodyPr rtlCol="0" anchor="ctr"/>
+          <a:lstStyle/>
+          <a:p>
+            <a:pPr algn="ctr"/>
+            <a:r>
+              <a:rPr lang="en-US" sz="1100" dirty="0"/>
+              <a:t>Workload pods</a:t>
+            </a:r>
+          </a:p>
+        </p:txBody>
+      </p:sp>
+      <p:sp>
+        <p:nvSpPr>
+          <p:cNvPr id="114" name="Flowchart: Multidocument 113"/>
+          <p:cNvSpPr/>
+          <p:nvPr/>
+        </p:nvSpPr>
+        <p:spPr>
+          <a:xfrm>
+            <a:off x="8211126" y="3840539"/>
+            <a:ext cx="1060704" cy="595224"/>
+          </a:xfrm>
+          <a:prstGeom prst="flowChartMultidocument">
+            <a:avLst/>
+          </a:prstGeom>
+          <a:solidFill>
+            <a:schemeClr val="accent2">
+              <a:lumMod val="50000"/>
+            </a:schemeClr>
+          </a:solidFill>
+          <a:ln>
+            <a:noFill/>
+          </a:ln>
+        </p:spPr>
+        <p:style>
+          <a:lnRef idx="2">
+            <a:schemeClr val="accent1">
+              <a:shade val="50000"/>
+            </a:schemeClr>
+          </a:lnRef>
+          <a:fillRef idx="1">
+            <a:schemeClr val="accent1"/>
+          </a:fillRef>
+          <a:effectRef idx="0">
+            <a:schemeClr val="accent1"/>
+          </a:effectRef>
+          <a:fontRef idx="minor">
+            <a:schemeClr val="lt1"/>
+          </a:fontRef>
+        </p:style>
+        <p:txBody>
+          <a:bodyPr rtlCol="0" anchor="ctr"/>
+          <a:lstStyle/>
+          <a:p>
+            <a:pPr algn="ctr"/>
+            <a:r>
+              <a:rPr lang="en-US" sz="1100" dirty="0"/>
+              <a:t>Workload pods</a:t>
+            </a:r>
+          </a:p>
+        </p:txBody>
+      </p:sp>
+      <p:sp>
+        <p:nvSpPr>
+          <p:cNvPr id="50" name="Flowchart: Multidocument 49"/>
+          <p:cNvSpPr/>
+          <p:nvPr/>
+        </p:nvSpPr>
+        <p:spPr>
+          <a:xfrm>
+            <a:off x="3450548" y="3752588"/>
+            <a:ext cx="1060704" cy="595224"/>
+          </a:xfrm>
+          <a:prstGeom prst="flowChartMultidocument">
+            <a:avLst/>
+          </a:prstGeom>
+          <a:solidFill>
+            <a:schemeClr val="accent6">
+              <a:lumMod val="50000"/>
+            </a:schemeClr>
+          </a:solidFill>
+          <a:ln>
+            <a:noFill/>
+          </a:ln>
+        </p:spPr>
+        <p:style>
+          <a:lnRef idx="2">
+            <a:schemeClr val="accent1">
+              <a:shade val="50000"/>
+            </a:schemeClr>
+          </a:lnRef>
+          <a:fillRef idx="1">
+            <a:schemeClr val="accent1"/>
+          </a:fillRef>
+          <a:effectRef idx="0">
+            <a:schemeClr val="accent1"/>
+          </a:effectRef>
+          <a:fontRef idx="minor">
+            <a:schemeClr val="lt1"/>
+          </a:fontRef>
+        </p:style>
+        <p:txBody>
+          <a:bodyPr rtlCol="0" anchor="ctr"/>
+          <a:lstStyle/>
+          <a:p>
+            <a:pPr algn="ctr"/>
+            <a:r>
+              <a:rPr lang="en-US" sz="1100" dirty="0"/>
+              <a:t>security VNF pods</a:t>
+            </a:r>
+          </a:p>
+        </p:txBody>
+      </p:sp>
+      <p:sp>
+        <p:nvSpPr>
+          <p:cNvPr id="51" name="Flowchart: Multidocument 50"/>
+          <p:cNvSpPr/>
+          <p:nvPr/>
+        </p:nvSpPr>
+        <p:spPr>
+          <a:xfrm>
+            <a:off x="6669124" y="3811148"/>
+            <a:ext cx="1060704" cy="595224"/>
+          </a:xfrm>
+          <a:prstGeom prst="flowChartMultidocument">
+            <a:avLst/>
+          </a:prstGeom>
+          <a:solidFill>
+            <a:schemeClr val="accent6">
+              <a:lumMod val="50000"/>
+            </a:schemeClr>
+          </a:solidFill>
+          <a:ln>
+            <a:noFill/>
+          </a:ln>
+        </p:spPr>
+        <p:style>
+          <a:lnRef idx="2">
+            <a:schemeClr val="accent1">
+              <a:shade val="50000"/>
+            </a:schemeClr>
+          </a:lnRef>
+          <a:fillRef idx="1">
+            <a:schemeClr val="accent1"/>
+          </a:fillRef>
+          <a:effectRef idx="0">
+            <a:schemeClr val="accent1"/>
+          </a:effectRef>
+          <a:fontRef idx="minor">
+            <a:schemeClr val="lt1"/>
+          </a:fontRef>
+        </p:style>
+        <p:txBody>
+          <a:bodyPr rtlCol="0" anchor="ctr"/>
+          <a:lstStyle/>
+          <a:p>
+            <a:pPr algn="ctr"/>
+            <a:r>
+              <a:rPr lang="en-US" sz="1100" dirty="0"/>
+              <a:t>security VNF pods</a:t>
+            </a:r>
+          </a:p>
+        </p:txBody>
+      </p:sp>
+      <p:cxnSp>
+        <p:nvCxnSpPr>
+          <p:cNvPr id="32" name="Elbow Connector 31"/>
+          <p:cNvCxnSpPr>
+            <a:stCxn id="4" idx="1"/>
+            <a:endCxn id="8" idx="1"/>
+          </p:cNvCxnSpPr>
+          <p:nvPr/>
+        </p:nvCxnSpPr>
+        <p:spPr>
+          <a:xfrm rot="10800000" flipH="1" flipV="1">
+            <a:off x="3860320" y="1125746"/>
+            <a:ext cx="720306" cy="1542093"/>
+          </a:xfrm>
+          <a:prstGeom prst="bentConnector3">
+            <a:avLst>
+              <a:gd name="adj1" fmla="val -31737"/>
+            </a:avLst>
+          </a:prstGeom>
+          <a:ln>
+            <a:solidFill>
+              <a:schemeClr val="tx1"/>
+            </a:solidFill>
+            <a:headEnd type="triangle"/>
+            <a:tailEnd type="triangle"/>
+          </a:ln>
+        </p:spPr>
+        <p:style>
+          <a:lnRef idx="1">
+            <a:schemeClr val="accent1"/>
+          </a:lnRef>
+          <a:fillRef idx="0">
+            <a:schemeClr val="accent1"/>
+          </a:fillRef>
+          <a:effectRef idx="0">
+            <a:schemeClr val="accent1"/>
+          </a:effectRef>
+          <a:fontRef idx="minor">
+            <a:schemeClr val="tx1"/>
+          </a:fontRef>
+        </p:style>
+      </p:cxnSp>
+      <p:cxnSp>
+        <p:nvCxnSpPr>
+          <p:cNvPr id="52" name="Elbow Connector 51"/>
+          <p:cNvCxnSpPr>
+            <a:stCxn id="4" idx="3"/>
+            <a:endCxn id="5" idx="0"/>
+          </p:cNvCxnSpPr>
+          <p:nvPr/>
+        </p:nvCxnSpPr>
+        <p:spPr>
+          <a:xfrm>
+            <a:off x="5706373" y="1125747"/>
+            <a:ext cx="864755" cy="236482"/>
+          </a:xfrm>
+          <a:prstGeom prst="bentConnector2">
+            <a:avLst/>
+          </a:prstGeom>
+          <a:ln>
+            <a:solidFill>
+              <a:schemeClr val="tx1"/>
+            </a:solidFill>
+            <a:headEnd type="triangle"/>
+            <a:tailEnd type="triangle"/>
+          </a:ln>
+        </p:spPr>
+        <p:style>
+          <a:lnRef idx="1">
+            <a:schemeClr val="accent1"/>
+          </a:lnRef>
+          <a:fillRef idx="0">
+            <a:schemeClr val="accent1"/>
+          </a:fillRef>
+          <a:effectRef idx="0">
+            <a:schemeClr val="accent1"/>
+          </a:effectRef>
+          <a:fontRef idx="minor">
+            <a:schemeClr val="tx1"/>
+          </a:fontRef>
+        </p:style>
+      </p:cxnSp>
+      <p:sp>
+        <p:nvSpPr>
+          <p:cNvPr id="62" name="Rectangle 61"/>
+          <p:cNvSpPr/>
+          <p:nvPr/>
+        </p:nvSpPr>
+        <p:spPr>
+          <a:xfrm>
+            <a:off x="7845834" y="1359599"/>
+            <a:ext cx="1591781" cy="195882"/>
+          </a:xfrm>
+          <a:prstGeom prst="rect">
+            <a:avLst/>
+          </a:prstGeom>
+        </p:spPr>
+        <p:style>
+          <a:lnRef idx="2">
+            <a:schemeClr val="accent1">
+              <a:shade val="50000"/>
+            </a:schemeClr>
+          </a:lnRef>
+          <a:fillRef idx="1">
+            <a:schemeClr val="accent1"/>
+          </a:fillRef>
+          <a:effectRef idx="0">
+            <a:schemeClr val="accent1"/>
+          </a:effectRef>
+          <a:fontRef idx="minor">
+            <a:schemeClr val="lt1"/>
+          </a:fontRef>
+        </p:style>
+        <p:txBody>
+          <a:bodyPr rtlCol="0" anchor="ctr"/>
+          <a:lstStyle/>
+          <a:p>
+            <a:pPr algn="ctr"/>
+            <a:r>
+              <a:rPr lang="en-US" sz="1200" dirty="0" smtClean="0"/>
+              <a:t>SECURITY MGR SDK</a:t>
+            </a:r>
+            <a:endParaRPr lang="en-US" sz="1200" dirty="0"/>
+          </a:p>
+        </p:txBody>
+      </p:sp>
+      <p:sp>
+        <p:nvSpPr>
+          <p:cNvPr id="68" name="Rectangle 67"/>
+          <p:cNvSpPr/>
+          <p:nvPr/>
+        </p:nvSpPr>
+        <p:spPr>
+          <a:xfrm>
+            <a:off x="7631226" y="1902545"/>
+            <a:ext cx="2028164" cy="267080"/>
+          </a:xfrm>
+          <a:prstGeom prst="rect">
+            <a:avLst/>
+          </a:prstGeom>
+        </p:spPr>
+        <p:style>
+          <a:lnRef idx="2">
+            <a:schemeClr val="accent1">
+              <a:shade val="50000"/>
+            </a:schemeClr>
+          </a:lnRef>
+          <a:fillRef idx="1">
+            <a:schemeClr val="accent1"/>
+          </a:fillRef>
+          <a:effectRef idx="0">
+            <a:schemeClr val="accent1"/>
+          </a:effectRef>
+          <a:fontRef idx="minor">
+            <a:schemeClr val="lt1"/>
+          </a:fontRef>
+        </p:style>
+        <p:txBody>
+          <a:bodyPr rtlCol="0" anchor="ctr"/>
+          <a:lstStyle/>
+          <a:p>
+            <a:pPr algn="ctr"/>
+            <a:r>
+              <a:rPr lang="en-US" sz="1200" dirty="0" smtClean="0"/>
+              <a:t>Sample Security </a:t>
+            </a:r>
+            <a:r>
+              <a:rPr lang="en-US" sz="1200" dirty="0" err="1" smtClean="0"/>
+              <a:t>Mgr</a:t>
+            </a:r>
+            <a:r>
+              <a:rPr lang="en-US" sz="1200" dirty="0" smtClean="0"/>
+              <a:t> Plugin</a:t>
+            </a:r>
+            <a:endParaRPr lang="en-US" sz="1200" dirty="0"/>
+          </a:p>
+        </p:txBody>
+      </p:sp>
+      <p:cxnSp>
+        <p:nvCxnSpPr>
+          <p:cNvPr id="59" name="Elbow Connector 58"/>
+          <p:cNvCxnSpPr>
+            <a:stCxn id="62" idx="2"/>
+            <a:endCxn id="68" idx="0"/>
+          </p:cNvCxnSpPr>
+          <p:nvPr/>
+        </p:nvCxnSpPr>
+        <p:spPr>
+          <a:xfrm rot="16200000" flipH="1">
+            <a:off x="8469984" y="1727221"/>
+            <a:ext cx="347064" cy="3583"/>
+          </a:xfrm>
+          <a:prstGeom prst="bentConnector3">
+            <a:avLst/>
+          </a:prstGeom>
+          <a:ln>
+            <a:solidFill>
+              <a:schemeClr val="tx1"/>
+            </a:solidFill>
+            <a:tailEnd type="triangle"/>
+          </a:ln>
+        </p:spPr>
+        <p:style>
+          <a:lnRef idx="1">
+            <a:schemeClr val="accent1"/>
+          </a:lnRef>
+          <a:fillRef idx="0">
+            <a:schemeClr val="accent1"/>
+          </a:fillRef>
+          <a:effectRef idx="0">
+            <a:schemeClr val="accent1"/>
+          </a:effectRef>
+          <a:fontRef idx="minor">
+            <a:schemeClr val="tx1"/>
+          </a:fontRef>
+        </p:style>
+      </p:cxnSp>
+      <p:cxnSp>
+        <p:nvCxnSpPr>
+          <p:cNvPr id="94" name="Elbow Connector 93"/>
+          <p:cNvCxnSpPr/>
+          <p:nvPr/>
+        </p:nvCxnSpPr>
+        <p:spPr>
+          <a:xfrm>
+            <a:off x="5706373" y="974527"/>
+            <a:ext cx="2935352" cy="385070"/>
+          </a:xfrm>
+          <a:prstGeom prst="bentConnector3">
+            <a:avLst>
+              <a:gd name="adj1" fmla="val 100408"/>
+            </a:avLst>
+          </a:prstGeom>
+          <a:ln>
+            <a:solidFill>
+              <a:schemeClr val="tx1"/>
+            </a:solidFill>
+            <a:tailEnd type="triangle"/>
+          </a:ln>
+        </p:spPr>
+        <p:style>
+          <a:lnRef idx="1">
+            <a:schemeClr val="accent1"/>
+          </a:lnRef>
+          <a:fillRef idx="0">
+            <a:schemeClr val="accent1"/>
+          </a:fillRef>
+          <a:effectRef idx="0">
+            <a:schemeClr val="accent1"/>
+          </a:effectRef>
+          <a:fontRef idx="minor">
+            <a:schemeClr val="tx1"/>
+          </a:fontRef>
+        </p:style>
+      </p:cxnSp>
+      <p:cxnSp>
+        <p:nvCxnSpPr>
+          <p:cNvPr id="98" name="Elbow Connector 97"/>
+          <p:cNvCxnSpPr>
+            <a:stCxn id="5" idx="2"/>
+            <a:endCxn id="6" idx="0"/>
+          </p:cNvCxnSpPr>
+          <p:nvPr/>
+        </p:nvCxnSpPr>
+        <p:spPr>
+          <a:xfrm rot="5400000">
+            <a:off x="6398912" y="1730328"/>
+            <a:ext cx="344433" cy="1"/>
+          </a:xfrm>
+          <a:prstGeom prst="bentConnector3">
+            <a:avLst/>
+          </a:prstGeom>
+          <a:ln>
+            <a:solidFill>
+              <a:schemeClr val="tx1"/>
+            </a:solidFill>
+            <a:headEnd type="triangle"/>
+            <a:tailEnd type="triangle"/>
+          </a:ln>
+        </p:spPr>
+        <p:style>
+          <a:lnRef idx="1">
+            <a:schemeClr val="accent1"/>
+          </a:lnRef>
+          <a:fillRef idx="0">
+            <a:schemeClr val="accent1"/>
+          </a:fillRef>
+          <a:effectRef idx="0">
+            <a:schemeClr val="accent1"/>
+          </a:effectRef>
+          <a:fontRef idx="minor">
+            <a:schemeClr val="tx1"/>
+          </a:fontRef>
+        </p:style>
+      </p:cxnSp>
+      <p:sp>
+        <p:nvSpPr>
+          <p:cNvPr id="111" name="Right Arrow 110"/>
+          <p:cNvSpPr/>
+          <p:nvPr/>
+        </p:nvSpPr>
+        <p:spPr>
+          <a:xfrm>
+            <a:off x="1402304" y="458790"/>
+            <a:ext cx="2107605" cy="1333911"/>
+          </a:xfrm>
+          <a:prstGeom prst="rightArrow">
+            <a:avLst/>
+          </a:prstGeom>
+        </p:spPr>
+        <p:style>
+          <a:lnRef idx="2">
+            <a:schemeClr val="accent1">
+              <a:shade val="50000"/>
+            </a:schemeClr>
+          </a:lnRef>
+          <a:fillRef idx="1">
+            <a:schemeClr val="accent1"/>
+          </a:fillRef>
+          <a:effectRef idx="0">
+            <a:schemeClr val="accent1"/>
+          </a:effectRef>
+          <a:fontRef idx="minor">
+            <a:schemeClr val="lt1"/>
+          </a:fontRef>
+        </p:style>
+        <p:txBody>
+          <a:bodyPr rtlCol="0" anchor="ctr"/>
+          <a:lstStyle/>
+          <a:p>
+            <a:pPr algn="ctr"/>
+            <a:r>
+              <a:rPr lang="en-US" sz="1000" dirty="0" smtClean="0"/>
+              <a:t>Plugins, Docker </a:t>
+            </a:r>
+            <a:r>
+              <a:rPr lang="en-US" sz="1000" dirty="0" smtClean="0"/>
+              <a:t>image (</a:t>
+            </a:r>
+            <a:r>
+              <a:rPr lang="en-US" sz="1000" dirty="0" err="1" smtClean="0"/>
+              <a:t>corfr</a:t>
+            </a:r>
+            <a:r>
+              <a:rPr lang="en-US" sz="1000" dirty="0" smtClean="0"/>
+              <a:t>/</a:t>
+            </a:r>
+            <a:r>
+              <a:rPr lang="en-US" sz="1000" dirty="0" err="1" smtClean="0"/>
+              <a:t>tcpdump</a:t>
+            </a:r>
+            <a:r>
+              <a:rPr lang="en-US" sz="1000" dirty="0" smtClean="0"/>
+              <a:t>),</a:t>
+            </a:r>
+            <a:endParaRPr lang="en-US" sz="1000" dirty="0" smtClean="0"/>
+          </a:p>
+          <a:p>
+            <a:pPr algn="ctr"/>
+            <a:r>
+              <a:rPr lang="en-US" sz="1000" dirty="0" smtClean="0"/>
+              <a:t>Virtualization Connector, Security </a:t>
+            </a:r>
+            <a:r>
+              <a:rPr lang="en-US" sz="1000" dirty="0" smtClean="0"/>
+              <a:t>Manager </a:t>
+            </a:r>
+            <a:r>
+              <a:rPr lang="en-US" sz="1000" dirty="0" smtClean="0"/>
+              <a:t>Connector,</a:t>
+            </a:r>
+            <a:endParaRPr lang="en-US" sz="1000" dirty="0"/>
+          </a:p>
+        </p:txBody>
+      </p:sp>
+    </p:spTree>
+    <p:extLst>
+      <p:ext uri="{BB962C8B-B14F-4D97-AF65-F5344CB8AC3E}">
+        <p14:creationId xmlns:p14="http://schemas.microsoft.com/office/powerpoint/2010/main" val="4239635206"/>
+      </p:ext>
+    </p:extLst>
+  </p:cSld>
+  <p:clrMapOvr>
+    <a:masterClrMapping/>
+  </p:clrMapOvr>
+  <p:timing>
+    <p:tnLst>
+      <p:par>
+        <p:cTn id="1" dur="indefinite" restart="never" nodeType="tmRoot"/>
+      </p:par>
+    </p:tnLst>
+  </p:timing>
+</p:sld>
+</file>
+
+<file path=ppt/slides/slide3.xml><?xml version="1.0" encoding="utf-8"?>
+<p:sld xmlns:a="http://schemas.openxmlformats.org/drawingml/2006/main" xmlns:r="http://schemas.openxmlformats.org/officeDocument/2006/relationships" xmlns:p="http://schemas.openxmlformats.org/presentationml/2006/main">
+  <p:cSld>
+    <p:spTree>
+      <p:nvGrpSpPr>
+        <p:cNvPr id="1" name=""/>
+        <p:cNvGrpSpPr/>
+        <p:nvPr/>
+      </p:nvGrpSpPr>
+      <p:grpSpPr>
+        <a:xfrm>
+          <a:off x="0" y="0"/>
+          <a:ext cx="0" cy="0"/>
+          <a:chOff x="0" y="0"/>
+          <a:chExt cx="0" cy="0"/>
+        </a:xfrm>
+      </p:grpSpPr>
+      <p:sp>
+        <p:nvSpPr>
+          <p:cNvPr id="8" name="Rectangle 7"/>
+          <p:cNvSpPr/>
+          <p:nvPr/>
+        </p:nvSpPr>
+        <p:spPr>
+          <a:xfrm>
+            <a:off x="4580626" y="2421038"/>
+            <a:ext cx="3547373" cy="493604"/>
+          </a:xfrm>
+          <a:prstGeom prst="rect">
+            <a:avLst/>
+          </a:prstGeom>
+          <a:solidFill>
+            <a:schemeClr val="bg2">
+              <a:lumMod val="75000"/>
+            </a:schemeClr>
+          </a:solidFill>
+        </p:spPr>
+        <p:style>
+          <a:lnRef idx="2">
+            <a:schemeClr val="accent1">
+              <a:shade val="50000"/>
+            </a:schemeClr>
+          </a:lnRef>
+          <a:fillRef idx="1">
+            <a:schemeClr val="accent1"/>
+          </a:fillRef>
+          <a:effectRef idx="0">
+            <a:schemeClr val="accent1"/>
+          </a:effectRef>
+          <a:fontRef idx="minor">
+            <a:schemeClr val="lt1"/>
+          </a:fontRef>
+        </p:style>
+        <p:txBody>
+          <a:bodyPr rtlCol="0" anchor="t"/>
+          <a:lstStyle/>
+          <a:p>
+            <a:pPr algn="ctr"/>
+            <a:r>
+              <a:rPr lang="en-US" sz="1400" dirty="0" smtClean="0"/>
+              <a:t>K8s API Server/</a:t>
+            </a:r>
+          </a:p>
+          <a:p>
+            <a:pPr algn="ctr"/>
+            <a:r>
+              <a:rPr lang="en-US" sz="1400" dirty="0" smtClean="0"/>
+              <a:t>K8S Controller</a:t>
+            </a:r>
+            <a:endParaRPr lang="en-US" sz="1400" dirty="0"/>
+          </a:p>
+        </p:txBody>
+      </p:sp>
+      <p:sp>
+        <p:nvSpPr>
+          <p:cNvPr id="4" name="Rectangle 3"/>
+          <p:cNvSpPr/>
+          <p:nvPr/>
+        </p:nvSpPr>
+        <p:spPr>
+          <a:xfrm>
+            <a:off x="3860320" y="616788"/>
+            <a:ext cx="1846053" cy="1017917"/>
+          </a:xfrm>
+          <a:prstGeom prst="rect">
+            <a:avLst/>
+          </a:prstGeom>
+        </p:spPr>
+        <p:style>
+          <a:lnRef idx="2">
+            <a:schemeClr val="accent1">
+              <a:shade val="50000"/>
+            </a:schemeClr>
+          </a:lnRef>
+          <a:fillRef idx="1">
+            <a:schemeClr val="accent1"/>
+          </a:fillRef>
+          <a:effectRef idx="0">
+            <a:schemeClr val="accent1"/>
+          </a:effectRef>
+          <a:fontRef idx="minor">
+            <a:schemeClr val="lt1"/>
+          </a:fontRef>
+        </p:style>
+        <p:txBody>
+          <a:bodyPr rtlCol="0" anchor="ctr"/>
+          <a:lstStyle/>
+          <a:p>
+            <a:pPr algn="ctr"/>
+            <a:r>
+              <a:rPr lang="en-US" dirty="0"/>
+              <a:t>OSC</a:t>
+            </a:r>
+          </a:p>
+        </p:txBody>
+      </p:sp>
+      <p:sp>
+        <p:nvSpPr>
+          <p:cNvPr id="5" name="Rectangle 4"/>
+          <p:cNvSpPr/>
+          <p:nvPr/>
+        </p:nvSpPr>
+        <p:spPr>
+          <a:xfrm>
+            <a:off x="5876931" y="1362229"/>
+            <a:ext cx="1388393" cy="195883"/>
+          </a:xfrm>
+          <a:prstGeom prst="rect">
+            <a:avLst/>
+          </a:prstGeom>
+        </p:spPr>
+        <p:style>
+          <a:lnRef idx="2">
+            <a:schemeClr val="accent1">
+              <a:shade val="50000"/>
+            </a:schemeClr>
+          </a:lnRef>
+          <a:fillRef idx="1">
+            <a:schemeClr val="accent1"/>
+          </a:fillRef>
+          <a:effectRef idx="0">
+            <a:schemeClr val="accent1"/>
+          </a:effectRef>
+          <a:fontRef idx="minor">
+            <a:schemeClr val="lt1"/>
+          </a:fontRef>
+        </p:style>
+        <p:txBody>
+          <a:bodyPr rtlCol="0" anchor="ctr"/>
+          <a:lstStyle/>
+          <a:p>
+            <a:pPr algn="ctr"/>
+            <a:r>
+              <a:rPr lang="en-US" sz="1200" dirty="0" smtClean="0"/>
+              <a:t>SDN SDK</a:t>
+            </a:r>
+            <a:endParaRPr lang="en-US" sz="1200" dirty="0"/>
+          </a:p>
+        </p:txBody>
+      </p:sp>
+      <p:sp>
+        <p:nvSpPr>
+          <p:cNvPr id="6" name="Rectangle 5"/>
+          <p:cNvSpPr/>
+          <p:nvPr/>
+        </p:nvSpPr>
+        <p:spPr>
+          <a:xfrm>
+            <a:off x="5591736" y="1902545"/>
+            <a:ext cx="1958781" cy="265574"/>
+          </a:xfrm>
+          <a:prstGeom prst="rect">
+            <a:avLst/>
+          </a:prstGeom>
+        </p:spPr>
+        <p:style>
+          <a:lnRef idx="2">
+            <a:schemeClr val="accent1">
+              <a:shade val="50000"/>
+            </a:schemeClr>
+          </a:lnRef>
+          <a:fillRef idx="1">
+            <a:schemeClr val="accent1"/>
+          </a:fillRef>
+          <a:effectRef idx="0">
+            <a:schemeClr val="accent1"/>
+          </a:effectRef>
+          <a:fontRef idx="minor">
+            <a:schemeClr val="lt1"/>
+          </a:fontRef>
+        </p:style>
+        <p:txBody>
+          <a:bodyPr rtlCol="0" anchor="ctr"/>
+          <a:lstStyle/>
+          <a:p>
+            <a:pPr algn="ctr"/>
+            <a:r>
+              <a:rPr lang="en-US" sz="1200" dirty="0" err="1" smtClean="0"/>
+              <a:t>Nuage</a:t>
+            </a:r>
+            <a:r>
+              <a:rPr lang="en-US" sz="1200" dirty="0" smtClean="0"/>
+              <a:t>/Sample SDN Plugin</a:t>
+            </a:r>
+            <a:endParaRPr lang="en-US" sz="1200" dirty="0"/>
+          </a:p>
+        </p:txBody>
+      </p:sp>
+      <p:sp>
+        <p:nvSpPr>
+          <p:cNvPr id="15" name="Rectangle 14"/>
+          <p:cNvSpPr/>
+          <p:nvPr/>
+        </p:nvSpPr>
+        <p:spPr>
+          <a:xfrm>
+            <a:off x="3217025" y="3473585"/>
+            <a:ext cx="2922371" cy="963422"/>
+          </a:xfrm>
+          <a:prstGeom prst="rect">
+            <a:avLst/>
+          </a:prstGeom>
+          <a:solidFill>
+            <a:schemeClr val="bg2">
+              <a:lumMod val="75000"/>
+            </a:schemeClr>
+          </a:solidFill>
+        </p:spPr>
+        <p:style>
+          <a:lnRef idx="2">
+            <a:schemeClr val="accent1">
+              <a:shade val="50000"/>
+            </a:schemeClr>
+          </a:lnRef>
+          <a:fillRef idx="1">
+            <a:schemeClr val="accent1"/>
+          </a:fillRef>
+          <a:effectRef idx="0">
+            <a:schemeClr val="accent1"/>
+          </a:effectRef>
+          <a:fontRef idx="minor">
+            <a:schemeClr val="lt1"/>
+          </a:fontRef>
+        </p:style>
+        <p:txBody>
+          <a:bodyPr rtlCol="0" anchor="t"/>
+          <a:lstStyle/>
+          <a:p>
+            <a:pPr algn="ctr"/>
+            <a:r>
+              <a:rPr lang="en-US" sz="1400" dirty="0"/>
+              <a:t>K8S Minion1</a:t>
+            </a:r>
+          </a:p>
+        </p:txBody>
+      </p:sp>
+      <p:sp>
+        <p:nvSpPr>
+          <p:cNvPr id="22" name="Rectangle 21"/>
+          <p:cNvSpPr/>
+          <p:nvPr/>
+        </p:nvSpPr>
+        <p:spPr>
+          <a:xfrm>
+            <a:off x="6478986" y="3464084"/>
+            <a:ext cx="2889458" cy="1026542"/>
+          </a:xfrm>
+          <a:prstGeom prst="rect">
+            <a:avLst/>
+          </a:prstGeom>
+          <a:solidFill>
+            <a:schemeClr val="bg2">
+              <a:lumMod val="75000"/>
+            </a:schemeClr>
+          </a:solidFill>
+        </p:spPr>
+        <p:style>
+          <a:lnRef idx="2">
+            <a:schemeClr val="accent1">
+              <a:shade val="50000"/>
+            </a:schemeClr>
+          </a:lnRef>
+          <a:fillRef idx="1">
+            <a:schemeClr val="accent1"/>
+          </a:fillRef>
+          <a:effectRef idx="0">
+            <a:schemeClr val="accent1"/>
+          </a:effectRef>
+          <a:fontRef idx="minor">
+            <a:schemeClr val="lt1"/>
+          </a:fontRef>
+        </p:style>
+        <p:txBody>
+          <a:bodyPr rtlCol="0" anchor="t"/>
+          <a:lstStyle/>
+          <a:p>
+            <a:pPr algn="ctr"/>
+            <a:r>
+              <a:rPr lang="en-US" sz="1400" dirty="0"/>
+              <a:t>K8S Minion2</a:t>
+            </a:r>
+          </a:p>
+        </p:txBody>
+      </p:sp>
+      <p:cxnSp>
+        <p:nvCxnSpPr>
+          <p:cNvPr id="27" name="Elbow Connector 26"/>
+          <p:cNvCxnSpPr>
+            <a:stCxn id="8" idx="2"/>
+            <a:endCxn id="15" idx="0"/>
+          </p:cNvCxnSpPr>
+          <p:nvPr/>
+        </p:nvCxnSpPr>
+        <p:spPr>
+          <a:xfrm rot="5400000">
+            <a:off x="5236791" y="2356062"/>
+            <a:ext cx="558943" cy="1676102"/>
+          </a:xfrm>
+          <a:prstGeom prst="bentConnector3">
+            <a:avLst>
+              <a:gd name="adj1" fmla="val 50000"/>
+            </a:avLst>
+          </a:prstGeom>
+          <a:ln>
+            <a:solidFill>
+              <a:schemeClr val="tx1"/>
+            </a:solidFill>
+            <a:tailEnd type="triangle"/>
+          </a:ln>
+        </p:spPr>
+        <p:style>
+          <a:lnRef idx="1">
+            <a:schemeClr val="accent1"/>
+          </a:lnRef>
+          <a:fillRef idx="0">
+            <a:schemeClr val="accent1"/>
+          </a:fillRef>
+          <a:effectRef idx="0">
+            <a:schemeClr val="accent1"/>
+          </a:effectRef>
+          <a:fontRef idx="minor">
+            <a:schemeClr val="tx1"/>
+          </a:fontRef>
+        </p:style>
+      </p:cxnSp>
+      <p:cxnSp>
+        <p:nvCxnSpPr>
+          <p:cNvPr id="29" name="Elbow Connector 28"/>
+          <p:cNvCxnSpPr>
+            <a:stCxn id="8" idx="2"/>
+            <a:endCxn id="22" idx="0"/>
+          </p:cNvCxnSpPr>
+          <p:nvPr/>
+        </p:nvCxnSpPr>
+        <p:spPr>
+          <a:xfrm rot="16200000" flipH="1">
+            <a:off x="6864293" y="2404662"/>
+            <a:ext cx="549442" cy="1569402"/>
+          </a:xfrm>
+          <a:prstGeom prst="bentConnector3">
+            <a:avLst>
+              <a:gd name="adj1" fmla="val 50000"/>
+            </a:avLst>
+          </a:prstGeom>
+          <a:ln>
+            <a:solidFill>
+              <a:schemeClr val="tx1"/>
+            </a:solidFill>
+            <a:tailEnd type="triangle"/>
+          </a:ln>
+        </p:spPr>
+        <p:style>
+          <a:lnRef idx="1">
+            <a:schemeClr val="accent1"/>
+          </a:lnRef>
+          <a:fillRef idx="0">
+            <a:schemeClr val="accent1"/>
+          </a:fillRef>
+          <a:effectRef idx="0">
+            <a:schemeClr val="accent1"/>
+          </a:effectRef>
+          <a:fontRef idx="minor">
+            <a:schemeClr val="tx1"/>
+          </a:fontRef>
+        </p:style>
+      </p:cxnSp>
+      <p:sp>
+        <p:nvSpPr>
+          <p:cNvPr id="48" name="TextBox 47"/>
+          <p:cNvSpPr txBox="1"/>
+          <p:nvPr/>
+        </p:nvSpPr>
+        <p:spPr>
+          <a:xfrm>
+            <a:off x="1476587" y="2766980"/>
+            <a:ext cx="1241750" cy="276999"/>
+          </a:xfrm>
+          <a:prstGeom prst="rect">
+            <a:avLst/>
+          </a:prstGeom>
+          <a:noFill/>
+        </p:spPr>
+        <p:txBody>
+          <a:bodyPr wrap="none" rtlCol="0">
+            <a:spAutoFit/>
+          </a:bodyPr>
+          <a:lstStyle>
+            <a:defPPr>
+              <a:defRPr lang="en-US"/>
+            </a:defPPr>
+            <a:lvl1pPr>
+              <a:defRPr sz="1200"/>
+            </a:lvl1pPr>
+          </a:lstStyle>
+          <a:p>
+            <a:r>
+              <a:rPr lang="en-US" dirty="0" smtClean="0">
+                <a:solidFill>
+                  <a:schemeClr val="accent6">
+                    <a:lumMod val="75000"/>
+                  </a:schemeClr>
+                </a:solidFill>
+              </a:rPr>
+              <a:t>3. traffic</a:t>
+            </a:r>
+            <a:r>
+              <a:rPr lang="en-US" dirty="0" smtClean="0"/>
+              <a:t> </a:t>
+            </a:r>
+            <a:r>
+              <a:rPr lang="en-US" dirty="0">
+                <a:solidFill>
+                  <a:schemeClr val="accent6">
+                    <a:lumMod val="75000"/>
+                  </a:schemeClr>
+                </a:solidFill>
+              </a:rPr>
+              <a:t>steering</a:t>
+            </a:r>
+          </a:p>
+        </p:txBody>
+      </p:sp>
+      <p:sp>
+        <p:nvSpPr>
+          <p:cNvPr id="49" name="TextBox 48"/>
+          <p:cNvSpPr txBox="1"/>
+          <p:nvPr/>
+        </p:nvSpPr>
+        <p:spPr>
+          <a:xfrm>
+            <a:off x="1464904" y="2222306"/>
+            <a:ext cx="776879" cy="276999"/>
+          </a:xfrm>
+          <a:prstGeom prst="rect">
+            <a:avLst/>
+          </a:prstGeom>
+          <a:noFill/>
+        </p:spPr>
+        <p:txBody>
+          <a:bodyPr wrap="none" rtlCol="0">
+            <a:spAutoFit/>
+          </a:bodyPr>
+          <a:lstStyle>
+            <a:defPPr>
+              <a:defRPr lang="en-US"/>
+            </a:defPPr>
+            <a:lvl1pPr>
+              <a:defRPr sz="1200">
+                <a:solidFill>
+                  <a:schemeClr val="accent6">
+                    <a:lumMod val="75000"/>
+                  </a:schemeClr>
+                </a:solidFill>
+              </a:defRPr>
+            </a:lvl1pPr>
+          </a:lstStyle>
+          <a:p>
+            <a:r>
+              <a:rPr lang="en-US" b="1" dirty="0"/>
+              <a:t>1</a:t>
+            </a:r>
+            <a:r>
+              <a:rPr lang="en-US" b="1" dirty="0" smtClean="0"/>
+              <a:t>. deploy</a:t>
+            </a:r>
+            <a:endParaRPr lang="en-US" b="1" dirty="0"/>
+          </a:p>
+        </p:txBody>
+      </p:sp>
+      <p:sp>
+        <p:nvSpPr>
+          <p:cNvPr id="81" name="TextBox 80"/>
+          <p:cNvSpPr txBox="1"/>
+          <p:nvPr/>
+        </p:nvSpPr>
+        <p:spPr>
+          <a:xfrm>
+            <a:off x="1473217" y="2492935"/>
+            <a:ext cx="1546321" cy="276999"/>
+          </a:xfrm>
+          <a:prstGeom prst="rect">
+            <a:avLst/>
+          </a:prstGeom>
+          <a:noFill/>
+        </p:spPr>
+        <p:txBody>
+          <a:bodyPr wrap="none" rtlCol="0">
+            <a:spAutoFit/>
+          </a:bodyPr>
+          <a:lstStyle>
+            <a:defPPr>
+              <a:defRPr lang="en-US"/>
+            </a:defPPr>
+            <a:lvl1pPr>
+              <a:defRPr sz="1200"/>
+            </a:lvl1pPr>
+          </a:lstStyle>
+          <a:p>
+            <a:r>
+              <a:rPr lang="en-US" dirty="0">
+                <a:solidFill>
+                  <a:schemeClr val="accent6">
+                    <a:lumMod val="75000"/>
+                  </a:schemeClr>
+                </a:solidFill>
+              </a:rPr>
+              <a:t>2</a:t>
+            </a:r>
+            <a:r>
+              <a:rPr lang="en-US" dirty="0" smtClean="0">
+                <a:solidFill>
+                  <a:schemeClr val="accent6">
+                    <a:lumMod val="75000"/>
+                  </a:schemeClr>
+                </a:solidFill>
+              </a:rPr>
+              <a:t>. workload discovery</a:t>
+            </a:r>
+          </a:p>
+        </p:txBody>
+      </p:sp>
+      <p:cxnSp>
+        <p:nvCxnSpPr>
+          <p:cNvPr id="32" name="Elbow Connector 31"/>
+          <p:cNvCxnSpPr>
+            <a:stCxn id="4" idx="1"/>
+            <a:endCxn id="8" idx="1"/>
+          </p:cNvCxnSpPr>
+          <p:nvPr/>
+        </p:nvCxnSpPr>
+        <p:spPr>
+          <a:xfrm rot="10800000" flipH="1" flipV="1">
+            <a:off x="3860320" y="1125746"/>
+            <a:ext cx="720306" cy="1542093"/>
+          </a:xfrm>
+          <a:prstGeom prst="bentConnector3">
+            <a:avLst>
+              <a:gd name="adj1" fmla="val -31737"/>
+            </a:avLst>
+          </a:prstGeom>
+          <a:ln>
+            <a:solidFill>
+              <a:schemeClr val="tx1"/>
+            </a:solidFill>
+            <a:headEnd type="triangle"/>
+            <a:tailEnd type="triangle"/>
+          </a:ln>
+        </p:spPr>
+        <p:style>
+          <a:lnRef idx="1">
+            <a:schemeClr val="accent1"/>
+          </a:lnRef>
+          <a:fillRef idx="0">
+            <a:schemeClr val="accent1"/>
+          </a:fillRef>
+          <a:effectRef idx="0">
+            <a:schemeClr val="accent1"/>
+          </a:effectRef>
+          <a:fontRef idx="minor">
+            <a:schemeClr val="tx1"/>
+          </a:fontRef>
+        </p:style>
+      </p:cxnSp>
+      <p:cxnSp>
+        <p:nvCxnSpPr>
+          <p:cNvPr id="52" name="Elbow Connector 51"/>
+          <p:cNvCxnSpPr>
+            <a:stCxn id="4" idx="3"/>
+            <a:endCxn id="5" idx="0"/>
+          </p:cNvCxnSpPr>
+          <p:nvPr/>
+        </p:nvCxnSpPr>
+        <p:spPr>
+          <a:xfrm>
+            <a:off x="5706373" y="1125747"/>
+            <a:ext cx="864755" cy="236482"/>
+          </a:xfrm>
+          <a:prstGeom prst="bentConnector2">
+            <a:avLst/>
+          </a:prstGeom>
+          <a:ln>
+            <a:solidFill>
+              <a:schemeClr val="tx1"/>
+            </a:solidFill>
+            <a:headEnd type="triangle"/>
+            <a:tailEnd type="triangle"/>
+          </a:ln>
+        </p:spPr>
+        <p:style>
+          <a:lnRef idx="1">
+            <a:schemeClr val="accent1"/>
+          </a:lnRef>
+          <a:fillRef idx="0">
+            <a:schemeClr val="accent1"/>
+          </a:fillRef>
+          <a:effectRef idx="0">
+            <a:schemeClr val="accent1"/>
+          </a:effectRef>
+          <a:fontRef idx="minor">
+            <a:schemeClr val="tx1"/>
+          </a:fontRef>
+        </p:style>
+      </p:cxnSp>
+      <p:sp>
+        <p:nvSpPr>
+          <p:cNvPr id="62" name="Rectangle 61"/>
+          <p:cNvSpPr/>
+          <p:nvPr/>
+        </p:nvSpPr>
+        <p:spPr>
+          <a:xfrm>
+            <a:off x="7845834" y="1359599"/>
+            <a:ext cx="1591781" cy="195882"/>
+          </a:xfrm>
+          <a:prstGeom prst="rect">
+            <a:avLst/>
+          </a:prstGeom>
+        </p:spPr>
+        <p:style>
+          <a:lnRef idx="2">
+            <a:schemeClr val="accent1">
+              <a:shade val="50000"/>
+            </a:schemeClr>
+          </a:lnRef>
+          <a:fillRef idx="1">
+            <a:schemeClr val="accent1"/>
+          </a:fillRef>
+          <a:effectRef idx="0">
+            <a:schemeClr val="accent1"/>
+          </a:effectRef>
+          <a:fontRef idx="minor">
+            <a:schemeClr val="lt1"/>
+          </a:fontRef>
+        </p:style>
+        <p:txBody>
+          <a:bodyPr rtlCol="0" anchor="ctr"/>
+          <a:lstStyle/>
+          <a:p>
+            <a:pPr algn="ctr"/>
+            <a:r>
+              <a:rPr lang="en-US" sz="1200" dirty="0" smtClean="0"/>
+              <a:t>SECURITY MGR SDK</a:t>
+            </a:r>
+            <a:endParaRPr lang="en-US" sz="1200" dirty="0"/>
+          </a:p>
+        </p:txBody>
+      </p:sp>
+      <p:sp>
+        <p:nvSpPr>
+          <p:cNvPr id="68" name="Rectangle 67"/>
+          <p:cNvSpPr/>
+          <p:nvPr/>
+        </p:nvSpPr>
+        <p:spPr>
+          <a:xfrm>
+            <a:off x="7631226" y="1902545"/>
+            <a:ext cx="2028164" cy="267080"/>
+          </a:xfrm>
+          <a:prstGeom prst="rect">
+            <a:avLst/>
+          </a:prstGeom>
+        </p:spPr>
+        <p:style>
+          <a:lnRef idx="2">
+            <a:schemeClr val="accent1">
+              <a:shade val="50000"/>
+            </a:schemeClr>
+          </a:lnRef>
+          <a:fillRef idx="1">
+            <a:schemeClr val="accent1"/>
+          </a:fillRef>
+          <a:effectRef idx="0">
+            <a:schemeClr val="accent1"/>
+          </a:effectRef>
+          <a:fontRef idx="minor">
+            <a:schemeClr val="lt1"/>
+          </a:fontRef>
+        </p:style>
+        <p:txBody>
+          <a:bodyPr rtlCol="0" anchor="ctr"/>
+          <a:lstStyle/>
+          <a:p>
+            <a:pPr algn="ctr"/>
+            <a:r>
+              <a:rPr lang="en-US" sz="1200" dirty="0" smtClean="0"/>
+              <a:t>Sample Security </a:t>
+            </a:r>
+            <a:r>
+              <a:rPr lang="en-US" sz="1200" dirty="0" err="1" smtClean="0"/>
+              <a:t>Mgr</a:t>
+            </a:r>
+            <a:r>
+              <a:rPr lang="en-US" sz="1200" dirty="0" smtClean="0"/>
+              <a:t> Plugin</a:t>
+            </a:r>
+            <a:endParaRPr lang="en-US" sz="1200" dirty="0"/>
+          </a:p>
+        </p:txBody>
+      </p:sp>
+      <p:cxnSp>
+        <p:nvCxnSpPr>
+          <p:cNvPr id="59" name="Elbow Connector 58"/>
+          <p:cNvCxnSpPr>
+            <a:stCxn id="62" idx="2"/>
+            <a:endCxn id="68" idx="0"/>
+          </p:cNvCxnSpPr>
+          <p:nvPr/>
+        </p:nvCxnSpPr>
+        <p:spPr>
+          <a:xfrm rot="16200000" flipH="1">
+            <a:off x="8469984" y="1727221"/>
+            <a:ext cx="347064" cy="3583"/>
+          </a:xfrm>
+          <a:prstGeom prst="bentConnector3">
+            <a:avLst/>
+          </a:prstGeom>
+          <a:ln>
+            <a:solidFill>
+              <a:schemeClr val="tx1"/>
+            </a:solidFill>
+            <a:tailEnd type="triangle"/>
+          </a:ln>
+        </p:spPr>
+        <p:style>
+          <a:lnRef idx="1">
+            <a:schemeClr val="accent1"/>
+          </a:lnRef>
+          <a:fillRef idx="0">
+            <a:schemeClr val="accent1"/>
+          </a:fillRef>
+          <a:effectRef idx="0">
+            <a:schemeClr val="accent1"/>
+          </a:effectRef>
+          <a:fontRef idx="minor">
+            <a:schemeClr val="tx1"/>
+          </a:fontRef>
+        </p:style>
+      </p:cxnSp>
+      <p:cxnSp>
+        <p:nvCxnSpPr>
+          <p:cNvPr id="94" name="Elbow Connector 93"/>
+          <p:cNvCxnSpPr/>
+          <p:nvPr/>
+        </p:nvCxnSpPr>
+        <p:spPr>
+          <a:xfrm>
+            <a:off x="5706373" y="974527"/>
+            <a:ext cx="2935352" cy="385070"/>
+          </a:xfrm>
+          <a:prstGeom prst="bentConnector3">
+            <a:avLst>
+              <a:gd name="adj1" fmla="val 100408"/>
+            </a:avLst>
+          </a:prstGeom>
+          <a:ln>
+            <a:solidFill>
+              <a:schemeClr val="tx1"/>
+            </a:solidFill>
+            <a:tailEnd type="triangle"/>
+          </a:ln>
+        </p:spPr>
+        <p:style>
+          <a:lnRef idx="1">
+            <a:schemeClr val="accent1"/>
+          </a:lnRef>
+          <a:fillRef idx="0">
+            <a:schemeClr val="accent1"/>
+          </a:fillRef>
+          <a:effectRef idx="0">
+            <a:schemeClr val="accent1"/>
+          </a:effectRef>
+          <a:fontRef idx="minor">
+            <a:schemeClr val="tx1"/>
+          </a:fontRef>
+        </p:style>
+      </p:cxnSp>
+      <p:cxnSp>
+        <p:nvCxnSpPr>
+          <p:cNvPr id="98" name="Elbow Connector 97"/>
+          <p:cNvCxnSpPr>
+            <a:stCxn id="5" idx="2"/>
+            <a:endCxn id="6" idx="0"/>
+          </p:cNvCxnSpPr>
+          <p:nvPr/>
+        </p:nvCxnSpPr>
+        <p:spPr>
+          <a:xfrm rot="5400000">
+            <a:off x="6398912" y="1730328"/>
+            <a:ext cx="344433" cy="1"/>
+          </a:xfrm>
+          <a:prstGeom prst="bentConnector3">
+            <a:avLst/>
+          </a:prstGeom>
+          <a:ln>
+            <a:solidFill>
+              <a:schemeClr val="tx1"/>
+            </a:solidFill>
+            <a:headEnd type="triangle"/>
+            <a:tailEnd type="triangle"/>
+          </a:ln>
+        </p:spPr>
+        <p:style>
+          <a:lnRef idx="1">
+            <a:schemeClr val="accent1"/>
+          </a:lnRef>
+          <a:fillRef idx="0">
+            <a:schemeClr val="accent1"/>
+          </a:fillRef>
+          <a:effectRef idx="0">
+            <a:schemeClr val="accent1"/>
+          </a:effectRef>
+          <a:fontRef idx="minor">
+            <a:schemeClr val="tx1"/>
+          </a:fontRef>
+        </p:style>
+      </p:cxnSp>
+      <p:sp>
+        <p:nvSpPr>
+          <p:cNvPr id="111" name="Right Arrow 110"/>
+          <p:cNvSpPr/>
+          <p:nvPr/>
+        </p:nvSpPr>
+        <p:spPr>
+          <a:xfrm>
+            <a:off x="1402304" y="458790"/>
+            <a:ext cx="2107605" cy="1333911"/>
+          </a:xfrm>
+          <a:prstGeom prst="rightArrow">
+            <a:avLst>
+              <a:gd name="adj1" fmla="val 57478"/>
+              <a:gd name="adj2" fmla="val 50000"/>
+            </a:avLst>
+          </a:prstGeom>
+          <a:solidFill>
+            <a:schemeClr val="accent1">
+              <a:lumMod val="50000"/>
+            </a:schemeClr>
+          </a:solidFill>
+        </p:spPr>
+        <p:style>
+          <a:lnRef idx="2">
+            <a:schemeClr val="accent1">
+              <a:shade val="50000"/>
+            </a:schemeClr>
+          </a:lnRef>
+          <a:fillRef idx="1">
+            <a:schemeClr val="accent1"/>
+          </a:fillRef>
+          <a:effectRef idx="0">
+            <a:schemeClr val="accent1"/>
+          </a:effectRef>
+          <a:fontRef idx="minor">
+            <a:schemeClr val="lt1"/>
+          </a:fontRef>
+        </p:style>
+        <p:txBody>
+          <a:bodyPr rtlCol="0" anchor="ctr"/>
+          <a:lstStyle/>
+          <a:p>
+            <a:pPr algn="ctr"/>
+            <a:r>
+              <a:rPr lang="en-US" sz="1000" b="1" dirty="0" smtClean="0"/>
+              <a:t>Deployment spec:</a:t>
+            </a:r>
+          </a:p>
+          <a:p>
+            <a:pPr algn="ctr"/>
+            <a:r>
+              <a:rPr lang="en-US" sz="1000" dirty="0" err="1" smtClean="0"/>
+              <a:t>name:testds</a:t>
+            </a:r>
+            <a:endParaRPr lang="en-US" sz="1000" dirty="0" smtClean="0"/>
+          </a:p>
+          <a:p>
+            <a:pPr algn="ctr"/>
+            <a:r>
+              <a:rPr lang="en-US" sz="1000" dirty="0" smtClean="0"/>
+              <a:t>appliance: </a:t>
+            </a:r>
+            <a:r>
+              <a:rPr lang="en-US" sz="1000" dirty="0" err="1" smtClean="0"/>
+              <a:t>testda</a:t>
+            </a:r>
+            <a:endParaRPr lang="en-US" sz="1000" dirty="0" smtClean="0"/>
+          </a:p>
+          <a:p>
+            <a:pPr algn="ctr"/>
+            <a:r>
+              <a:rPr lang="en-US" sz="1000" dirty="0" smtClean="0"/>
+              <a:t>namespace: default</a:t>
+            </a:r>
+          </a:p>
+          <a:p>
+            <a:pPr algn="ctr"/>
+            <a:r>
+              <a:rPr lang="en-US" sz="1000" dirty="0" smtClean="0"/>
+              <a:t>count: 2</a:t>
+            </a:r>
+            <a:endParaRPr lang="en-US" sz="1000" dirty="0"/>
+          </a:p>
+        </p:txBody>
+      </p:sp>
+      <p:sp>
+        <p:nvSpPr>
+          <p:cNvPr id="9" name="Rectangular Callout 8"/>
+          <p:cNvSpPr/>
+          <p:nvPr/>
+        </p:nvSpPr>
+        <p:spPr>
+          <a:xfrm>
+            <a:off x="2799327" y="1823673"/>
+            <a:ext cx="1781299" cy="675632"/>
+          </a:xfrm>
+          <a:prstGeom prst="wedgeRectCallout">
+            <a:avLst>
+              <a:gd name="adj1" fmla="val 57892"/>
+              <a:gd name="adj2" fmla="val -82647"/>
+            </a:avLst>
+          </a:prstGeom>
+          <a:solidFill>
+            <a:schemeClr val="accent4">
+              <a:lumMod val="50000"/>
+            </a:schemeClr>
+          </a:solidFill>
+          <a:ln>
+            <a:noFill/>
+          </a:ln>
+        </p:spPr>
+        <p:style>
+          <a:lnRef idx="2">
+            <a:schemeClr val="accent1">
+              <a:shade val="50000"/>
+            </a:schemeClr>
+          </a:lnRef>
+          <a:fillRef idx="1">
+            <a:schemeClr val="accent1"/>
+          </a:fillRef>
+          <a:effectRef idx="0">
+            <a:schemeClr val="accent1"/>
+          </a:effectRef>
+          <a:fontRef idx="minor">
+            <a:schemeClr val="lt1"/>
+          </a:fontRef>
+        </p:style>
+        <p:txBody>
+          <a:bodyPr rtlCol="0" anchor="ctr"/>
+          <a:lstStyle/>
+          <a:p>
+            <a:pPr algn="ctr"/>
+            <a:r>
+              <a:rPr lang="en-US" sz="1200" dirty="0" smtClean="0"/>
+              <a:t>testds-xx-1, testds-xx-2: namespace, </a:t>
+            </a:r>
+            <a:r>
+              <a:rPr lang="en-US" sz="1200" dirty="0"/>
+              <a:t>id, </a:t>
+            </a:r>
+            <a:r>
+              <a:rPr lang="en-US" sz="1200" dirty="0" err="1"/>
+              <a:t>ip</a:t>
+            </a:r>
+            <a:r>
+              <a:rPr lang="en-US" sz="1200" dirty="0"/>
+              <a:t>, </a:t>
+            </a:r>
+            <a:r>
+              <a:rPr lang="en-US" sz="1200" dirty="0" smtClean="0"/>
+              <a:t>mac, port id</a:t>
+            </a:r>
+            <a:endParaRPr lang="en-US" sz="1200" dirty="0"/>
+          </a:p>
+          <a:p>
+            <a:pPr algn="ctr"/>
+            <a:endParaRPr lang="en-US" sz="1200" dirty="0"/>
+          </a:p>
+        </p:txBody>
+      </p:sp>
+      <p:sp>
+        <p:nvSpPr>
+          <p:cNvPr id="30" name="Rectangular Callout 29"/>
+          <p:cNvSpPr/>
+          <p:nvPr/>
+        </p:nvSpPr>
+        <p:spPr>
+          <a:xfrm>
+            <a:off x="8768740" y="2423072"/>
+            <a:ext cx="1781299" cy="561805"/>
+          </a:xfrm>
+          <a:prstGeom prst="wedgeRectCallout">
+            <a:avLst>
+              <a:gd name="adj1" fmla="val -131108"/>
+              <a:gd name="adj2" fmla="val -92403"/>
+            </a:avLst>
+          </a:prstGeom>
+          <a:solidFill>
+            <a:schemeClr val="accent4">
+              <a:lumMod val="50000"/>
+            </a:schemeClr>
+          </a:solidFill>
+          <a:ln>
+            <a:noFill/>
+          </a:ln>
+        </p:spPr>
+        <p:style>
+          <a:lnRef idx="2">
+            <a:schemeClr val="accent1">
+              <a:shade val="50000"/>
+            </a:schemeClr>
+          </a:lnRef>
+          <a:fillRef idx="1">
+            <a:schemeClr val="accent1"/>
+          </a:fillRef>
+          <a:effectRef idx="0">
+            <a:schemeClr val="accent1"/>
+          </a:effectRef>
+          <a:fontRef idx="minor">
+            <a:schemeClr val="lt1"/>
+          </a:fontRef>
+        </p:style>
+        <p:txBody>
+          <a:bodyPr rtlCol="0" anchor="ctr"/>
+          <a:lstStyle/>
+          <a:p>
+            <a:pPr algn="ctr"/>
+            <a:r>
+              <a:rPr lang="en-US" sz="1200" dirty="0"/>
+              <a:t>i</a:t>
+            </a:r>
+            <a:r>
+              <a:rPr lang="en-US" sz="1200" dirty="0" smtClean="0"/>
+              <a:t>nspection ports: testds-xx-1-port id, testds-xx-2-port id</a:t>
+            </a:r>
+            <a:endParaRPr lang="en-US" sz="1200" dirty="0"/>
+          </a:p>
+        </p:txBody>
+      </p:sp>
+      <p:sp>
+        <p:nvSpPr>
+          <p:cNvPr id="11" name="Flowchart: Document 10"/>
+          <p:cNvSpPr/>
+          <p:nvPr/>
+        </p:nvSpPr>
+        <p:spPr>
+          <a:xfrm>
+            <a:off x="3317886" y="3815659"/>
+            <a:ext cx="968488" cy="469907"/>
+          </a:xfrm>
+          <a:prstGeom prst="flowChartDocument">
+            <a:avLst/>
+          </a:prstGeom>
+          <a:solidFill>
+            <a:schemeClr val="accent6">
+              <a:lumMod val="50000"/>
+            </a:schemeClr>
+          </a:solidFill>
+          <a:ln>
+            <a:noFill/>
+          </a:ln>
+        </p:spPr>
+        <p:style>
+          <a:lnRef idx="2">
+            <a:schemeClr val="accent1">
+              <a:shade val="50000"/>
+            </a:schemeClr>
+          </a:lnRef>
+          <a:fillRef idx="1">
+            <a:schemeClr val="accent1"/>
+          </a:fillRef>
+          <a:effectRef idx="0">
+            <a:schemeClr val="accent1"/>
+          </a:effectRef>
+          <a:fontRef idx="minor">
+            <a:schemeClr val="lt1"/>
+          </a:fontRef>
+        </p:style>
+        <p:txBody>
+          <a:bodyPr rtlCol="0" anchor="ctr"/>
+          <a:lstStyle/>
+          <a:p>
+            <a:pPr algn="ctr"/>
+            <a:r>
+              <a:rPr lang="en-US" sz="1100" dirty="0"/>
+              <a:t>testds-xx-1</a:t>
+            </a:r>
+          </a:p>
+        </p:txBody>
+      </p:sp>
+      <p:sp>
+        <p:nvSpPr>
+          <p:cNvPr id="34" name="Flowchart: Document 33"/>
+          <p:cNvSpPr/>
+          <p:nvPr/>
+        </p:nvSpPr>
+        <p:spPr>
+          <a:xfrm>
+            <a:off x="6552568" y="3840538"/>
+            <a:ext cx="968488" cy="469907"/>
+          </a:xfrm>
+          <a:prstGeom prst="flowChartDocument">
+            <a:avLst/>
+          </a:prstGeom>
+          <a:solidFill>
+            <a:schemeClr val="accent6">
+              <a:lumMod val="50000"/>
+            </a:schemeClr>
+          </a:solidFill>
+          <a:ln>
+            <a:noFill/>
+          </a:ln>
+        </p:spPr>
+        <p:style>
+          <a:lnRef idx="2">
+            <a:schemeClr val="accent1">
+              <a:shade val="50000"/>
+            </a:schemeClr>
+          </a:lnRef>
+          <a:fillRef idx="1">
+            <a:schemeClr val="accent1"/>
+          </a:fillRef>
+          <a:effectRef idx="0">
+            <a:schemeClr val="accent1"/>
+          </a:effectRef>
+          <a:fontRef idx="minor">
+            <a:schemeClr val="lt1"/>
+          </a:fontRef>
+        </p:style>
+        <p:txBody>
+          <a:bodyPr rtlCol="0" anchor="ctr"/>
+          <a:lstStyle/>
+          <a:p>
+            <a:pPr algn="ctr"/>
+            <a:r>
+              <a:rPr lang="en-US" sz="1100" dirty="0" smtClean="0"/>
+              <a:t>testds-xx-2</a:t>
+            </a:r>
+            <a:endParaRPr lang="en-US" sz="1100" dirty="0"/>
+          </a:p>
+        </p:txBody>
+      </p:sp>
+      <p:sp>
+        <p:nvSpPr>
+          <p:cNvPr id="35" name="Rectangular Callout 34"/>
+          <p:cNvSpPr/>
+          <p:nvPr/>
+        </p:nvSpPr>
+        <p:spPr>
+          <a:xfrm>
+            <a:off x="9821671" y="1473527"/>
+            <a:ext cx="1781299" cy="561805"/>
+          </a:xfrm>
+          <a:prstGeom prst="wedgeRectCallout">
+            <a:avLst>
+              <a:gd name="adj1" fmla="val -61108"/>
+              <a:gd name="adj2" fmla="val 57041"/>
+            </a:avLst>
+          </a:prstGeom>
+          <a:solidFill>
+            <a:schemeClr val="accent4">
+              <a:lumMod val="50000"/>
+            </a:schemeClr>
+          </a:solidFill>
+          <a:ln>
+            <a:noFill/>
+          </a:ln>
+        </p:spPr>
+        <p:style>
+          <a:lnRef idx="2">
+            <a:schemeClr val="accent1">
+              <a:shade val="50000"/>
+            </a:schemeClr>
+          </a:lnRef>
+          <a:fillRef idx="1">
+            <a:schemeClr val="accent1"/>
+          </a:fillRef>
+          <a:effectRef idx="0">
+            <a:schemeClr val="accent1"/>
+          </a:effectRef>
+          <a:fontRef idx="minor">
+            <a:schemeClr val="lt1"/>
+          </a:fontRef>
+        </p:style>
+        <p:txBody>
+          <a:bodyPr rtlCol="0" anchor="ctr"/>
+          <a:lstStyle/>
+          <a:p>
+            <a:pPr algn="ctr"/>
+            <a:r>
+              <a:rPr lang="en-US" sz="1200" dirty="0" smtClean="0"/>
+              <a:t>device members: testds-xx-1, </a:t>
+            </a:r>
+            <a:r>
+              <a:rPr lang="en-US" sz="1200" dirty="0" err="1" smtClean="0"/>
+              <a:t>testds</a:t>
+            </a:r>
+            <a:r>
+              <a:rPr lang="en-US" sz="1200" dirty="0" smtClean="0"/>
+              <a:t>-xx.</a:t>
+            </a:r>
+          </a:p>
+          <a:p>
+            <a:pPr algn="ctr"/>
+            <a:r>
+              <a:rPr lang="en-US" sz="1200" dirty="0" smtClean="0"/>
+              <a:t>name, net info</a:t>
+            </a:r>
+            <a:endParaRPr lang="en-US" sz="1200" dirty="0"/>
+          </a:p>
+        </p:txBody>
+      </p:sp>
+    </p:spTree>
+    <p:extLst>
+      <p:ext uri="{BB962C8B-B14F-4D97-AF65-F5344CB8AC3E}">
+        <p14:creationId xmlns:p14="http://schemas.microsoft.com/office/powerpoint/2010/main" val="4273141039"/>
+      </p:ext>
+    </p:extLst>
+  </p:cSld>
+  <p:clrMapOvr>
+    <a:masterClrMapping/>
+  </p:clrMapOvr>
+  <p:timing>
+    <p:tnLst>
+      <p:par>
+        <p:cTn id="1" dur="indefinite" restart="never" nodeType="tmRoot"/>
+      </p:par>
+    </p:tnLst>
+  </p:timing>
+</p:sld>
+</file>
+
+<file path=ppt/slides/slide4.xml><?xml version="1.0" encoding="utf-8"?>
+<p:sld xmlns:a="http://schemas.openxmlformats.org/drawingml/2006/main" xmlns:r="http://schemas.openxmlformats.org/officeDocument/2006/relationships" xmlns:p="http://schemas.openxmlformats.org/presentationml/2006/main">
+  <p:cSld>
+    <p:spTree>
+      <p:nvGrpSpPr>
+        <p:cNvPr id="1" name=""/>
+        <p:cNvGrpSpPr/>
+        <p:nvPr/>
+      </p:nvGrpSpPr>
+      <p:grpSpPr>
+        <a:xfrm>
+          <a:off x="0" y="0"/>
+          <a:ext cx="0" cy="0"/>
+          <a:chOff x="0" y="0"/>
+          <a:chExt cx="0" cy="0"/>
+        </a:xfrm>
+      </p:grpSpPr>
+      <p:sp>
+        <p:nvSpPr>
+          <p:cNvPr id="8" name="Rectangle 7"/>
+          <p:cNvSpPr/>
+          <p:nvPr/>
+        </p:nvSpPr>
+        <p:spPr>
+          <a:xfrm>
+            <a:off x="4580626" y="2421038"/>
+            <a:ext cx="3547373" cy="493604"/>
+          </a:xfrm>
+          <a:prstGeom prst="rect">
+            <a:avLst/>
+          </a:prstGeom>
+          <a:solidFill>
+            <a:schemeClr val="bg2">
+              <a:lumMod val="75000"/>
+            </a:schemeClr>
+          </a:solidFill>
+        </p:spPr>
+        <p:style>
+          <a:lnRef idx="2">
+            <a:schemeClr val="accent1">
+              <a:shade val="50000"/>
+            </a:schemeClr>
+          </a:lnRef>
+          <a:fillRef idx="1">
+            <a:schemeClr val="accent1"/>
+          </a:fillRef>
+          <a:effectRef idx="0">
+            <a:schemeClr val="accent1"/>
+          </a:effectRef>
+          <a:fontRef idx="minor">
+            <a:schemeClr val="lt1"/>
+          </a:fontRef>
+        </p:style>
+        <p:txBody>
+          <a:bodyPr rtlCol="0" anchor="t"/>
+          <a:lstStyle/>
+          <a:p>
+            <a:pPr algn="ctr"/>
+            <a:r>
+              <a:rPr lang="en-US" sz="1400" dirty="0" smtClean="0"/>
+              <a:t>K8s API Server/</a:t>
+            </a:r>
+          </a:p>
+          <a:p>
+            <a:pPr algn="ctr"/>
+            <a:r>
+              <a:rPr lang="en-US" sz="1400" dirty="0" smtClean="0"/>
+              <a:t>K8S Controller</a:t>
+            </a:r>
+            <a:endParaRPr lang="en-US" sz="1400" dirty="0"/>
+          </a:p>
+        </p:txBody>
+      </p:sp>
+      <p:sp>
+        <p:nvSpPr>
+          <p:cNvPr id="4" name="Rectangle 3"/>
+          <p:cNvSpPr/>
+          <p:nvPr/>
+        </p:nvSpPr>
+        <p:spPr>
+          <a:xfrm>
+            <a:off x="3860320" y="616788"/>
+            <a:ext cx="1846053" cy="1017917"/>
+          </a:xfrm>
+          <a:prstGeom prst="rect">
+            <a:avLst/>
+          </a:prstGeom>
+        </p:spPr>
+        <p:style>
+          <a:lnRef idx="2">
+            <a:schemeClr val="accent1">
+              <a:shade val="50000"/>
+            </a:schemeClr>
+          </a:lnRef>
+          <a:fillRef idx="1">
+            <a:schemeClr val="accent1"/>
+          </a:fillRef>
+          <a:effectRef idx="0">
+            <a:schemeClr val="accent1"/>
+          </a:effectRef>
+          <a:fontRef idx="minor">
+            <a:schemeClr val="lt1"/>
+          </a:fontRef>
+        </p:style>
+        <p:txBody>
+          <a:bodyPr rtlCol="0" anchor="ctr"/>
+          <a:lstStyle/>
+          <a:p>
+            <a:pPr algn="ctr"/>
+            <a:r>
+              <a:rPr lang="en-US" dirty="0"/>
+              <a:t>OSC</a:t>
+            </a:r>
+          </a:p>
+        </p:txBody>
+      </p:sp>
+      <p:sp>
+        <p:nvSpPr>
+          <p:cNvPr id="5" name="Rectangle 4"/>
+          <p:cNvSpPr/>
+          <p:nvPr/>
+        </p:nvSpPr>
+        <p:spPr>
+          <a:xfrm>
+            <a:off x="5876931" y="1362229"/>
+            <a:ext cx="1388393" cy="195883"/>
+          </a:xfrm>
+          <a:prstGeom prst="rect">
+            <a:avLst/>
+          </a:prstGeom>
+        </p:spPr>
+        <p:style>
+          <a:lnRef idx="2">
+            <a:schemeClr val="accent1">
+              <a:shade val="50000"/>
+            </a:schemeClr>
+          </a:lnRef>
+          <a:fillRef idx="1">
+            <a:schemeClr val="accent1"/>
+          </a:fillRef>
+          <a:effectRef idx="0">
+            <a:schemeClr val="accent1"/>
+          </a:effectRef>
+          <a:fontRef idx="minor">
+            <a:schemeClr val="lt1"/>
+          </a:fontRef>
+        </p:style>
+        <p:txBody>
+          <a:bodyPr rtlCol="0" anchor="ctr"/>
+          <a:lstStyle/>
+          <a:p>
+            <a:pPr algn="ctr"/>
+            <a:r>
+              <a:rPr lang="en-US" sz="1200" dirty="0" smtClean="0"/>
+              <a:t>SDN SDK</a:t>
+            </a:r>
+            <a:endParaRPr lang="en-US" sz="1200" dirty="0"/>
+          </a:p>
+        </p:txBody>
+      </p:sp>
+      <p:sp>
+        <p:nvSpPr>
+          <p:cNvPr id="6" name="Rectangle 5"/>
+          <p:cNvSpPr/>
+          <p:nvPr/>
+        </p:nvSpPr>
+        <p:spPr>
+          <a:xfrm>
+            <a:off x="5591736" y="1902545"/>
+            <a:ext cx="1958781" cy="265574"/>
+          </a:xfrm>
+          <a:prstGeom prst="rect">
+            <a:avLst/>
+          </a:prstGeom>
+        </p:spPr>
+        <p:style>
+          <a:lnRef idx="2">
+            <a:schemeClr val="accent1">
+              <a:shade val="50000"/>
+            </a:schemeClr>
+          </a:lnRef>
+          <a:fillRef idx="1">
+            <a:schemeClr val="accent1"/>
+          </a:fillRef>
+          <a:effectRef idx="0">
+            <a:schemeClr val="accent1"/>
+          </a:effectRef>
+          <a:fontRef idx="minor">
+            <a:schemeClr val="lt1"/>
+          </a:fontRef>
+        </p:style>
+        <p:txBody>
+          <a:bodyPr rtlCol="0" anchor="ctr"/>
+          <a:lstStyle/>
+          <a:p>
+            <a:pPr algn="ctr"/>
+            <a:r>
+              <a:rPr lang="en-US" sz="1200" dirty="0" err="1" smtClean="0"/>
+              <a:t>Nuage</a:t>
+            </a:r>
+            <a:r>
+              <a:rPr lang="en-US" sz="1200" dirty="0" smtClean="0"/>
+              <a:t>/Sample SDN Plugin</a:t>
+            </a:r>
+            <a:endParaRPr lang="en-US" sz="1200" dirty="0"/>
+          </a:p>
+        </p:txBody>
+      </p:sp>
+      <p:sp>
+        <p:nvSpPr>
+          <p:cNvPr id="15" name="Rectangle 14"/>
+          <p:cNvSpPr/>
+          <p:nvPr/>
+        </p:nvSpPr>
+        <p:spPr>
+          <a:xfrm>
+            <a:off x="2369127" y="3473585"/>
+            <a:ext cx="3770269" cy="1115040"/>
+          </a:xfrm>
+          <a:prstGeom prst="rect">
+            <a:avLst/>
+          </a:prstGeom>
+          <a:solidFill>
+            <a:schemeClr val="bg2">
+              <a:lumMod val="75000"/>
+            </a:schemeClr>
+          </a:solidFill>
+        </p:spPr>
+        <p:style>
+          <a:lnRef idx="2">
+            <a:schemeClr val="accent1">
+              <a:shade val="50000"/>
+            </a:schemeClr>
+          </a:lnRef>
+          <a:fillRef idx="1">
+            <a:schemeClr val="accent1"/>
+          </a:fillRef>
+          <a:effectRef idx="0">
+            <a:schemeClr val="accent1"/>
+          </a:effectRef>
+          <a:fontRef idx="minor">
+            <a:schemeClr val="lt1"/>
+          </a:fontRef>
+        </p:style>
+        <p:txBody>
+          <a:bodyPr rtlCol="0" anchor="t"/>
+          <a:lstStyle/>
+          <a:p>
+            <a:pPr algn="ctr"/>
+            <a:r>
+              <a:rPr lang="en-US" sz="1400" dirty="0"/>
+              <a:t>K8S Minion1</a:t>
+            </a:r>
+          </a:p>
+        </p:txBody>
+      </p:sp>
+      <p:cxnSp>
+        <p:nvCxnSpPr>
+          <p:cNvPr id="27" name="Elbow Connector 26"/>
+          <p:cNvCxnSpPr>
+            <a:stCxn id="8" idx="2"/>
+            <a:endCxn id="15" idx="0"/>
+          </p:cNvCxnSpPr>
+          <p:nvPr/>
+        </p:nvCxnSpPr>
+        <p:spPr>
+          <a:xfrm rot="5400000">
+            <a:off x="5024817" y="2144088"/>
+            <a:ext cx="558943" cy="2100051"/>
+          </a:xfrm>
+          <a:prstGeom prst="bentConnector3">
+            <a:avLst>
+              <a:gd name="adj1" fmla="val 50000"/>
+            </a:avLst>
+          </a:prstGeom>
+          <a:ln>
+            <a:solidFill>
+              <a:schemeClr val="tx1"/>
+            </a:solidFill>
+            <a:tailEnd type="triangle"/>
+          </a:ln>
+        </p:spPr>
+        <p:style>
+          <a:lnRef idx="1">
+            <a:schemeClr val="accent1"/>
+          </a:lnRef>
+          <a:fillRef idx="0">
+            <a:schemeClr val="accent1"/>
+          </a:fillRef>
+          <a:effectRef idx="0">
+            <a:schemeClr val="accent1"/>
+          </a:effectRef>
+          <a:fontRef idx="minor">
+            <a:schemeClr val="tx1"/>
+          </a:fontRef>
+        </p:style>
+      </p:cxnSp>
+      <p:cxnSp>
+        <p:nvCxnSpPr>
+          <p:cNvPr id="29" name="Elbow Connector 28"/>
+          <p:cNvCxnSpPr>
+            <a:stCxn id="8" idx="2"/>
+          </p:cNvCxnSpPr>
+          <p:nvPr/>
+        </p:nvCxnSpPr>
+        <p:spPr>
+          <a:xfrm rot="16200000" flipH="1">
+            <a:off x="6864293" y="2404662"/>
+            <a:ext cx="549442" cy="1569402"/>
+          </a:xfrm>
+          <a:prstGeom prst="bentConnector3">
+            <a:avLst>
+              <a:gd name="adj1" fmla="val 50000"/>
+            </a:avLst>
+          </a:prstGeom>
+          <a:ln>
+            <a:solidFill>
+              <a:schemeClr val="tx1"/>
+            </a:solidFill>
+            <a:tailEnd type="triangle"/>
+          </a:ln>
+        </p:spPr>
+        <p:style>
+          <a:lnRef idx="1">
+            <a:schemeClr val="accent1"/>
+          </a:lnRef>
+          <a:fillRef idx="0">
+            <a:schemeClr val="accent1"/>
+          </a:fillRef>
+          <a:effectRef idx="0">
+            <a:schemeClr val="accent1"/>
+          </a:effectRef>
+          <a:fontRef idx="minor">
+            <a:schemeClr val="tx1"/>
+          </a:fontRef>
+        </p:style>
+      </p:cxnSp>
+      <p:sp>
+        <p:nvSpPr>
+          <p:cNvPr id="48" name="TextBox 47"/>
+          <p:cNvSpPr txBox="1"/>
+          <p:nvPr/>
+        </p:nvSpPr>
+        <p:spPr>
+          <a:xfrm>
+            <a:off x="1476587" y="2766980"/>
+            <a:ext cx="1241750" cy="276999"/>
+          </a:xfrm>
+          <a:prstGeom prst="rect">
+            <a:avLst/>
+          </a:prstGeom>
+          <a:noFill/>
+        </p:spPr>
+        <p:txBody>
+          <a:bodyPr wrap="none" rtlCol="0">
+            <a:spAutoFit/>
+          </a:bodyPr>
+          <a:lstStyle>
+            <a:defPPr>
+              <a:defRPr lang="en-US"/>
+            </a:defPPr>
+            <a:lvl1pPr>
+              <a:defRPr sz="1200"/>
+            </a:lvl1pPr>
+          </a:lstStyle>
+          <a:p>
+            <a:r>
+              <a:rPr lang="en-US" dirty="0" smtClean="0">
+                <a:solidFill>
+                  <a:schemeClr val="accent6">
+                    <a:lumMod val="75000"/>
+                  </a:schemeClr>
+                </a:solidFill>
+              </a:rPr>
+              <a:t>3. traffic</a:t>
+            </a:r>
+            <a:r>
+              <a:rPr lang="en-US" dirty="0" smtClean="0"/>
+              <a:t> </a:t>
+            </a:r>
+            <a:r>
+              <a:rPr lang="en-US" dirty="0">
+                <a:solidFill>
+                  <a:schemeClr val="accent6">
+                    <a:lumMod val="75000"/>
+                  </a:schemeClr>
+                </a:solidFill>
+              </a:rPr>
+              <a:t>steering</a:t>
+            </a:r>
+          </a:p>
+        </p:txBody>
+      </p:sp>
+      <p:sp>
+        <p:nvSpPr>
+          <p:cNvPr id="49" name="TextBox 48"/>
+          <p:cNvSpPr txBox="1"/>
+          <p:nvPr/>
+        </p:nvSpPr>
+        <p:spPr>
+          <a:xfrm>
+            <a:off x="1464904" y="2222306"/>
+            <a:ext cx="776879" cy="276999"/>
+          </a:xfrm>
+          <a:prstGeom prst="rect">
+            <a:avLst/>
+          </a:prstGeom>
+          <a:noFill/>
+        </p:spPr>
+        <p:txBody>
+          <a:bodyPr wrap="none" rtlCol="0">
+            <a:spAutoFit/>
+          </a:bodyPr>
+          <a:lstStyle>
+            <a:defPPr>
+              <a:defRPr lang="en-US"/>
+            </a:defPPr>
+            <a:lvl1pPr>
+              <a:defRPr sz="1200">
+                <a:solidFill>
+                  <a:schemeClr val="accent6">
+                    <a:lumMod val="75000"/>
+                  </a:schemeClr>
+                </a:solidFill>
+              </a:defRPr>
+            </a:lvl1pPr>
+          </a:lstStyle>
+          <a:p>
+            <a:r>
+              <a:rPr lang="en-US" dirty="0"/>
+              <a:t>1</a:t>
+            </a:r>
+            <a:r>
+              <a:rPr lang="en-US" dirty="0" smtClean="0"/>
+              <a:t>. deploy</a:t>
+            </a:r>
+            <a:endParaRPr lang="en-US" dirty="0"/>
+          </a:p>
+        </p:txBody>
+      </p:sp>
+      <p:sp>
+        <p:nvSpPr>
+          <p:cNvPr id="81" name="TextBox 80"/>
+          <p:cNvSpPr txBox="1"/>
+          <p:nvPr/>
+        </p:nvSpPr>
+        <p:spPr>
+          <a:xfrm>
+            <a:off x="1473217" y="2492935"/>
+            <a:ext cx="1585690" cy="276999"/>
+          </a:xfrm>
+          <a:prstGeom prst="rect">
+            <a:avLst/>
+          </a:prstGeom>
+          <a:noFill/>
+        </p:spPr>
+        <p:txBody>
+          <a:bodyPr wrap="none" rtlCol="0">
+            <a:spAutoFit/>
+          </a:bodyPr>
+          <a:lstStyle>
+            <a:defPPr>
+              <a:defRPr lang="en-US"/>
+            </a:defPPr>
+            <a:lvl1pPr>
+              <a:defRPr sz="1200"/>
+            </a:lvl1pPr>
+          </a:lstStyle>
+          <a:p>
+            <a:r>
+              <a:rPr lang="en-US" b="1" dirty="0">
+                <a:solidFill>
+                  <a:schemeClr val="accent6">
+                    <a:lumMod val="75000"/>
+                  </a:schemeClr>
+                </a:solidFill>
+              </a:rPr>
+              <a:t>2</a:t>
+            </a:r>
+            <a:r>
+              <a:rPr lang="en-US" b="1" dirty="0" smtClean="0">
+                <a:solidFill>
+                  <a:schemeClr val="accent6">
+                    <a:lumMod val="75000"/>
+                  </a:schemeClr>
+                </a:solidFill>
+              </a:rPr>
+              <a:t>. workload discovery</a:t>
+            </a:r>
+          </a:p>
+        </p:txBody>
+      </p:sp>
+      <p:cxnSp>
+        <p:nvCxnSpPr>
+          <p:cNvPr id="32" name="Elbow Connector 31"/>
+          <p:cNvCxnSpPr>
+            <a:stCxn id="4" idx="1"/>
+            <a:endCxn id="8" idx="1"/>
+          </p:cNvCxnSpPr>
+          <p:nvPr/>
+        </p:nvCxnSpPr>
+        <p:spPr>
+          <a:xfrm rot="10800000" flipH="1" flipV="1">
+            <a:off x="3860320" y="1125746"/>
+            <a:ext cx="720306" cy="1542093"/>
+          </a:xfrm>
+          <a:prstGeom prst="bentConnector3">
+            <a:avLst>
+              <a:gd name="adj1" fmla="val -31737"/>
+            </a:avLst>
+          </a:prstGeom>
+          <a:ln>
+            <a:solidFill>
+              <a:schemeClr val="tx1"/>
+            </a:solidFill>
+            <a:headEnd type="triangle"/>
+            <a:tailEnd type="triangle"/>
+          </a:ln>
+        </p:spPr>
+        <p:style>
+          <a:lnRef idx="1">
+            <a:schemeClr val="accent1"/>
+          </a:lnRef>
+          <a:fillRef idx="0">
+            <a:schemeClr val="accent1"/>
+          </a:fillRef>
+          <a:effectRef idx="0">
+            <a:schemeClr val="accent1"/>
+          </a:effectRef>
+          <a:fontRef idx="minor">
+            <a:schemeClr val="tx1"/>
+          </a:fontRef>
+        </p:style>
+      </p:cxnSp>
+      <p:cxnSp>
+        <p:nvCxnSpPr>
+          <p:cNvPr id="52" name="Elbow Connector 51"/>
+          <p:cNvCxnSpPr>
+            <a:stCxn id="4" idx="3"/>
+            <a:endCxn id="5" idx="0"/>
+          </p:cNvCxnSpPr>
+          <p:nvPr/>
+        </p:nvCxnSpPr>
+        <p:spPr>
+          <a:xfrm>
+            <a:off x="5706373" y="1125747"/>
+            <a:ext cx="864755" cy="236482"/>
+          </a:xfrm>
+          <a:prstGeom prst="bentConnector2">
+            <a:avLst/>
+          </a:prstGeom>
+          <a:ln>
+            <a:solidFill>
+              <a:schemeClr val="tx1"/>
+            </a:solidFill>
+            <a:headEnd type="triangle"/>
+            <a:tailEnd type="triangle"/>
+          </a:ln>
+        </p:spPr>
+        <p:style>
+          <a:lnRef idx="1">
+            <a:schemeClr val="accent1"/>
+          </a:lnRef>
+          <a:fillRef idx="0">
+            <a:schemeClr val="accent1"/>
+          </a:fillRef>
+          <a:effectRef idx="0">
+            <a:schemeClr val="accent1"/>
+          </a:effectRef>
+          <a:fontRef idx="minor">
+            <a:schemeClr val="tx1"/>
+          </a:fontRef>
+        </p:style>
+      </p:cxnSp>
+      <p:sp>
+        <p:nvSpPr>
+          <p:cNvPr id="62" name="Rectangle 61"/>
+          <p:cNvSpPr/>
+          <p:nvPr/>
+        </p:nvSpPr>
+        <p:spPr>
+          <a:xfrm>
+            <a:off x="7845834" y="1359599"/>
+            <a:ext cx="1591781" cy="195882"/>
+          </a:xfrm>
+          <a:prstGeom prst="rect">
+            <a:avLst/>
+          </a:prstGeom>
+        </p:spPr>
+        <p:style>
+          <a:lnRef idx="2">
+            <a:schemeClr val="accent1">
+              <a:shade val="50000"/>
+            </a:schemeClr>
+          </a:lnRef>
+          <a:fillRef idx="1">
+            <a:schemeClr val="accent1"/>
+          </a:fillRef>
+          <a:effectRef idx="0">
+            <a:schemeClr val="accent1"/>
+          </a:effectRef>
+          <a:fontRef idx="minor">
+            <a:schemeClr val="lt1"/>
+          </a:fontRef>
+        </p:style>
+        <p:txBody>
+          <a:bodyPr rtlCol="0" anchor="ctr"/>
+          <a:lstStyle/>
+          <a:p>
+            <a:pPr algn="ctr"/>
+            <a:r>
+              <a:rPr lang="en-US" sz="1200" dirty="0" smtClean="0"/>
+              <a:t>SECURITY MGR SDK</a:t>
+            </a:r>
+            <a:endParaRPr lang="en-US" sz="1200" dirty="0"/>
+          </a:p>
+        </p:txBody>
+      </p:sp>
+      <p:sp>
+        <p:nvSpPr>
+          <p:cNvPr id="68" name="Rectangle 67"/>
+          <p:cNvSpPr/>
+          <p:nvPr/>
+        </p:nvSpPr>
+        <p:spPr>
+          <a:xfrm>
+            <a:off x="7631226" y="1902545"/>
+            <a:ext cx="2028164" cy="267080"/>
+          </a:xfrm>
+          <a:prstGeom prst="rect">
+            <a:avLst/>
+          </a:prstGeom>
+        </p:spPr>
+        <p:style>
+          <a:lnRef idx="2">
+            <a:schemeClr val="accent1">
+              <a:shade val="50000"/>
+            </a:schemeClr>
+          </a:lnRef>
+          <a:fillRef idx="1">
+            <a:schemeClr val="accent1"/>
+          </a:fillRef>
+          <a:effectRef idx="0">
+            <a:schemeClr val="accent1"/>
+          </a:effectRef>
+          <a:fontRef idx="minor">
+            <a:schemeClr val="lt1"/>
+          </a:fontRef>
+        </p:style>
+        <p:txBody>
+          <a:bodyPr rtlCol="0" anchor="ctr"/>
+          <a:lstStyle/>
+          <a:p>
+            <a:pPr algn="ctr"/>
+            <a:r>
+              <a:rPr lang="en-US" sz="1200" dirty="0" smtClean="0"/>
+              <a:t>Sample Security </a:t>
+            </a:r>
+            <a:r>
+              <a:rPr lang="en-US" sz="1200" dirty="0" err="1" smtClean="0"/>
+              <a:t>Mgr</a:t>
+            </a:r>
+            <a:r>
+              <a:rPr lang="en-US" sz="1200" dirty="0" smtClean="0"/>
+              <a:t> Plugin</a:t>
+            </a:r>
+            <a:endParaRPr lang="en-US" sz="1200" dirty="0"/>
+          </a:p>
+        </p:txBody>
+      </p:sp>
+      <p:cxnSp>
+        <p:nvCxnSpPr>
+          <p:cNvPr id="59" name="Elbow Connector 58"/>
+          <p:cNvCxnSpPr>
+            <a:stCxn id="62" idx="2"/>
+            <a:endCxn id="68" idx="0"/>
+          </p:cNvCxnSpPr>
+          <p:nvPr/>
+        </p:nvCxnSpPr>
+        <p:spPr>
+          <a:xfrm rot="16200000" flipH="1">
+            <a:off x="8469984" y="1727221"/>
+            <a:ext cx="347064" cy="3583"/>
+          </a:xfrm>
+          <a:prstGeom prst="bentConnector3">
+            <a:avLst/>
+          </a:prstGeom>
+          <a:ln>
+            <a:solidFill>
+              <a:schemeClr val="tx1"/>
+            </a:solidFill>
+            <a:tailEnd type="triangle"/>
+          </a:ln>
+        </p:spPr>
+        <p:style>
+          <a:lnRef idx="1">
+            <a:schemeClr val="accent1"/>
+          </a:lnRef>
+          <a:fillRef idx="0">
+            <a:schemeClr val="accent1"/>
+          </a:fillRef>
+          <a:effectRef idx="0">
+            <a:schemeClr val="accent1"/>
+          </a:effectRef>
+          <a:fontRef idx="minor">
+            <a:schemeClr val="tx1"/>
+          </a:fontRef>
+        </p:style>
+      </p:cxnSp>
+      <p:cxnSp>
+        <p:nvCxnSpPr>
+          <p:cNvPr id="94" name="Elbow Connector 93"/>
+          <p:cNvCxnSpPr/>
+          <p:nvPr/>
+        </p:nvCxnSpPr>
+        <p:spPr>
+          <a:xfrm>
+            <a:off x="5706373" y="974527"/>
+            <a:ext cx="2935352" cy="385070"/>
+          </a:xfrm>
+          <a:prstGeom prst="bentConnector3">
+            <a:avLst>
+              <a:gd name="adj1" fmla="val 100408"/>
+            </a:avLst>
+          </a:prstGeom>
+          <a:ln>
+            <a:solidFill>
+              <a:schemeClr val="tx1"/>
+            </a:solidFill>
+            <a:tailEnd type="triangle"/>
+          </a:ln>
+        </p:spPr>
+        <p:style>
+          <a:lnRef idx="1">
+            <a:schemeClr val="accent1"/>
+          </a:lnRef>
+          <a:fillRef idx="0">
+            <a:schemeClr val="accent1"/>
+          </a:fillRef>
+          <a:effectRef idx="0">
+            <a:schemeClr val="accent1"/>
+          </a:effectRef>
+          <a:fontRef idx="minor">
+            <a:schemeClr val="tx1"/>
+          </a:fontRef>
+        </p:style>
+      </p:cxnSp>
+      <p:cxnSp>
+        <p:nvCxnSpPr>
+          <p:cNvPr id="98" name="Elbow Connector 97"/>
+          <p:cNvCxnSpPr>
+            <a:stCxn id="5" idx="2"/>
+            <a:endCxn id="6" idx="0"/>
+          </p:cNvCxnSpPr>
+          <p:nvPr/>
+        </p:nvCxnSpPr>
+        <p:spPr>
+          <a:xfrm rot="5400000">
+            <a:off x="6398912" y="1730328"/>
+            <a:ext cx="344433" cy="1"/>
+          </a:xfrm>
+          <a:prstGeom prst="bentConnector3">
+            <a:avLst/>
+          </a:prstGeom>
+          <a:ln>
+            <a:solidFill>
+              <a:schemeClr val="tx1"/>
+            </a:solidFill>
+            <a:headEnd type="triangle"/>
+            <a:tailEnd type="triangle"/>
+          </a:ln>
+        </p:spPr>
+        <p:style>
+          <a:lnRef idx="1">
+            <a:schemeClr val="accent1"/>
+          </a:lnRef>
+          <a:fillRef idx="0">
+            <a:schemeClr val="accent1"/>
+          </a:fillRef>
+          <a:effectRef idx="0">
+            <a:schemeClr val="accent1"/>
+          </a:effectRef>
+          <a:fontRef idx="minor">
+            <a:schemeClr val="tx1"/>
+          </a:fontRef>
+        </p:style>
+      </p:cxnSp>
+      <p:sp>
+        <p:nvSpPr>
+          <p:cNvPr id="111" name="Right Arrow 110"/>
+          <p:cNvSpPr/>
+          <p:nvPr/>
+        </p:nvSpPr>
+        <p:spPr>
+          <a:xfrm>
+            <a:off x="1402304" y="458790"/>
+            <a:ext cx="2107605" cy="1333911"/>
+          </a:xfrm>
+          <a:prstGeom prst="rightArrow">
+            <a:avLst/>
+          </a:prstGeom>
+          <a:solidFill>
+            <a:schemeClr val="accent1">
+              <a:lumMod val="50000"/>
+            </a:schemeClr>
+          </a:solidFill>
+        </p:spPr>
+        <p:style>
+          <a:lnRef idx="2">
+            <a:schemeClr val="accent1">
+              <a:shade val="50000"/>
+            </a:schemeClr>
+          </a:lnRef>
+          <a:fillRef idx="1">
+            <a:schemeClr val="accent1"/>
+          </a:fillRef>
+          <a:effectRef idx="0">
+            <a:schemeClr val="accent1"/>
+          </a:effectRef>
+          <a:fontRef idx="minor">
+            <a:schemeClr val="lt1"/>
+          </a:fontRef>
+        </p:style>
+        <p:txBody>
+          <a:bodyPr rtlCol="0" anchor="ctr"/>
+          <a:lstStyle/>
+          <a:p>
+            <a:pPr algn="ctr"/>
+            <a:r>
+              <a:rPr lang="en-US" sz="1000" b="1" dirty="0" smtClean="0"/>
+              <a:t>security group:</a:t>
+            </a:r>
+          </a:p>
+          <a:p>
+            <a:pPr algn="ctr"/>
+            <a:r>
+              <a:rPr lang="en-US" sz="1000" dirty="0"/>
+              <a:t>n</a:t>
+            </a:r>
+            <a:r>
+              <a:rPr lang="en-US" sz="1000" dirty="0" smtClean="0"/>
+              <a:t>ame: </a:t>
+            </a:r>
+            <a:r>
+              <a:rPr lang="en-US" sz="1000" dirty="0" err="1" smtClean="0"/>
+              <a:t>testsg</a:t>
+            </a:r>
+            <a:r>
+              <a:rPr lang="en-US" sz="1000" dirty="0" smtClean="0"/>
+              <a:t>, </a:t>
+            </a:r>
+          </a:p>
+          <a:p>
+            <a:pPr algn="ctr"/>
+            <a:r>
+              <a:rPr lang="en-US" sz="1000" dirty="0" smtClean="0"/>
+              <a:t>members : [</a:t>
+            </a:r>
+            <a:r>
+              <a:rPr lang="en-US" sz="1000" dirty="0" err="1" smtClean="0"/>
+              <a:t>env</a:t>
+            </a:r>
+            <a:r>
+              <a:rPr lang="en-US" sz="1000" dirty="0" smtClean="0"/>
+              <a:t>=production, sec=webserver]</a:t>
+            </a:r>
+            <a:endParaRPr lang="en-US" sz="1000" dirty="0"/>
+          </a:p>
+        </p:txBody>
+      </p:sp>
+      <p:sp>
+        <p:nvSpPr>
+          <p:cNvPr id="9" name="Rectangular Callout 8"/>
+          <p:cNvSpPr/>
+          <p:nvPr/>
+        </p:nvSpPr>
+        <p:spPr>
+          <a:xfrm>
+            <a:off x="2775139" y="1823673"/>
+            <a:ext cx="2274270" cy="616778"/>
+          </a:xfrm>
+          <a:prstGeom prst="wedgeRectCallout">
+            <a:avLst>
+              <a:gd name="adj1" fmla="val 57892"/>
+              <a:gd name="adj2" fmla="val -82647"/>
+            </a:avLst>
+          </a:prstGeom>
+          <a:solidFill>
+            <a:schemeClr val="accent4">
+              <a:lumMod val="50000"/>
+            </a:schemeClr>
+          </a:solidFill>
+          <a:ln>
+            <a:noFill/>
+          </a:ln>
+        </p:spPr>
+        <p:style>
+          <a:lnRef idx="2">
+            <a:schemeClr val="accent1">
+              <a:shade val="50000"/>
+            </a:schemeClr>
+          </a:lnRef>
+          <a:fillRef idx="1">
+            <a:schemeClr val="accent1"/>
+          </a:fillRef>
+          <a:effectRef idx="0">
+            <a:schemeClr val="accent1"/>
+          </a:effectRef>
+          <a:fontRef idx="minor">
+            <a:schemeClr val="lt1"/>
+          </a:fontRef>
+        </p:style>
+        <p:txBody>
+          <a:bodyPr rtlCol="0" anchor="ctr"/>
+          <a:lstStyle/>
+          <a:p>
+            <a:pPr algn="ctr"/>
+            <a:r>
+              <a:rPr lang="en-US" sz="1200" dirty="0" err="1" smtClean="0"/>
+              <a:t>testsg</a:t>
+            </a:r>
+            <a:r>
+              <a:rPr lang="en-US" sz="1200" dirty="0" smtClean="0"/>
+              <a:t>: pod1, pod2, pod4, pod5.</a:t>
+            </a:r>
+          </a:p>
+          <a:p>
+            <a:pPr algn="ctr"/>
+            <a:r>
+              <a:rPr lang="en-US" sz="1200" dirty="0" smtClean="0"/>
+              <a:t>namespace, </a:t>
+            </a:r>
+            <a:r>
+              <a:rPr lang="en-US" sz="1200" dirty="0"/>
+              <a:t>id, </a:t>
+            </a:r>
+            <a:r>
+              <a:rPr lang="en-US" sz="1200" dirty="0" err="1"/>
+              <a:t>ip</a:t>
+            </a:r>
+            <a:r>
+              <a:rPr lang="en-US" sz="1200" dirty="0"/>
+              <a:t>, </a:t>
+            </a:r>
+            <a:r>
+              <a:rPr lang="en-US" sz="1200" dirty="0" smtClean="0"/>
+              <a:t>mac, port id</a:t>
+            </a:r>
+            <a:endParaRPr lang="en-US" sz="1200" dirty="0"/>
+          </a:p>
+          <a:p>
+            <a:pPr algn="ctr"/>
+            <a:endParaRPr lang="en-US" sz="1200" dirty="0"/>
+          </a:p>
+        </p:txBody>
+      </p:sp>
+      <p:sp>
+        <p:nvSpPr>
+          <p:cNvPr id="30" name="Rectangular Callout 29"/>
+          <p:cNvSpPr/>
+          <p:nvPr/>
+        </p:nvSpPr>
+        <p:spPr>
+          <a:xfrm>
+            <a:off x="8768740" y="2422463"/>
+            <a:ext cx="1781299" cy="561805"/>
+          </a:xfrm>
+          <a:prstGeom prst="wedgeRectCallout">
+            <a:avLst>
+              <a:gd name="adj1" fmla="val -131108"/>
+              <a:gd name="adj2" fmla="val -92403"/>
+            </a:avLst>
+          </a:prstGeom>
+          <a:solidFill>
+            <a:schemeClr val="accent4">
+              <a:lumMod val="50000"/>
+            </a:schemeClr>
+          </a:solidFill>
+          <a:ln>
+            <a:noFill/>
+          </a:ln>
+        </p:spPr>
+        <p:style>
+          <a:lnRef idx="2">
+            <a:schemeClr val="accent1">
+              <a:shade val="50000"/>
+            </a:schemeClr>
+          </a:lnRef>
+          <a:fillRef idx="1">
+            <a:schemeClr val="accent1"/>
+          </a:fillRef>
+          <a:effectRef idx="0">
+            <a:schemeClr val="accent1"/>
+          </a:effectRef>
+          <a:fontRef idx="minor">
+            <a:schemeClr val="lt1"/>
+          </a:fontRef>
+        </p:style>
+        <p:txBody>
+          <a:bodyPr rtlCol="0" anchor="ctr"/>
+          <a:lstStyle/>
+          <a:p>
+            <a:pPr algn="ctr"/>
+            <a:r>
+              <a:rPr lang="en-US" sz="1200" dirty="0" smtClean="0"/>
+              <a:t>port group: pg1: pod1, pod2, pod4, pod5.</a:t>
+            </a:r>
+          </a:p>
+          <a:p>
+            <a:pPr algn="ctr"/>
+            <a:r>
+              <a:rPr lang="en-US" sz="1200" dirty="0" err="1" smtClean="0"/>
+              <a:t>portid</a:t>
+            </a:r>
+            <a:endParaRPr lang="en-US" sz="1200" dirty="0"/>
+          </a:p>
+        </p:txBody>
+      </p:sp>
+      <p:sp>
+        <p:nvSpPr>
+          <p:cNvPr id="11" name="Flowchart: Document 10"/>
+          <p:cNvSpPr/>
+          <p:nvPr/>
+        </p:nvSpPr>
+        <p:spPr>
+          <a:xfrm>
+            <a:off x="2471452" y="3818669"/>
+            <a:ext cx="1096172" cy="618338"/>
+          </a:xfrm>
+          <a:prstGeom prst="flowChartDocument">
+            <a:avLst/>
+          </a:prstGeom>
+          <a:solidFill>
+            <a:schemeClr val="accent6">
+              <a:lumMod val="50000"/>
+            </a:schemeClr>
+          </a:solidFill>
+          <a:ln>
+            <a:noFill/>
+          </a:ln>
+        </p:spPr>
+        <p:style>
+          <a:lnRef idx="2">
+            <a:schemeClr val="accent1">
+              <a:shade val="50000"/>
+            </a:schemeClr>
+          </a:lnRef>
+          <a:fillRef idx="1">
+            <a:schemeClr val="accent1"/>
+          </a:fillRef>
+          <a:effectRef idx="0">
+            <a:schemeClr val="accent1"/>
+          </a:effectRef>
+          <a:fontRef idx="minor">
+            <a:schemeClr val="lt1"/>
+          </a:fontRef>
+        </p:style>
+        <p:txBody>
+          <a:bodyPr rtlCol="0" anchor="ctr"/>
+          <a:lstStyle/>
+          <a:p>
+            <a:pPr algn="ctr"/>
+            <a:r>
+              <a:rPr lang="en-US" sz="1100" dirty="0" smtClean="0"/>
+              <a:t>pod1</a:t>
+            </a:r>
+          </a:p>
+          <a:p>
+            <a:pPr algn="ctr"/>
+            <a:r>
+              <a:rPr lang="en-US" sz="1100" dirty="0" err="1" smtClean="0"/>
+              <a:t>env</a:t>
+            </a:r>
+            <a:r>
+              <a:rPr lang="en-US" sz="1100" dirty="0" smtClean="0"/>
+              <a:t>=production</a:t>
+            </a:r>
+            <a:endParaRPr lang="en-US" sz="1100" dirty="0"/>
+          </a:p>
+        </p:txBody>
+      </p:sp>
+      <p:sp>
+        <p:nvSpPr>
+          <p:cNvPr id="26" name="Flowchart: Document 25"/>
+          <p:cNvSpPr/>
+          <p:nvPr/>
+        </p:nvSpPr>
+        <p:spPr>
+          <a:xfrm>
+            <a:off x="3647983" y="3826981"/>
+            <a:ext cx="1198497" cy="618339"/>
+          </a:xfrm>
+          <a:prstGeom prst="flowChartDocument">
+            <a:avLst/>
+          </a:prstGeom>
+          <a:solidFill>
+            <a:schemeClr val="accent6">
+              <a:lumMod val="50000"/>
+            </a:schemeClr>
+          </a:solidFill>
+          <a:ln>
+            <a:noFill/>
+          </a:ln>
+        </p:spPr>
+        <p:style>
+          <a:lnRef idx="2">
+            <a:schemeClr val="accent1">
+              <a:shade val="50000"/>
+            </a:schemeClr>
+          </a:lnRef>
+          <a:fillRef idx="1">
+            <a:schemeClr val="accent1"/>
+          </a:fillRef>
+          <a:effectRef idx="0">
+            <a:schemeClr val="accent1"/>
+          </a:effectRef>
+          <a:fontRef idx="minor">
+            <a:schemeClr val="lt1"/>
+          </a:fontRef>
+        </p:style>
+        <p:txBody>
+          <a:bodyPr rtlCol="0" anchor="ctr"/>
+          <a:lstStyle/>
+          <a:p>
+            <a:pPr algn="ctr"/>
+            <a:r>
+              <a:rPr lang="en-US" sz="1100" dirty="0" smtClean="0"/>
+              <a:t>pod2</a:t>
+            </a:r>
+          </a:p>
+          <a:p>
+            <a:pPr algn="ctr"/>
+            <a:r>
+              <a:rPr lang="en-US" sz="1100" dirty="0" err="1" smtClean="0"/>
+              <a:t>env</a:t>
+            </a:r>
+            <a:r>
+              <a:rPr lang="en-US" sz="1100" dirty="0" smtClean="0"/>
+              <a:t>=production,</a:t>
+            </a:r>
+          </a:p>
+          <a:p>
+            <a:pPr algn="ctr"/>
+            <a:r>
+              <a:rPr lang="en-US" sz="1100" dirty="0" smtClean="0"/>
+              <a:t>sec=webserver</a:t>
+            </a:r>
+            <a:endParaRPr lang="en-US" sz="1100" dirty="0"/>
+          </a:p>
+        </p:txBody>
+      </p:sp>
+      <p:sp>
+        <p:nvSpPr>
+          <p:cNvPr id="33" name="Flowchart: Document 32"/>
+          <p:cNvSpPr/>
+          <p:nvPr/>
+        </p:nvSpPr>
+        <p:spPr>
+          <a:xfrm>
+            <a:off x="4929441" y="3818547"/>
+            <a:ext cx="1096172" cy="618460"/>
+          </a:xfrm>
+          <a:prstGeom prst="flowChartDocument">
+            <a:avLst/>
+          </a:prstGeom>
+          <a:solidFill>
+            <a:schemeClr val="accent6">
+              <a:lumMod val="60000"/>
+              <a:lumOff val="40000"/>
+            </a:schemeClr>
+          </a:solidFill>
+          <a:ln>
+            <a:noFill/>
+          </a:ln>
+        </p:spPr>
+        <p:style>
+          <a:lnRef idx="2">
+            <a:schemeClr val="accent1">
+              <a:shade val="50000"/>
+            </a:schemeClr>
+          </a:lnRef>
+          <a:fillRef idx="1">
+            <a:schemeClr val="accent1"/>
+          </a:fillRef>
+          <a:effectRef idx="0">
+            <a:schemeClr val="accent1"/>
+          </a:effectRef>
+          <a:fontRef idx="minor">
+            <a:schemeClr val="lt1"/>
+          </a:fontRef>
+        </p:style>
+        <p:txBody>
+          <a:bodyPr rtlCol="0" anchor="ctr"/>
+          <a:lstStyle/>
+          <a:p>
+            <a:pPr algn="ctr"/>
+            <a:r>
+              <a:rPr lang="en-US" sz="1100" dirty="0" smtClean="0">
+                <a:solidFill>
+                  <a:schemeClr val="tx1"/>
+                </a:solidFill>
+              </a:rPr>
+              <a:t>pod3</a:t>
+            </a:r>
+          </a:p>
+        </p:txBody>
+      </p:sp>
+      <p:sp>
+        <p:nvSpPr>
+          <p:cNvPr id="39" name="Rectangle 38"/>
+          <p:cNvSpPr/>
+          <p:nvPr/>
+        </p:nvSpPr>
+        <p:spPr>
+          <a:xfrm>
+            <a:off x="6277947" y="3473585"/>
+            <a:ext cx="3770269" cy="1115040"/>
+          </a:xfrm>
+          <a:prstGeom prst="rect">
+            <a:avLst/>
+          </a:prstGeom>
+          <a:solidFill>
+            <a:schemeClr val="bg2">
+              <a:lumMod val="75000"/>
+            </a:schemeClr>
+          </a:solidFill>
+        </p:spPr>
+        <p:style>
+          <a:lnRef idx="2">
+            <a:schemeClr val="accent1">
+              <a:shade val="50000"/>
+            </a:schemeClr>
+          </a:lnRef>
+          <a:fillRef idx="1">
+            <a:schemeClr val="accent1"/>
+          </a:fillRef>
+          <a:effectRef idx="0">
+            <a:schemeClr val="accent1"/>
+          </a:effectRef>
+          <a:fontRef idx="minor">
+            <a:schemeClr val="lt1"/>
+          </a:fontRef>
+        </p:style>
+        <p:txBody>
+          <a:bodyPr rtlCol="0" anchor="t"/>
+          <a:lstStyle/>
+          <a:p>
+            <a:pPr algn="ctr"/>
+            <a:r>
+              <a:rPr lang="en-US" sz="1400" dirty="0"/>
+              <a:t>K8S </a:t>
+            </a:r>
+            <a:r>
+              <a:rPr lang="en-US" sz="1400" dirty="0" smtClean="0"/>
+              <a:t>Minion2</a:t>
+            </a:r>
+            <a:endParaRPr lang="en-US" sz="1400" dirty="0"/>
+          </a:p>
+        </p:txBody>
+      </p:sp>
+      <p:sp>
+        <p:nvSpPr>
+          <p:cNvPr id="40" name="Flowchart: Document 39"/>
+          <p:cNvSpPr/>
+          <p:nvPr/>
+        </p:nvSpPr>
+        <p:spPr>
+          <a:xfrm>
+            <a:off x="6380272" y="3818669"/>
+            <a:ext cx="1096172" cy="618338"/>
+          </a:xfrm>
+          <a:prstGeom prst="flowChartDocument">
+            <a:avLst/>
+          </a:prstGeom>
+          <a:solidFill>
+            <a:schemeClr val="accent6">
+              <a:lumMod val="50000"/>
+            </a:schemeClr>
+          </a:solidFill>
+          <a:ln>
+            <a:noFill/>
+          </a:ln>
+        </p:spPr>
+        <p:style>
+          <a:lnRef idx="2">
+            <a:schemeClr val="accent1">
+              <a:shade val="50000"/>
+            </a:schemeClr>
+          </a:lnRef>
+          <a:fillRef idx="1">
+            <a:schemeClr val="accent1"/>
+          </a:fillRef>
+          <a:effectRef idx="0">
+            <a:schemeClr val="accent1"/>
+          </a:effectRef>
+          <a:fontRef idx="minor">
+            <a:schemeClr val="lt1"/>
+          </a:fontRef>
+        </p:style>
+        <p:txBody>
+          <a:bodyPr rtlCol="0" anchor="ctr"/>
+          <a:lstStyle/>
+          <a:p>
+            <a:pPr algn="ctr"/>
+            <a:r>
+              <a:rPr lang="en-US" sz="1100" dirty="0" smtClean="0"/>
+              <a:t>pod4</a:t>
+            </a:r>
+          </a:p>
+          <a:p>
+            <a:pPr algn="ctr"/>
+            <a:r>
+              <a:rPr lang="en-US" sz="1100" dirty="0" smtClean="0"/>
+              <a:t>sec=webserver</a:t>
+            </a:r>
+            <a:endParaRPr lang="en-US" sz="1100" dirty="0"/>
+          </a:p>
+        </p:txBody>
+      </p:sp>
+      <p:sp>
+        <p:nvSpPr>
+          <p:cNvPr id="41" name="Flowchart: Document 40"/>
+          <p:cNvSpPr/>
+          <p:nvPr/>
+        </p:nvSpPr>
+        <p:spPr>
+          <a:xfrm>
+            <a:off x="7614995" y="3818668"/>
+            <a:ext cx="1096172" cy="618339"/>
+          </a:xfrm>
+          <a:prstGeom prst="flowChartDocument">
+            <a:avLst/>
+          </a:prstGeom>
+          <a:solidFill>
+            <a:schemeClr val="accent6">
+              <a:lumMod val="50000"/>
+            </a:schemeClr>
+          </a:solidFill>
+          <a:ln>
+            <a:noFill/>
+          </a:ln>
+        </p:spPr>
+        <p:style>
+          <a:lnRef idx="2">
+            <a:schemeClr val="accent1">
+              <a:shade val="50000"/>
+            </a:schemeClr>
+          </a:lnRef>
+          <a:fillRef idx="1">
+            <a:schemeClr val="accent1"/>
+          </a:fillRef>
+          <a:effectRef idx="0">
+            <a:schemeClr val="accent1"/>
+          </a:effectRef>
+          <a:fontRef idx="minor">
+            <a:schemeClr val="lt1"/>
+          </a:fontRef>
+        </p:style>
+        <p:txBody>
+          <a:bodyPr rtlCol="0" anchor="ctr"/>
+          <a:lstStyle/>
+          <a:p>
+            <a:pPr algn="ctr"/>
+            <a:r>
+              <a:rPr lang="en-US" sz="1100" dirty="0" smtClean="0"/>
+              <a:t>pod5</a:t>
+            </a:r>
+          </a:p>
+          <a:p>
+            <a:pPr algn="ctr"/>
+            <a:r>
+              <a:rPr lang="en-US" sz="1100" dirty="0" smtClean="0"/>
+              <a:t>sec=database,</a:t>
+            </a:r>
+          </a:p>
+          <a:p>
+            <a:pPr algn="ctr"/>
+            <a:r>
+              <a:rPr lang="en-US" sz="1100" dirty="0" err="1" smtClean="0"/>
+              <a:t>env</a:t>
+            </a:r>
+            <a:r>
+              <a:rPr lang="en-US" sz="1100" dirty="0" smtClean="0"/>
+              <a:t>=production</a:t>
+            </a:r>
+            <a:endParaRPr lang="en-US" sz="1100" dirty="0"/>
+          </a:p>
+        </p:txBody>
+      </p:sp>
+      <p:sp>
+        <p:nvSpPr>
+          <p:cNvPr id="42" name="Flowchart: Document 41"/>
+          <p:cNvSpPr/>
+          <p:nvPr/>
+        </p:nvSpPr>
+        <p:spPr>
+          <a:xfrm>
+            <a:off x="8849718" y="3818547"/>
+            <a:ext cx="1096172" cy="618460"/>
+          </a:xfrm>
+          <a:prstGeom prst="flowChartDocument">
+            <a:avLst/>
+          </a:prstGeom>
+          <a:solidFill>
+            <a:schemeClr val="accent6">
+              <a:lumMod val="60000"/>
+              <a:lumOff val="40000"/>
+            </a:schemeClr>
+          </a:solidFill>
+          <a:ln>
+            <a:noFill/>
+          </a:ln>
+        </p:spPr>
+        <p:style>
+          <a:lnRef idx="2">
+            <a:schemeClr val="accent1">
+              <a:shade val="50000"/>
+            </a:schemeClr>
+          </a:lnRef>
+          <a:fillRef idx="1">
+            <a:schemeClr val="accent1"/>
+          </a:fillRef>
+          <a:effectRef idx="0">
+            <a:schemeClr val="accent1"/>
+          </a:effectRef>
+          <a:fontRef idx="minor">
+            <a:schemeClr val="lt1"/>
+          </a:fontRef>
+        </p:style>
+        <p:txBody>
+          <a:bodyPr rtlCol="0" anchor="ctr"/>
+          <a:lstStyle/>
+          <a:p>
+            <a:pPr algn="ctr"/>
+            <a:r>
+              <a:rPr lang="en-US" sz="1100" dirty="0" smtClean="0">
+                <a:solidFill>
+                  <a:schemeClr val="tx1"/>
+                </a:solidFill>
+              </a:rPr>
+              <a:t>pod6</a:t>
+            </a:r>
+          </a:p>
+          <a:p>
+            <a:pPr algn="ctr"/>
+            <a:r>
+              <a:rPr lang="en-US" sz="1100" dirty="0" err="1" smtClean="0">
+                <a:solidFill>
+                  <a:schemeClr val="tx1"/>
+                </a:solidFill>
+              </a:rPr>
+              <a:t>env</a:t>
+            </a:r>
+            <a:r>
+              <a:rPr lang="en-US" sz="1100" dirty="0" smtClean="0">
+                <a:solidFill>
+                  <a:schemeClr val="tx1"/>
+                </a:solidFill>
+              </a:rPr>
+              <a:t>=staging</a:t>
+            </a:r>
+            <a:endParaRPr lang="en-US" sz="1100" dirty="0">
+              <a:solidFill>
+                <a:schemeClr val="tx1"/>
+              </a:solidFill>
+            </a:endParaRPr>
+          </a:p>
+        </p:txBody>
+      </p:sp>
+    </p:spTree>
+    <p:extLst>
+      <p:ext uri="{BB962C8B-B14F-4D97-AF65-F5344CB8AC3E}">
+        <p14:creationId xmlns:p14="http://schemas.microsoft.com/office/powerpoint/2010/main" val="2828138057"/>
+      </p:ext>
+    </p:extLst>
+  </p:cSld>
+  <p:clrMapOvr>
+    <a:masterClrMapping/>
+  </p:clrMapOvr>
+  <p:timing>
+    <p:tnLst>
+      <p:par>
+        <p:cTn id="1" dur="indefinite" restart="never" nodeType="tmRoot"/>
+      </p:par>
+    </p:tnLst>
+  </p:timing>
+</p:sld>
+</file>
+
+<file path=ppt/slides/slide5.xml><?xml version="1.0" encoding="utf-8"?>
+<p:sld xmlns:a="http://schemas.openxmlformats.org/drawingml/2006/main" xmlns:r="http://schemas.openxmlformats.org/officeDocument/2006/relationships" xmlns:p="http://schemas.openxmlformats.org/presentationml/2006/main">
+  <p:cSld>
+    <p:spTree>
+      <p:nvGrpSpPr>
+        <p:cNvPr id="1" name=""/>
+        <p:cNvGrpSpPr/>
+        <p:nvPr/>
+      </p:nvGrpSpPr>
+      <p:grpSpPr>
+        <a:xfrm>
+          <a:off x="0" y="0"/>
+          <a:ext cx="0" cy="0"/>
+          <a:chOff x="0" y="0"/>
+          <a:chExt cx="0" cy="0"/>
+        </a:xfrm>
+      </p:grpSpPr>
+      <p:sp>
+        <p:nvSpPr>
+          <p:cNvPr id="8" name="Rectangle 7"/>
+          <p:cNvSpPr/>
+          <p:nvPr/>
+        </p:nvSpPr>
+        <p:spPr>
+          <a:xfrm>
+            <a:off x="4580626" y="2421038"/>
+            <a:ext cx="3547373" cy="493604"/>
+          </a:xfrm>
+          <a:prstGeom prst="rect">
+            <a:avLst/>
+          </a:prstGeom>
+          <a:solidFill>
+            <a:schemeClr val="bg2">
+              <a:lumMod val="75000"/>
+            </a:schemeClr>
+          </a:solidFill>
+        </p:spPr>
+        <p:style>
+          <a:lnRef idx="2">
+            <a:schemeClr val="accent1">
+              <a:shade val="50000"/>
+            </a:schemeClr>
+          </a:lnRef>
+          <a:fillRef idx="1">
+            <a:schemeClr val="accent1"/>
+          </a:fillRef>
+          <a:effectRef idx="0">
+            <a:schemeClr val="accent1"/>
+          </a:effectRef>
+          <a:fontRef idx="minor">
+            <a:schemeClr val="lt1"/>
+          </a:fontRef>
+        </p:style>
+        <p:txBody>
+          <a:bodyPr rtlCol="0" anchor="t"/>
+          <a:lstStyle/>
+          <a:p>
+            <a:pPr algn="ctr"/>
+            <a:r>
+              <a:rPr lang="en-US" sz="1400" dirty="0" smtClean="0"/>
+              <a:t>K8s API Server/</a:t>
+            </a:r>
+          </a:p>
+          <a:p>
+            <a:pPr algn="ctr"/>
+            <a:r>
+              <a:rPr lang="en-US" sz="1400" dirty="0" smtClean="0"/>
+              <a:t>K8S Controller</a:t>
+            </a:r>
+            <a:endParaRPr lang="en-US" sz="1400" dirty="0"/>
+          </a:p>
+        </p:txBody>
+      </p:sp>
+      <p:sp>
+        <p:nvSpPr>
+          <p:cNvPr id="4" name="Rectangle 3"/>
+          <p:cNvSpPr/>
+          <p:nvPr/>
+        </p:nvSpPr>
+        <p:spPr>
+          <a:xfrm>
+            <a:off x="3860320" y="616788"/>
+            <a:ext cx="1846053" cy="1017917"/>
+          </a:xfrm>
+          <a:prstGeom prst="rect">
+            <a:avLst/>
+          </a:prstGeom>
+        </p:spPr>
+        <p:style>
+          <a:lnRef idx="2">
+            <a:schemeClr val="accent1">
+              <a:shade val="50000"/>
+            </a:schemeClr>
+          </a:lnRef>
+          <a:fillRef idx="1">
+            <a:schemeClr val="accent1"/>
+          </a:fillRef>
+          <a:effectRef idx="0">
+            <a:schemeClr val="accent1"/>
+          </a:effectRef>
+          <a:fontRef idx="minor">
+            <a:schemeClr val="lt1"/>
+          </a:fontRef>
+        </p:style>
+        <p:txBody>
+          <a:bodyPr rtlCol="0" anchor="ctr"/>
+          <a:lstStyle/>
+          <a:p>
+            <a:pPr algn="ctr"/>
+            <a:r>
+              <a:rPr lang="en-US" dirty="0"/>
+              <a:t>OSC</a:t>
+            </a:r>
+          </a:p>
+        </p:txBody>
+      </p:sp>
+      <p:sp>
+        <p:nvSpPr>
+          <p:cNvPr id="5" name="Rectangle 4"/>
+          <p:cNvSpPr/>
+          <p:nvPr/>
+        </p:nvSpPr>
+        <p:spPr>
+          <a:xfrm>
+            <a:off x="5876931" y="1362229"/>
+            <a:ext cx="1388393" cy="195883"/>
+          </a:xfrm>
+          <a:prstGeom prst="rect">
+            <a:avLst/>
+          </a:prstGeom>
+        </p:spPr>
+        <p:style>
+          <a:lnRef idx="2">
+            <a:schemeClr val="accent1">
+              <a:shade val="50000"/>
+            </a:schemeClr>
+          </a:lnRef>
+          <a:fillRef idx="1">
+            <a:schemeClr val="accent1"/>
+          </a:fillRef>
+          <a:effectRef idx="0">
+            <a:schemeClr val="accent1"/>
+          </a:effectRef>
+          <a:fontRef idx="minor">
+            <a:schemeClr val="lt1"/>
+          </a:fontRef>
+        </p:style>
+        <p:txBody>
+          <a:bodyPr rtlCol="0" anchor="ctr"/>
+          <a:lstStyle/>
+          <a:p>
+            <a:pPr algn="ctr"/>
+            <a:r>
+              <a:rPr lang="en-US" sz="1200" dirty="0" smtClean="0"/>
+              <a:t>SDN SDK</a:t>
+            </a:r>
+            <a:endParaRPr lang="en-US" sz="1200" dirty="0"/>
+          </a:p>
+        </p:txBody>
+      </p:sp>
+      <p:sp>
+        <p:nvSpPr>
+          <p:cNvPr id="6" name="Rectangle 5"/>
+          <p:cNvSpPr/>
+          <p:nvPr/>
+        </p:nvSpPr>
+        <p:spPr>
+          <a:xfrm>
+            <a:off x="5591736" y="1902545"/>
+            <a:ext cx="1958781" cy="265574"/>
+          </a:xfrm>
+          <a:prstGeom prst="rect">
+            <a:avLst/>
+          </a:prstGeom>
+        </p:spPr>
+        <p:style>
+          <a:lnRef idx="2">
+            <a:schemeClr val="accent1">
+              <a:shade val="50000"/>
+            </a:schemeClr>
+          </a:lnRef>
+          <a:fillRef idx="1">
+            <a:schemeClr val="accent1"/>
+          </a:fillRef>
+          <a:effectRef idx="0">
+            <a:schemeClr val="accent1"/>
+          </a:effectRef>
+          <a:fontRef idx="minor">
+            <a:schemeClr val="lt1"/>
+          </a:fontRef>
+        </p:style>
+        <p:txBody>
+          <a:bodyPr rtlCol="0" anchor="ctr"/>
+          <a:lstStyle/>
+          <a:p>
+            <a:pPr algn="ctr"/>
+            <a:r>
+              <a:rPr lang="en-US" sz="1200" dirty="0" err="1" smtClean="0"/>
+              <a:t>Nuage</a:t>
+            </a:r>
+            <a:r>
+              <a:rPr lang="en-US" sz="1200" dirty="0" smtClean="0"/>
+              <a:t>/Sample SDN Plugin</a:t>
+            </a:r>
+            <a:endParaRPr lang="en-US" sz="1200" dirty="0"/>
+          </a:p>
+        </p:txBody>
+      </p:sp>
+      <p:cxnSp>
+        <p:nvCxnSpPr>
+          <p:cNvPr id="27" name="Elbow Connector 26"/>
+          <p:cNvCxnSpPr>
+            <a:stCxn id="8" idx="2"/>
+          </p:cNvCxnSpPr>
+          <p:nvPr/>
+        </p:nvCxnSpPr>
+        <p:spPr>
+          <a:xfrm rot="5400000">
+            <a:off x="5024817" y="2144088"/>
+            <a:ext cx="558943" cy="2100051"/>
+          </a:xfrm>
+          <a:prstGeom prst="bentConnector3">
+            <a:avLst>
+              <a:gd name="adj1" fmla="val 50000"/>
+            </a:avLst>
+          </a:prstGeom>
+          <a:ln>
+            <a:solidFill>
+              <a:schemeClr val="tx1"/>
+            </a:solidFill>
+            <a:tailEnd type="triangle"/>
+          </a:ln>
+        </p:spPr>
+        <p:style>
+          <a:lnRef idx="1">
+            <a:schemeClr val="accent1"/>
+          </a:lnRef>
+          <a:fillRef idx="0">
+            <a:schemeClr val="accent1"/>
+          </a:fillRef>
+          <a:effectRef idx="0">
+            <a:schemeClr val="accent1"/>
+          </a:effectRef>
+          <a:fontRef idx="minor">
+            <a:schemeClr val="tx1"/>
+          </a:fontRef>
+        </p:style>
+      </p:cxnSp>
+      <p:cxnSp>
+        <p:nvCxnSpPr>
+          <p:cNvPr id="29" name="Elbow Connector 28"/>
+          <p:cNvCxnSpPr>
+            <a:stCxn id="8" idx="2"/>
+          </p:cNvCxnSpPr>
+          <p:nvPr/>
+        </p:nvCxnSpPr>
+        <p:spPr>
+          <a:xfrm rot="16200000" flipH="1">
+            <a:off x="6864293" y="2404662"/>
+            <a:ext cx="549442" cy="1569402"/>
+          </a:xfrm>
+          <a:prstGeom prst="bentConnector3">
+            <a:avLst>
+              <a:gd name="adj1" fmla="val 50000"/>
+            </a:avLst>
+          </a:prstGeom>
+          <a:ln>
+            <a:solidFill>
+              <a:schemeClr val="tx1"/>
+            </a:solidFill>
+            <a:tailEnd type="triangle"/>
+          </a:ln>
+        </p:spPr>
+        <p:style>
+          <a:lnRef idx="1">
+            <a:schemeClr val="accent1"/>
+          </a:lnRef>
+          <a:fillRef idx="0">
+            <a:schemeClr val="accent1"/>
+          </a:fillRef>
+          <a:effectRef idx="0">
+            <a:schemeClr val="accent1"/>
+          </a:effectRef>
+          <a:fontRef idx="minor">
+            <a:schemeClr val="tx1"/>
+          </a:fontRef>
+        </p:style>
+      </p:cxnSp>
+      <p:sp>
+        <p:nvSpPr>
+          <p:cNvPr id="48" name="TextBox 47"/>
+          <p:cNvSpPr txBox="1"/>
+          <p:nvPr/>
+        </p:nvSpPr>
+        <p:spPr>
+          <a:xfrm>
+            <a:off x="1476587" y="2766980"/>
+            <a:ext cx="1266885" cy="276999"/>
+          </a:xfrm>
+          <a:prstGeom prst="rect">
+            <a:avLst/>
+          </a:prstGeom>
+          <a:noFill/>
+        </p:spPr>
+        <p:txBody>
+          <a:bodyPr wrap="none" rtlCol="0">
+            <a:spAutoFit/>
+          </a:bodyPr>
+          <a:lstStyle>
+            <a:defPPr>
+              <a:defRPr lang="en-US"/>
+            </a:defPPr>
+            <a:lvl1pPr>
+              <a:defRPr sz="1200"/>
+            </a:lvl1pPr>
+          </a:lstStyle>
+          <a:p>
+            <a:r>
+              <a:rPr lang="en-US" b="1" dirty="0" smtClean="0">
+                <a:solidFill>
+                  <a:schemeClr val="accent6">
+                    <a:lumMod val="75000"/>
+                  </a:schemeClr>
+                </a:solidFill>
+              </a:rPr>
+              <a:t>3. traffic</a:t>
+            </a:r>
+            <a:r>
+              <a:rPr lang="en-US" b="1" dirty="0" smtClean="0"/>
+              <a:t> </a:t>
+            </a:r>
+            <a:r>
+              <a:rPr lang="en-US" b="1" dirty="0">
+                <a:solidFill>
+                  <a:schemeClr val="accent6">
+                    <a:lumMod val="75000"/>
+                  </a:schemeClr>
+                </a:solidFill>
+              </a:rPr>
+              <a:t>steering</a:t>
+            </a:r>
+          </a:p>
+        </p:txBody>
+      </p:sp>
+      <p:sp>
+        <p:nvSpPr>
+          <p:cNvPr id="49" name="TextBox 48"/>
+          <p:cNvSpPr txBox="1"/>
+          <p:nvPr/>
+        </p:nvSpPr>
+        <p:spPr>
+          <a:xfrm>
+            <a:off x="1464904" y="2222306"/>
+            <a:ext cx="776879" cy="276999"/>
+          </a:xfrm>
+          <a:prstGeom prst="rect">
+            <a:avLst/>
+          </a:prstGeom>
+          <a:noFill/>
+        </p:spPr>
+        <p:txBody>
+          <a:bodyPr wrap="none" rtlCol="0">
+            <a:spAutoFit/>
+          </a:bodyPr>
+          <a:lstStyle>
+            <a:defPPr>
+              <a:defRPr lang="en-US"/>
+            </a:defPPr>
+            <a:lvl1pPr>
+              <a:defRPr sz="1200">
+                <a:solidFill>
+                  <a:schemeClr val="accent6">
+                    <a:lumMod val="75000"/>
+                  </a:schemeClr>
+                </a:solidFill>
+              </a:defRPr>
+            </a:lvl1pPr>
+          </a:lstStyle>
+          <a:p>
+            <a:r>
+              <a:rPr lang="en-US" dirty="0"/>
+              <a:t>1</a:t>
+            </a:r>
+            <a:r>
+              <a:rPr lang="en-US" dirty="0" smtClean="0"/>
+              <a:t>. deploy</a:t>
+            </a:r>
+            <a:endParaRPr lang="en-US" dirty="0"/>
+          </a:p>
+        </p:txBody>
+      </p:sp>
+      <p:sp>
+        <p:nvSpPr>
+          <p:cNvPr id="81" name="TextBox 80"/>
+          <p:cNvSpPr txBox="1"/>
+          <p:nvPr/>
+        </p:nvSpPr>
+        <p:spPr>
+          <a:xfrm>
+            <a:off x="1473217" y="2492935"/>
+            <a:ext cx="1585690" cy="276999"/>
+          </a:xfrm>
+          <a:prstGeom prst="rect">
+            <a:avLst/>
+          </a:prstGeom>
+          <a:noFill/>
+        </p:spPr>
+        <p:txBody>
+          <a:bodyPr wrap="none" rtlCol="0">
+            <a:spAutoFit/>
+          </a:bodyPr>
+          <a:lstStyle>
+            <a:defPPr>
+              <a:defRPr lang="en-US"/>
+            </a:defPPr>
+            <a:lvl1pPr>
+              <a:defRPr sz="1200"/>
+            </a:lvl1pPr>
+          </a:lstStyle>
+          <a:p>
+            <a:r>
+              <a:rPr lang="en-US" dirty="0">
+                <a:solidFill>
+                  <a:schemeClr val="accent6">
+                    <a:lumMod val="75000"/>
+                  </a:schemeClr>
+                </a:solidFill>
+              </a:rPr>
+              <a:t>2</a:t>
+            </a:r>
+            <a:r>
+              <a:rPr lang="en-US" dirty="0" smtClean="0">
+                <a:solidFill>
+                  <a:schemeClr val="accent6">
+                    <a:lumMod val="75000"/>
+                  </a:schemeClr>
+                </a:solidFill>
+              </a:rPr>
+              <a:t>. workload discovery</a:t>
+            </a:r>
+          </a:p>
+        </p:txBody>
+      </p:sp>
+      <p:cxnSp>
+        <p:nvCxnSpPr>
+          <p:cNvPr id="32" name="Elbow Connector 31"/>
+          <p:cNvCxnSpPr>
+            <a:stCxn id="4" idx="1"/>
+            <a:endCxn id="8" idx="1"/>
+          </p:cNvCxnSpPr>
+          <p:nvPr/>
+        </p:nvCxnSpPr>
+        <p:spPr>
+          <a:xfrm rot="10800000" flipH="1" flipV="1">
+            <a:off x="3860320" y="1125746"/>
+            <a:ext cx="720306" cy="1542093"/>
+          </a:xfrm>
+          <a:prstGeom prst="bentConnector3">
+            <a:avLst>
+              <a:gd name="adj1" fmla="val -31737"/>
+            </a:avLst>
+          </a:prstGeom>
+          <a:ln>
+            <a:solidFill>
+              <a:schemeClr val="tx1"/>
+            </a:solidFill>
+            <a:headEnd type="triangle"/>
+            <a:tailEnd type="triangle"/>
+          </a:ln>
+        </p:spPr>
+        <p:style>
+          <a:lnRef idx="1">
+            <a:schemeClr val="accent1"/>
+          </a:lnRef>
+          <a:fillRef idx="0">
+            <a:schemeClr val="accent1"/>
+          </a:fillRef>
+          <a:effectRef idx="0">
+            <a:schemeClr val="accent1"/>
+          </a:effectRef>
+          <a:fontRef idx="minor">
+            <a:schemeClr val="tx1"/>
+          </a:fontRef>
+        </p:style>
+      </p:cxnSp>
+      <p:cxnSp>
+        <p:nvCxnSpPr>
+          <p:cNvPr id="52" name="Elbow Connector 51"/>
+          <p:cNvCxnSpPr>
+            <a:stCxn id="4" idx="3"/>
+            <a:endCxn id="5" idx="0"/>
+          </p:cNvCxnSpPr>
+          <p:nvPr/>
+        </p:nvCxnSpPr>
+        <p:spPr>
+          <a:xfrm>
+            <a:off x="5706373" y="1125747"/>
+            <a:ext cx="864755" cy="236482"/>
+          </a:xfrm>
+          <a:prstGeom prst="bentConnector2">
+            <a:avLst/>
+          </a:prstGeom>
+          <a:ln>
+            <a:solidFill>
+              <a:schemeClr val="tx1"/>
+            </a:solidFill>
+            <a:headEnd type="triangle"/>
+            <a:tailEnd type="triangle"/>
+          </a:ln>
+        </p:spPr>
+        <p:style>
+          <a:lnRef idx="1">
+            <a:schemeClr val="accent1"/>
+          </a:lnRef>
+          <a:fillRef idx="0">
+            <a:schemeClr val="accent1"/>
+          </a:fillRef>
+          <a:effectRef idx="0">
+            <a:schemeClr val="accent1"/>
+          </a:effectRef>
+          <a:fontRef idx="minor">
+            <a:schemeClr val="tx1"/>
+          </a:fontRef>
+        </p:style>
+      </p:cxnSp>
+      <p:sp>
+        <p:nvSpPr>
+          <p:cNvPr id="62" name="Rectangle 61"/>
+          <p:cNvSpPr/>
+          <p:nvPr/>
+        </p:nvSpPr>
+        <p:spPr>
+          <a:xfrm>
+            <a:off x="7845834" y="1359599"/>
+            <a:ext cx="1591781" cy="195882"/>
+          </a:xfrm>
+          <a:prstGeom prst="rect">
+            <a:avLst/>
+          </a:prstGeom>
+        </p:spPr>
+        <p:style>
+          <a:lnRef idx="2">
+            <a:schemeClr val="accent1">
+              <a:shade val="50000"/>
+            </a:schemeClr>
+          </a:lnRef>
+          <a:fillRef idx="1">
+            <a:schemeClr val="accent1"/>
+          </a:fillRef>
+          <a:effectRef idx="0">
+            <a:schemeClr val="accent1"/>
+          </a:effectRef>
+          <a:fontRef idx="minor">
+            <a:schemeClr val="lt1"/>
+          </a:fontRef>
+        </p:style>
+        <p:txBody>
+          <a:bodyPr rtlCol="0" anchor="ctr"/>
+          <a:lstStyle/>
+          <a:p>
+            <a:pPr algn="ctr"/>
+            <a:r>
+              <a:rPr lang="en-US" sz="1200" dirty="0" smtClean="0"/>
+              <a:t>SECURITY MGR SDK</a:t>
+            </a:r>
+            <a:endParaRPr lang="en-US" sz="1200" dirty="0"/>
+          </a:p>
+        </p:txBody>
+      </p:sp>
+      <p:sp>
+        <p:nvSpPr>
+          <p:cNvPr id="68" name="Rectangle 67"/>
+          <p:cNvSpPr/>
+          <p:nvPr/>
+        </p:nvSpPr>
+        <p:spPr>
+          <a:xfrm>
+            <a:off x="7631226" y="1902545"/>
+            <a:ext cx="2028164" cy="267080"/>
+          </a:xfrm>
+          <a:prstGeom prst="rect">
+            <a:avLst/>
+          </a:prstGeom>
+        </p:spPr>
+        <p:style>
+          <a:lnRef idx="2">
+            <a:schemeClr val="accent1">
+              <a:shade val="50000"/>
+            </a:schemeClr>
+          </a:lnRef>
+          <a:fillRef idx="1">
+            <a:schemeClr val="accent1"/>
+          </a:fillRef>
+          <a:effectRef idx="0">
+            <a:schemeClr val="accent1"/>
+          </a:effectRef>
+          <a:fontRef idx="minor">
+            <a:schemeClr val="lt1"/>
+          </a:fontRef>
+        </p:style>
+        <p:txBody>
+          <a:bodyPr rtlCol="0" anchor="ctr"/>
+          <a:lstStyle/>
+          <a:p>
+            <a:pPr algn="ctr"/>
+            <a:r>
+              <a:rPr lang="en-US" sz="1200" dirty="0" smtClean="0"/>
+              <a:t>Sample Security </a:t>
+            </a:r>
+            <a:r>
+              <a:rPr lang="en-US" sz="1200" dirty="0" err="1" smtClean="0"/>
+              <a:t>Mgr</a:t>
+            </a:r>
+            <a:r>
+              <a:rPr lang="en-US" sz="1200" dirty="0" smtClean="0"/>
+              <a:t> Plugin</a:t>
+            </a:r>
+            <a:endParaRPr lang="en-US" sz="1200" dirty="0"/>
+          </a:p>
+        </p:txBody>
+      </p:sp>
+      <p:cxnSp>
+        <p:nvCxnSpPr>
+          <p:cNvPr id="59" name="Elbow Connector 58"/>
+          <p:cNvCxnSpPr>
+            <a:stCxn id="62" idx="2"/>
+            <a:endCxn id="68" idx="0"/>
+          </p:cNvCxnSpPr>
+          <p:nvPr/>
+        </p:nvCxnSpPr>
+        <p:spPr>
+          <a:xfrm rot="16200000" flipH="1">
+            <a:off x="8469984" y="1727221"/>
+            <a:ext cx="347064" cy="3583"/>
+          </a:xfrm>
+          <a:prstGeom prst="bentConnector3">
+            <a:avLst/>
+          </a:prstGeom>
+          <a:ln>
+            <a:solidFill>
+              <a:schemeClr val="tx1"/>
+            </a:solidFill>
+            <a:tailEnd type="triangle"/>
+          </a:ln>
+        </p:spPr>
+        <p:style>
+          <a:lnRef idx="1">
+            <a:schemeClr val="accent1"/>
+          </a:lnRef>
+          <a:fillRef idx="0">
+            <a:schemeClr val="accent1"/>
+          </a:fillRef>
+          <a:effectRef idx="0">
+            <a:schemeClr val="accent1"/>
+          </a:effectRef>
+          <a:fontRef idx="minor">
+            <a:schemeClr val="tx1"/>
+          </a:fontRef>
+        </p:style>
+      </p:cxnSp>
+      <p:cxnSp>
+        <p:nvCxnSpPr>
+          <p:cNvPr id="94" name="Elbow Connector 93"/>
+          <p:cNvCxnSpPr/>
+          <p:nvPr/>
+        </p:nvCxnSpPr>
+        <p:spPr>
+          <a:xfrm>
+            <a:off x="5706373" y="974527"/>
+            <a:ext cx="2935352" cy="385070"/>
+          </a:xfrm>
+          <a:prstGeom prst="bentConnector3">
+            <a:avLst>
+              <a:gd name="adj1" fmla="val 100408"/>
+            </a:avLst>
+          </a:prstGeom>
+          <a:ln>
+            <a:solidFill>
+              <a:schemeClr val="tx1"/>
+            </a:solidFill>
+            <a:tailEnd type="triangle"/>
+          </a:ln>
+        </p:spPr>
+        <p:style>
+          <a:lnRef idx="1">
+            <a:schemeClr val="accent1"/>
+          </a:lnRef>
+          <a:fillRef idx="0">
+            <a:schemeClr val="accent1"/>
+          </a:fillRef>
+          <a:effectRef idx="0">
+            <a:schemeClr val="accent1"/>
+          </a:effectRef>
+          <a:fontRef idx="minor">
+            <a:schemeClr val="tx1"/>
+          </a:fontRef>
+        </p:style>
+      </p:cxnSp>
+      <p:cxnSp>
+        <p:nvCxnSpPr>
+          <p:cNvPr id="98" name="Elbow Connector 97"/>
+          <p:cNvCxnSpPr>
+            <a:stCxn id="5" idx="2"/>
+            <a:endCxn id="6" idx="0"/>
+          </p:cNvCxnSpPr>
+          <p:nvPr/>
+        </p:nvCxnSpPr>
+        <p:spPr>
+          <a:xfrm rot="5400000">
+            <a:off x="6398912" y="1730328"/>
+            <a:ext cx="344433" cy="1"/>
+          </a:xfrm>
+          <a:prstGeom prst="bentConnector3">
+            <a:avLst/>
+          </a:prstGeom>
+          <a:ln>
+            <a:solidFill>
+              <a:schemeClr val="tx1"/>
+            </a:solidFill>
+            <a:headEnd type="triangle"/>
+            <a:tailEnd type="triangle"/>
+          </a:ln>
+        </p:spPr>
+        <p:style>
+          <a:lnRef idx="1">
+            <a:schemeClr val="accent1"/>
+          </a:lnRef>
+          <a:fillRef idx="0">
+            <a:schemeClr val="accent1"/>
+          </a:fillRef>
+          <a:effectRef idx="0">
+            <a:schemeClr val="accent1"/>
+          </a:effectRef>
+          <a:fontRef idx="minor">
+            <a:schemeClr val="tx1"/>
+          </a:fontRef>
+        </p:style>
+      </p:cxnSp>
+      <p:sp>
+        <p:nvSpPr>
+          <p:cNvPr id="111" name="Right Arrow 110"/>
+          <p:cNvSpPr/>
+          <p:nvPr/>
+        </p:nvSpPr>
+        <p:spPr>
+          <a:xfrm>
+            <a:off x="1402304" y="458790"/>
+            <a:ext cx="2107605" cy="1333911"/>
+          </a:xfrm>
+          <a:prstGeom prst="rightArrow">
+            <a:avLst/>
+          </a:prstGeom>
+          <a:solidFill>
+            <a:schemeClr val="accent1">
+              <a:lumMod val="50000"/>
+            </a:schemeClr>
+          </a:solidFill>
+        </p:spPr>
+        <p:style>
+          <a:lnRef idx="2">
+            <a:schemeClr val="accent1">
+              <a:shade val="50000"/>
+            </a:schemeClr>
+          </a:lnRef>
+          <a:fillRef idx="1">
+            <a:schemeClr val="accent1"/>
+          </a:fillRef>
+          <a:effectRef idx="0">
+            <a:schemeClr val="accent1"/>
+          </a:effectRef>
+          <a:fontRef idx="minor">
+            <a:schemeClr val="lt1"/>
+          </a:fontRef>
+        </p:style>
+        <p:txBody>
+          <a:bodyPr rtlCol="0" anchor="ctr"/>
+          <a:lstStyle/>
+          <a:p>
+            <a:pPr algn="ctr"/>
+            <a:r>
+              <a:rPr lang="en-US" sz="1000" b="1" dirty="0" smtClean="0"/>
+              <a:t>binding:</a:t>
+            </a:r>
+          </a:p>
+          <a:p>
+            <a:pPr algn="ctr"/>
+            <a:r>
+              <a:rPr lang="en-US" sz="1000" dirty="0" err="1" smtClean="0"/>
+              <a:t>testsg</a:t>
+            </a:r>
+            <a:r>
+              <a:rPr lang="en-US" sz="1000" dirty="0" smtClean="0"/>
+              <a:t>, </a:t>
+            </a:r>
+            <a:r>
+              <a:rPr lang="en-US" sz="1000" dirty="0" err="1" smtClean="0"/>
+              <a:t>testda</a:t>
+            </a:r>
+            <a:endParaRPr lang="en-US" sz="1000" dirty="0"/>
+          </a:p>
+        </p:txBody>
+      </p:sp>
+      <p:sp>
+        <p:nvSpPr>
+          <p:cNvPr id="9" name="Rectangular Callout 8"/>
+          <p:cNvSpPr/>
+          <p:nvPr/>
+        </p:nvSpPr>
+        <p:spPr>
+          <a:xfrm>
+            <a:off x="2775139" y="1823673"/>
+            <a:ext cx="2274270" cy="323320"/>
+          </a:xfrm>
+          <a:prstGeom prst="wedgeRectCallout">
+            <a:avLst>
+              <a:gd name="adj1" fmla="val 57892"/>
+              <a:gd name="adj2" fmla="val -82647"/>
+            </a:avLst>
+          </a:prstGeom>
+          <a:solidFill>
+            <a:schemeClr val="accent4">
+              <a:lumMod val="50000"/>
+            </a:schemeClr>
+          </a:solidFill>
+          <a:ln>
+            <a:noFill/>
+          </a:ln>
+        </p:spPr>
+        <p:style>
+          <a:lnRef idx="2">
+            <a:schemeClr val="accent1">
+              <a:shade val="50000"/>
+            </a:schemeClr>
+          </a:lnRef>
+          <a:fillRef idx="1">
+            <a:schemeClr val="accent1"/>
+          </a:fillRef>
+          <a:effectRef idx="0">
+            <a:schemeClr val="accent1"/>
+          </a:effectRef>
+          <a:fontRef idx="minor">
+            <a:schemeClr val="lt1"/>
+          </a:fontRef>
+        </p:style>
+        <p:txBody>
+          <a:bodyPr rtlCol="0" anchor="ctr"/>
+          <a:lstStyle/>
+          <a:p>
+            <a:pPr algn="ctr"/>
+            <a:r>
+              <a:rPr lang="en-US" sz="1200" dirty="0" smtClean="0"/>
+              <a:t>binding: </a:t>
+            </a:r>
+            <a:r>
+              <a:rPr lang="en-US" sz="1200" dirty="0" err="1" smtClean="0"/>
+              <a:t>testsg-testda</a:t>
+            </a:r>
+            <a:endParaRPr lang="en-US" sz="1200" dirty="0"/>
+          </a:p>
+          <a:p>
+            <a:pPr algn="ctr"/>
+            <a:endParaRPr lang="en-US" sz="1200" dirty="0"/>
+          </a:p>
+        </p:txBody>
+      </p:sp>
+      <p:sp>
+        <p:nvSpPr>
+          <p:cNvPr id="30" name="Rectangular Callout 29"/>
+          <p:cNvSpPr/>
+          <p:nvPr/>
+        </p:nvSpPr>
+        <p:spPr>
+          <a:xfrm>
+            <a:off x="8768740" y="2421038"/>
+            <a:ext cx="1781299" cy="561805"/>
+          </a:xfrm>
+          <a:prstGeom prst="wedgeRectCallout">
+            <a:avLst>
+              <a:gd name="adj1" fmla="val -131108"/>
+              <a:gd name="adj2" fmla="val -92403"/>
+            </a:avLst>
+          </a:prstGeom>
+          <a:solidFill>
+            <a:schemeClr val="accent4">
+              <a:lumMod val="50000"/>
+            </a:schemeClr>
+          </a:solidFill>
+          <a:ln>
+            <a:noFill/>
+          </a:ln>
+        </p:spPr>
+        <p:style>
+          <a:lnRef idx="2">
+            <a:schemeClr val="accent1">
+              <a:shade val="50000"/>
+            </a:schemeClr>
+          </a:lnRef>
+          <a:fillRef idx="1">
+            <a:schemeClr val="accent1"/>
+          </a:fillRef>
+          <a:effectRef idx="0">
+            <a:schemeClr val="accent1"/>
+          </a:effectRef>
+          <a:fontRef idx="minor">
+            <a:schemeClr val="lt1"/>
+          </a:fontRef>
+        </p:style>
+        <p:txBody>
+          <a:bodyPr rtlCol="0" anchor="ctr"/>
+          <a:lstStyle/>
+          <a:p>
+            <a:pPr algn="ctr"/>
+            <a:r>
+              <a:rPr lang="en-US" sz="1200" dirty="0" smtClean="0"/>
+              <a:t>inspection hook: pg1, testds-xx-1-insp-port </a:t>
+            </a:r>
+            <a:endParaRPr lang="en-US" sz="1200" dirty="0"/>
+          </a:p>
+        </p:txBody>
+      </p:sp>
+      <p:sp>
+        <p:nvSpPr>
+          <p:cNvPr id="37" name="Rectangle 36"/>
+          <p:cNvSpPr/>
+          <p:nvPr/>
+        </p:nvSpPr>
+        <p:spPr>
+          <a:xfrm>
+            <a:off x="2793077" y="3494372"/>
+            <a:ext cx="2922371" cy="963422"/>
+          </a:xfrm>
+          <a:prstGeom prst="rect">
+            <a:avLst/>
+          </a:prstGeom>
+          <a:solidFill>
+            <a:schemeClr val="bg2">
+              <a:lumMod val="75000"/>
+            </a:schemeClr>
+          </a:solidFill>
+        </p:spPr>
+        <p:style>
+          <a:lnRef idx="2">
+            <a:schemeClr val="accent1">
+              <a:shade val="50000"/>
+            </a:schemeClr>
+          </a:lnRef>
+          <a:fillRef idx="1">
+            <a:schemeClr val="accent1"/>
+          </a:fillRef>
+          <a:effectRef idx="0">
+            <a:schemeClr val="accent1"/>
+          </a:effectRef>
+          <a:fontRef idx="minor">
+            <a:schemeClr val="lt1"/>
+          </a:fontRef>
+        </p:style>
+        <p:txBody>
+          <a:bodyPr rtlCol="0" anchor="t"/>
+          <a:lstStyle/>
+          <a:p>
+            <a:pPr algn="ctr"/>
+            <a:r>
+              <a:rPr lang="en-US" sz="1400" dirty="0"/>
+              <a:t>K8S Minion1</a:t>
+            </a:r>
+          </a:p>
+        </p:txBody>
+      </p:sp>
+      <p:sp>
+        <p:nvSpPr>
+          <p:cNvPr id="38" name="Flowchart: Multidocument 37"/>
+          <p:cNvSpPr/>
+          <p:nvPr/>
+        </p:nvSpPr>
+        <p:spPr>
+          <a:xfrm>
+            <a:off x="4518970" y="3786082"/>
+            <a:ext cx="1060704" cy="595224"/>
+          </a:xfrm>
+          <a:prstGeom prst="flowChartMultidocument">
+            <a:avLst/>
+          </a:prstGeom>
+          <a:solidFill>
+            <a:schemeClr val="accent2">
+              <a:lumMod val="50000"/>
+            </a:schemeClr>
+          </a:solidFill>
+          <a:ln>
+            <a:noFill/>
+          </a:ln>
+        </p:spPr>
+        <p:style>
+          <a:lnRef idx="2">
+            <a:schemeClr val="accent1">
+              <a:shade val="50000"/>
+            </a:schemeClr>
+          </a:lnRef>
+          <a:fillRef idx="1">
+            <a:schemeClr val="accent1"/>
+          </a:fillRef>
+          <a:effectRef idx="0">
+            <a:schemeClr val="accent1"/>
+          </a:effectRef>
+          <a:fontRef idx="minor">
+            <a:schemeClr val="lt1"/>
+          </a:fontRef>
+        </p:style>
+        <p:txBody>
+          <a:bodyPr rtlCol="0" anchor="ctr"/>
+          <a:lstStyle/>
+          <a:p>
+            <a:pPr algn="ctr"/>
+            <a:r>
+              <a:rPr lang="en-US" sz="1100" dirty="0"/>
+              <a:t>Workload pods</a:t>
+            </a:r>
+          </a:p>
+        </p:txBody>
+      </p:sp>
+      <p:sp>
+        <p:nvSpPr>
+          <p:cNvPr id="43" name="Flowchart: Multidocument 42"/>
+          <p:cNvSpPr/>
+          <p:nvPr/>
+        </p:nvSpPr>
+        <p:spPr>
+          <a:xfrm>
+            <a:off x="3026600" y="3773375"/>
+            <a:ext cx="1060704" cy="595224"/>
+          </a:xfrm>
+          <a:prstGeom prst="flowChartMultidocument">
+            <a:avLst/>
+          </a:prstGeom>
+          <a:solidFill>
+            <a:schemeClr val="accent6">
+              <a:lumMod val="50000"/>
+            </a:schemeClr>
+          </a:solidFill>
+          <a:ln>
+            <a:noFill/>
+          </a:ln>
+        </p:spPr>
+        <p:style>
+          <a:lnRef idx="2">
+            <a:schemeClr val="accent1">
+              <a:shade val="50000"/>
+            </a:schemeClr>
+          </a:lnRef>
+          <a:fillRef idx="1">
+            <a:schemeClr val="accent1"/>
+          </a:fillRef>
+          <a:effectRef idx="0">
+            <a:schemeClr val="accent1"/>
+          </a:effectRef>
+          <a:fontRef idx="minor">
+            <a:schemeClr val="lt1"/>
+          </a:fontRef>
+        </p:style>
+        <p:txBody>
+          <a:bodyPr rtlCol="0" anchor="ctr"/>
+          <a:lstStyle/>
+          <a:p>
+            <a:pPr algn="ctr"/>
+            <a:r>
+              <a:rPr lang="en-US" sz="1100" dirty="0"/>
+              <a:t>security VNF pods</a:t>
+            </a:r>
+          </a:p>
+        </p:txBody>
+      </p:sp>
+      <p:sp>
+        <p:nvSpPr>
+          <p:cNvPr id="47" name="Rectangle 46"/>
+          <p:cNvSpPr/>
+          <p:nvPr/>
+        </p:nvSpPr>
+        <p:spPr>
+          <a:xfrm>
+            <a:off x="6510773" y="3498163"/>
+            <a:ext cx="2922371" cy="963422"/>
+          </a:xfrm>
+          <a:prstGeom prst="rect">
+            <a:avLst/>
+          </a:prstGeom>
+          <a:solidFill>
+            <a:schemeClr val="bg2">
+              <a:lumMod val="75000"/>
+            </a:schemeClr>
+          </a:solidFill>
+        </p:spPr>
+        <p:style>
+          <a:lnRef idx="2">
+            <a:schemeClr val="accent1">
+              <a:shade val="50000"/>
+            </a:schemeClr>
+          </a:lnRef>
+          <a:fillRef idx="1">
+            <a:schemeClr val="accent1"/>
+          </a:fillRef>
+          <a:effectRef idx="0">
+            <a:schemeClr val="accent1"/>
+          </a:effectRef>
+          <a:fontRef idx="minor">
+            <a:schemeClr val="lt1"/>
+          </a:fontRef>
+        </p:style>
+        <p:txBody>
+          <a:bodyPr rtlCol="0" anchor="t"/>
+          <a:lstStyle/>
+          <a:p>
+            <a:pPr algn="ctr"/>
+            <a:r>
+              <a:rPr lang="en-US" sz="1400" dirty="0"/>
+              <a:t>K8S </a:t>
+            </a:r>
+            <a:r>
+              <a:rPr lang="en-US" sz="1400" dirty="0" smtClean="0"/>
+              <a:t>Minion2</a:t>
+            </a:r>
+            <a:endParaRPr lang="en-US" sz="1400" dirty="0"/>
+          </a:p>
+        </p:txBody>
+      </p:sp>
+      <p:sp>
+        <p:nvSpPr>
+          <p:cNvPr id="50" name="Flowchart: Multidocument 49"/>
+          <p:cNvSpPr/>
+          <p:nvPr/>
+        </p:nvSpPr>
+        <p:spPr>
+          <a:xfrm>
+            <a:off x="8236666" y="3789873"/>
+            <a:ext cx="1060704" cy="595224"/>
+          </a:xfrm>
+          <a:prstGeom prst="flowChartMultidocument">
+            <a:avLst/>
+          </a:prstGeom>
+          <a:solidFill>
+            <a:schemeClr val="accent2">
+              <a:lumMod val="50000"/>
+            </a:schemeClr>
+          </a:solidFill>
+          <a:ln>
+            <a:noFill/>
+          </a:ln>
+        </p:spPr>
+        <p:style>
+          <a:lnRef idx="2">
+            <a:schemeClr val="accent1">
+              <a:shade val="50000"/>
+            </a:schemeClr>
+          </a:lnRef>
+          <a:fillRef idx="1">
+            <a:schemeClr val="accent1"/>
+          </a:fillRef>
+          <a:effectRef idx="0">
+            <a:schemeClr val="accent1"/>
+          </a:effectRef>
+          <a:fontRef idx="minor">
+            <a:schemeClr val="lt1"/>
+          </a:fontRef>
+        </p:style>
+        <p:txBody>
+          <a:bodyPr rtlCol="0" anchor="ctr"/>
+          <a:lstStyle/>
+          <a:p>
+            <a:pPr algn="ctr"/>
+            <a:r>
+              <a:rPr lang="en-US" sz="1100" dirty="0"/>
+              <a:t>Workload pods</a:t>
+            </a:r>
+          </a:p>
+        </p:txBody>
+      </p:sp>
+      <p:sp>
+        <p:nvSpPr>
+          <p:cNvPr id="51" name="Flowchart: Multidocument 50"/>
+          <p:cNvSpPr/>
+          <p:nvPr/>
+        </p:nvSpPr>
+        <p:spPr>
+          <a:xfrm>
+            <a:off x="6744296" y="3777166"/>
+            <a:ext cx="1060704" cy="595224"/>
+          </a:xfrm>
+          <a:prstGeom prst="flowChartMultidocument">
+            <a:avLst/>
+          </a:prstGeom>
+          <a:solidFill>
+            <a:schemeClr val="accent6">
+              <a:lumMod val="50000"/>
+            </a:schemeClr>
+          </a:solidFill>
+          <a:ln>
+            <a:noFill/>
+          </a:ln>
+        </p:spPr>
+        <p:style>
+          <a:lnRef idx="2">
+            <a:schemeClr val="accent1">
+              <a:shade val="50000"/>
+            </a:schemeClr>
+          </a:lnRef>
+          <a:fillRef idx="1">
+            <a:schemeClr val="accent1"/>
+          </a:fillRef>
+          <a:effectRef idx="0">
+            <a:schemeClr val="accent1"/>
+          </a:effectRef>
+          <a:fontRef idx="minor">
+            <a:schemeClr val="lt1"/>
+          </a:fontRef>
+        </p:style>
+        <p:txBody>
+          <a:bodyPr rtlCol="0" anchor="ctr"/>
+          <a:lstStyle/>
+          <a:p>
+            <a:pPr algn="ctr"/>
+            <a:r>
+              <a:rPr lang="en-US" sz="1100" dirty="0"/>
+              <a:t>security VNF pods</a:t>
+            </a:r>
+          </a:p>
+        </p:txBody>
+      </p:sp>
+      <p:sp>
+        <p:nvSpPr>
+          <p:cNvPr id="53" name="Rectangular Callout 52"/>
+          <p:cNvSpPr/>
+          <p:nvPr/>
+        </p:nvSpPr>
+        <p:spPr>
+          <a:xfrm>
+            <a:off x="9892031" y="1176637"/>
+            <a:ext cx="1781299" cy="561805"/>
+          </a:xfrm>
+          <a:prstGeom prst="wedgeRectCallout">
+            <a:avLst>
+              <a:gd name="adj1" fmla="val -62042"/>
+              <a:gd name="adj2" fmla="val 108829"/>
+            </a:avLst>
+          </a:prstGeom>
+          <a:solidFill>
+            <a:schemeClr val="accent4">
+              <a:lumMod val="50000"/>
+            </a:schemeClr>
+          </a:solidFill>
+          <a:ln>
+            <a:noFill/>
+          </a:ln>
+        </p:spPr>
+        <p:style>
+          <a:lnRef idx="2">
+            <a:schemeClr val="accent1">
+              <a:shade val="50000"/>
+            </a:schemeClr>
+          </a:lnRef>
+          <a:fillRef idx="1">
+            <a:schemeClr val="accent1"/>
+          </a:fillRef>
+          <a:effectRef idx="0">
+            <a:schemeClr val="accent1"/>
+          </a:effectRef>
+          <a:fontRef idx="minor">
+            <a:schemeClr val="lt1"/>
+          </a:fontRef>
+        </p:style>
+        <p:txBody>
+          <a:bodyPr rtlCol="0" anchor="ctr"/>
+          <a:lstStyle/>
+          <a:p>
+            <a:pPr algn="ctr"/>
+            <a:r>
+              <a:rPr lang="en-US" sz="1200" dirty="0" smtClean="0"/>
+              <a:t>security group interface: </a:t>
+            </a:r>
+            <a:r>
+              <a:rPr lang="en-US" sz="1200" dirty="0" err="1" smtClean="0"/>
+              <a:t>testsg</a:t>
+            </a:r>
+            <a:r>
+              <a:rPr lang="en-US" sz="1200" dirty="0" smtClean="0"/>
+              <a:t> members, policies</a:t>
+            </a:r>
+            <a:endParaRPr lang="en-US" sz="1200" dirty="0"/>
+          </a:p>
+        </p:txBody>
+      </p:sp>
+    </p:spTree>
+    <p:extLst>
+      <p:ext uri="{BB962C8B-B14F-4D97-AF65-F5344CB8AC3E}">
+        <p14:creationId xmlns:p14="http://schemas.microsoft.com/office/powerpoint/2010/main" val="3154222553"/>
+      </p:ext>
+    </p:extLst>
+  </p:cSld>
+  <p:clrMapOvr>
+    <a:masterClrMapping/>
+  </p:clrMapOvr>
+  <p:timing>
+    <p:tnLst>
+      <p:par>
+        <p:cTn id="1" dur="indefinite" restart="never" nodeType="tmRoot"/>
+      </p:par>
+    </p:tnLst>
+  </p:timing>
+</p:sld>
+</file>
+
+<file path=ppt/slides/slide6.xml><?xml version="1.0" encoding="utf-8"?>
+<p:sld xmlns:a="http://schemas.openxmlformats.org/drawingml/2006/main" xmlns:r="http://schemas.openxmlformats.org/officeDocument/2006/relationships" xmlns:p="http://schemas.openxmlformats.org/presentationml/2006/main">
+  <p:cSld>
+    <p:spTree>
+      <p:nvGrpSpPr>
+        <p:cNvPr id="1" name=""/>
+        <p:cNvGrpSpPr/>
+        <p:nvPr/>
+      </p:nvGrpSpPr>
+      <p:grpSpPr>
+        <a:xfrm>
+          <a:off x="0" y="0"/>
+          <a:ext cx="0" cy="0"/>
+          <a:chOff x="0" y="0"/>
+          <a:chExt cx="0" cy="0"/>
+        </a:xfrm>
+      </p:grpSpPr>
+      <p:sp>
+        <p:nvSpPr>
+          <p:cNvPr id="8" name="Rectangle 7"/>
+          <p:cNvSpPr/>
+          <p:nvPr/>
+        </p:nvSpPr>
+        <p:spPr>
+          <a:xfrm>
+            <a:off x="4580626" y="3485072"/>
+            <a:ext cx="3547373" cy="1362974"/>
+          </a:xfrm>
+          <a:prstGeom prst="rect">
+            <a:avLst/>
+          </a:prstGeom>
+          <a:solidFill>
+            <a:schemeClr val="bg2">
+              <a:lumMod val="75000"/>
+            </a:schemeClr>
+          </a:solidFill>
+        </p:spPr>
+        <p:style>
+          <a:lnRef idx="2">
+            <a:schemeClr val="accent1">
+              <a:shade val="50000"/>
+            </a:schemeClr>
+          </a:lnRef>
+          <a:fillRef idx="1">
+            <a:schemeClr val="accent1"/>
+          </a:fillRef>
+          <a:effectRef idx="0">
+            <a:schemeClr val="accent1"/>
+          </a:effectRef>
+          <a:fontRef idx="minor">
+            <a:schemeClr val="lt1"/>
+          </a:fontRef>
+        </p:style>
+        <p:txBody>
+          <a:bodyPr rtlCol="0" anchor="t"/>
+          <a:lstStyle/>
+          <a:p>
+            <a:pPr algn="ctr"/>
+            <a:r>
+              <a:rPr lang="en-US" sz="1400" dirty="0" smtClean="0"/>
+              <a:t>K8S Controller</a:t>
+            </a:r>
+            <a:endParaRPr lang="en-US" sz="1400" dirty="0"/>
+          </a:p>
+        </p:txBody>
+      </p:sp>
+      <p:sp>
+        <p:nvSpPr>
+          <p:cNvPr id="4" name="Rectangle 3"/>
+          <p:cNvSpPr/>
+          <p:nvPr/>
+        </p:nvSpPr>
+        <p:spPr>
+          <a:xfrm>
+            <a:off x="3860320" y="616788"/>
+            <a:ext cx="1846053" cy="1017917"/>
+          </a:xfrm>
+          <a:prstGeom prst="rect">
+            <a:avLst/>
+          </a:prstGeom>
+        </p:spPr>
+        <p:style>
+          <a:lnRef idx="2">
+            <a:schemeClr val="accent1">
+              <a:shade val="50000"/>
+            </a:schemeClr>
+          </a:lnRef>
+          <a:fillRef idx="1">
+            <a:schemeClr val="accent1"/>
+          </a:fillRef>
+          <a:effectRef idx="0">
+            <a:schemeClr val="accent1"/>
+          </a:effectRef>
+          <a:fontRef idx="minor">
+            <a:schemeClr val="lt1"/>
+          </a:fontRef>
+        </p:style>
+        <p:txBody>
+          <a:bodyPr rtlCol="0" anchor="ctr"/>
+          <a:lstStyle/>
+          <a:p>
+            <a:pPr algn="ctr"/>
+            <a:r>
+              <a:rPr lang="en-US" sz="1100" dirty="0"/>
+              <a:t>OSC</a:t>
+            </a:r>
+          </a:p>
+        </p:txBody>
+      </p:sp>
+      <p:sp>
+        <p:nvSpPr>
+          <p:cNvPr id="5" name="Rectangle 4"/>
+          <p:cNvSpPr/>
+          <p:nvPr/>
+        </p:nvSpPr>
+        <p:spPr>
+          <a:xfrm>
+            <a:off x="5706373" y="2040147"/>
+            <a:ext cx="1785668" cy="379562"/>
+          </a:xfrm>
+          <a:prstGeom prst="rect">
+            <a:avLst/>
+          </a:prstGeom>
+        </p:spPr>
+        <p:style>
+          <a:lnRef idx="2">
+            <a:schemeClr val="accent1">
+              <a:shade val="50000"/>
+            </a:schemeClr>
+          </a:lnRef>
+          <a:fillRef idx="1">
+            <a:schemeClr val="accent1"/>
+          </a:fillRef>
+          <a:effectRef idx="0">
+            <a:schemeClr val="accent1"/>
+          </a:effectRef>
+          <a:fontRef idx="minor">
+            <a:schemeClr val="lt1"/>
+          </a:fontRef>
+        </p:style>
+        <p:txBody>
+          <a:bodyPr rtlCol="0" anchor="ctr"/>
+          <a:lstStyle/>
+          <a:p>
+            <a:pPr algn="ctr"/>
+            <a:r>
+              <a:rPr lang="en-US" sz="1200" dirty="0" smtClean="0"/>
+              <a:t>SFC SDK</a:t>
+            </a:r>
+            <a:endParaRPr lang="en-US" sz="1200" dirty="0"/>
+          </a:p>
+        </p:txBody>
+      </p:sp>
+      <p:sp>
+        <p:nvSpPr>
+          <p:cNvPr id="6" name="Rectangle 5"/>
+          <p:cNvSpPr/>
+          <p:nvPr/>
+        </p:nvSpPr>
+        <p:spPr>
+          <a:xfrm>
+            <a:off x="5710687" y="2605177"/>
+            <a:ext cx="1802921" cy="621102"/>
+          </a:xfrm>
+          <a:prstGeom prst="rect">
+            <a:avLst/>
+          </a:prstGeom>
+        </p:spPr>
+        <p:style>
+          <a:lnRef idx="2">
+            <a:schemeClr val="accent1">
+              <a:shade val="50000"/>
+            </a:schemeClr>
+          </a:lnRef>
+          <a:fillRef idx="1">
+            <a:schemeClr val="accent1"/>
+          </a:fillRef>
+          <a:effectRef idx="0">
+            <a:schemeClr val="accent1"/>
+          </a:effectRef>
+          <a:fontRef idx="minor">
+            <a:schemeClr val="lt1"/>
+          </a:fontRef>
+        </p:style>
+        <p:txBody>
+          <a:bodyPr rtlCol="0" anchor="ctr"/>
+          <a:lstStyle/>
+          <a:p>
+            <a:pPr algn="ctr"/>
+            <a:r>
+              <a:rPr lang="en-US" sz="1200" dirty="0"/>
+              <a:t>SFC OVN Plugin</a:t>
+            </a:r>
+          </a:p>
+        </p:txBody>
+      </p:sp>
+      <p:sp>
+        <p:nvSpPr>
+          <p:cNvPr id="7" name="Rectangle 6"/>
+          <p:cNvSpPr/>
+          <p:nvPr/>
+        </p:nvSpPr>
+        <p:spPr>
+          <a:xfrm>
+            <a:off x="7013275" y="3545458"/>
+            <a:ext cx="957532" cy="477713"/>
+          </a:xfrm>
+          <a:prstGeom prst="rect">
+            <a:avLst/>
+          </a:prstGeom>
+          <a:solidFill>
+            <a:schemeClr val="accent6">
+              <a:lumMod val="60000"/>
+              <a:lumOff val="40000"/>
+            </a:schemeClr>
+          </a:solidFill>
+        </p:spPr>
+        <p:style>
+          <a:lnRef idx="2">
+            <a:schemeClr val="accent1">
+              <a:shade val="50000"/>
+            </a:schemeClr>
+          </a:lnRef>
+          <a:fillRef idx="1">
+            <a:schemeClr val="accent1"/>
+          </a:fillRef>
+          <a:effectRef idx="0">
+            <a:schemeClr val="accent1"/>
+          </a:effectRef>
+          <a:fontRef idx="minor">
+            <a:schemeClr val="lt1"/>
+          </a:fontRef>
+        </p:style>
+        <p:txBody>
+          <a:bodyPr rtlCol="0" anchor="ctr"/>
+          <a:lstStyle/>
+          <a:p>
+            <a:pPr algn="ctr"/>
+            <a:r>
+              <a:rPr lang="en-US" sz="1000" dirty="0" smtClean="0"/>
+              <a:t>OVN NB DB</a:t>
+            </a:r>
+            <a:endParaRPr lang="en-US" sz="1000" dirty="0"/>
+          </a:p>
+        </p:txBody>
+      </p:sp>
+      <p:sp>
+        <p:nvSpPr>
+          <p:cNvPr id="15" name="Rectangle 14"/>
+          <p:cNvSpPr/>
+          <p:nvPr/>
+        </p:nvSpPr>
+        <p:spPr>
+          <a:xfrm>
+            <a:off x="4569518" y="5302389"/>
+            <a:ext cx="1569878" cy="1026542"/>
+          </a:xfrm>
+          <a:prstGeom prst="rect">
+            <a:avLst/>
+          </a:prstGeom>
+          <a:solidFill>
+            <a:schemeClr val="bg2">
+              <a:lumMod val="75000"/>
+            </a:schemeClr>
+          </a:solidFill>
+        </p:spPr>
+        <p:style>
+          <a:lnRef idx="2">
+            <a:schemeClr val="accent1">
+              <a:shade val="50000"/>
+            </a:schemeClr>
+          </a:lnRef>
+          <a:fillRef idx="1">
+            <a:schemeClr val="accent1"/>
+          </a:fillRef>
+          <a:effectRef idx="0">
+            <a:schemeClr val="accent1"/>
+          </a:effectRef>
+          <a:fontRef idx="minor">
+            <a:schemeClr val="lt1"/>
+          </a:fontRef>
+        </p:style>
+        <p:txBody>
+          <a:bodyPr rtlCol="0" anchor="t"/>
+          <a:lstStyle/>
+          <a:p>
+            <a:pPr algn="ctr"/>
+            <a:r>
+              <a:rPr lang="en-US" sz="1400" dirty="0"/>
+              <a:t>K8S Minion1</a:t>
+            </a:r>
+          </a:p>
+        </p:txBody>
+      </p:sp>
+      <p:sp>
+        <p:nvSpPr>
+          <p:cNvPr id="22" name="Rectangle 21"/>
+          <p:cNvSpPr/>
+          <p:nvPr/>
+        </p:nvSpPr>
+        <p:spPr>
+          <a:xfrm>
+            <a:off x="6478986" y="5276264"/>
+            <a:ext cx="1651623" cy="1026542"/>
+          </a:xfrm>
+          <a:prstGeom prst="rect">
+            <a:avLst/>
+          </a:prstGeom>
+          <a:solidFill>
+            <a:schemeClr val="bg2">
+              <a:lumMod val="75000"/>
+            </a:schemeClr>
+          </a:solidFill>
+        </p:spPr>
+        <p:style>
+          <a:lnRef idx="2">
+            <a:schemeClr val="accent1">
+              <a:shade val="50000"/>
+            </a:schemeClr>
+          </a:lnRef>
+          <a:fillRef idx="1">
+            <a:schemeClr val="accent1"/>
+          </a:fillRef>
+          <a:effectRef idx="0">
+            <a:schemeClr val="accent1"/>
+          </a:effectRef>
+          <a:fontRef idx="minor">
+            <a:schemeClr val="lt1"/>
+          </a:fontRef>
+        </p:style>
+        <p:txBody>
+          <a:bodyPr rtlCol="0" anchor="t"/>
+          <a:lstStyle/>
+          <a:p>
+            <a:pPr algn="ctr"/>
+            <a:r>
+              <a:rPr lang="en-US" sz="1400" dirty="0"/>
+              <a:t>K8S Minion2</a:t>
+            </a:r>
+          </a:p>
+        </p:txBody>
+      </p:sp>
+      <p:cxnSp>
+        <p:nvCxnSpPr>
+          <p:cNvPr id="27" name="Elbow Connector 26"/>
+          <p:cNvCxnSpPr>
+            <a:stCxn id="8" idx="2"/>
+            <a:endCxn id="15" idx="0"/>
+          </p:cNvCxnSpPr>
+          <p:nvPr/>
+        </p:nvCxnSpPr>
+        <p:spPr>
+          <a:xfrm rot="5400000">
+            <a:off x="5627214" y="4575289"/>
+            <a:ext cx="454343" cy="999856"/>
+          </a:xfrm>
+          <a:prstGeom prst="bentConnector3">
+            <a:avLst/>
+          </a:prstGeom>
+          <a:ln>
+            <a:solidFill>
+              <a:schemeClr val="tx1"/>
+            </a:solidFill>
+            <a:tailEnd type="triangle"/>
+          </a:ln>
+        </p:spPr>
+        <p:style>
+          <a:lnRef idx="1">
+            <a:schemeClr val="accent1"/>
+          </a:lnRef>
+          <a:fillRef idx="0">
+            <a:schemeClr val="accent1"/>
+          </a:fillRef>
+          <a:effectRef idx="0">
+            <a:schemeClr val="accent1"/>
+          </a:effectRef>
+          <a:fontRef idx="minor">
+            <a:schemeClr val="tx1"/>
+          </a:fontRef>
+        </p:style>
+      </p:cxnSp>
+      <p:cxnSp>
+        <p:nvCxnSpPr>
+          <p:cNvPr id="29" name="Elbow Connector 28"/>
+          <p:cNvCxnSpPr>
+            <a:stCxn id="8" idx="2"/>
+            <a:endCxn id="22" idx="0"/>
+          </p:cNvCxnSpPr>
+          <p:nvPr/>
+        </p:nvCxnSpPr>
+        <p:spPr>
+          <a:xfrm rot="16200000" flipH="1">
+            <a:off x="6615446" y="4586912"/>
+            <a:ext cx="428218" cy="950485"/>
+          </a:xfrm>
+          <a:prstGeom prst="bentConnector3">
+            <a:avLst/>
+          </a:prstGeom>
+          <a:ln>
+            <a:solidFill>
+              <a:schemeClr val="tx1"/>
+            </a:solidFill>
+            <a:tailEnd type="triangle"/>
+          </a:ln>
+        </p:spPr>
+        <p:style>
+          <a:lnRef idx="1">
+            <a:schemeClr val="accent1"/>
+          </a:lnRef>
+          <a:fillRef idx="0">
+            <a:schemeClr val="accent1"/>
+          </a:fillRef>
+          <a:effectRef idx="0">
+            <a:schemeClr val="accent1"/>
+          </a:effectRef>
+          <a:fontRef idx="minor">
+            <a:schemeClr val="tx1"/>
+          </a:fontRef>
+        </p:style>
+      </p:cxnSp>
+      <p:cxnSp>
+        <p:nvCxnSpPr>
+          <p:cNvPr id="31" name="Elbow Connector 30"/>
+          <p:cNvCxnSpPr>
+            <a:stCxn id="4" idx="2"/>
+            <a:endCxn id="5" idx="0"/>
+          </p:cNvCxnSpPr>
+          <p:nvPr/>
+        </p:nvCxnSpPr>
+        <p:spPr>
+          <a:xfrm rot="16200000" flipH="1">
+            <a:off x="5488556" y="929496"/>
+            <a:ext cx="405442" cy="1815860"/>
+          </a:xfrm>
+          <a:prstGeom prst="bentConnector3">
+            <a:avLst/>
+          </a:prstGeom>
+          <a:ln>
+            <a:solidFill>
+              <a:schemeClr val="tx1"/>
+            </a:solidFill>
+            <a:tailEnd type="triangle"/>
+          </a:ln>
+        </p:spPr>
+        <p:style>
+          <a:lnRef idx="1">
+            <a:schemeClr val="accent1"/>
+          </a:lnRef>
+          <a:fillRef idx="0">
+            <a:schemeClr val="accent1"/>
+          </a:fillRef>
+          <a:effectRef idx="0">
+            <a:schemeClr val="accent1"/>
+          </a:effectRef>
+          <a:fontRef idx="minor">
+            <a:schemeClr val="tx1"/>
+          </a:fontRef>
+        </p:style>
+      </p:cxnSp>
+      <p:cxnSp>
+        <p:nvCxnSpPr>
+          <p:cNvPr id="33" name="Elbow Connector 32"/>
+          <p:cNvCxnSpPr>
+            <a:stCxn id="5" idx="2"/>
+            <a:endCxn id="6" idx="0"/>
+          </p:cNvCxnSpPr>
+          <p:nvPr/>
+        </p:nvCxnSpPr>
+        <p:spPr>
+          <a:xfrm rot="16200000" flipH="1">
+            <a:off x="6512943" y="2505972"/>
+            <a:ext cx="185468" cy="12941"/>
+          </a:xfrm>
+          <a:prstGeom prst="bentConnector3">
+            <a:avLst/>
+          </a:prstGeom>
+          <a:ln>
+            <a:solidFill>
+              <a:schemeClr val="tx1"/>
+            </a:solidFill>
+            <a:tailEnd type="triangle"/>
+          </a:ln>
+        </p:spPr>
+        <p:style>
+          <a:lnRef idx="1">
+            <a:schemeClr val="accent1"/>
+          </a:lnRef>
+          <a:fillRef idx="0">
+            <a:schemeClr val="accent1"/>
+          </a:fillRef>
+          <a:effectRef idx="0">
+            <a:schemeClr val="accent1"/>
+          </a:effectRef>
+          <a:fontRef idx="minor">
+            <a:schemeClr val="tx1"/>
+          </a:fontRef>
+        </p:style>
+      </p:cxnSp>
+      <p:sp>
+        <p:nvSpPr>
+          <p:cNvPr id="34" name="Snip Diagonal Corner Rectangle 33"/>
+          <p:cNvSpPr/>
+          <p:nvPr/>
+        </p:nvSpPr>
+        <p:spPr>
+          <a:xfrm>
+            <a:off x="2342073" y="871267"/>
+            <a:ext cx="992036" cy="508958"/>
+          </a:xfrm>
+          <a:prstGeom prst="snip2DiagRect">
+            <a:avLst/>
+          </a:prstGeom>
+          <a:solidFill>
+            <a:srgbClr val="00B050"/>
+          </a:solidFill>
+        </p:spPr>
+        <p:style>
+          <a:lnRef idx="2">
+            <a:schemeClr val="accent1">
+              <a:shade val="50000"/>
+            </a:schemeClr>
+          </a:lnRef>
+          <a:fillRef idx="1">
+            <a:schemeClr val="accent1"/>
+          </a:fillRef>
+          <a:effectRef idx="0">
+            <a:schemeClr val="accent1"/>
+          </a:effectRef>
+          <a:fontRef idx="minor">
+            <a:schemeClr val="lt1"/>
+          </a:fontRef>
+        </p:style>
+        <p:txBody>
+          <a:bodyPr rtlCol="0" anchor="ctr"/>
+          <a:lstStyle/>
+          <a:p>
+            <a:pPr algn="ctr"/>
+            <a:r>
+              <a:rPr lang="en-US" sz="1100" dirty="0"/>
+              <a:t>Appliance VM Image</a:t>
+            </a:r>
+          </a:p>
+        </p:txBody>
+      </p:sp>
+      <p:cxnSp>
+        <p:nvCxnSpPr>
+          <p:cNvPr id="38" name="Elbow Connector 37"/>
+          <p:cNvCxnSpPr>
+            <a:stCxn id="34" idx="0"/>
+            <a:endCxn id="4" idx="1"/>
+          </p:cNvCxnSpPr>
+          <p:nvPr/>
+        </p:nvCxnSpPr>
+        <p:spPr>
+          <a:xfrm>
+            <a:off x="3334109" y="1125746"/>
+            <a:ext cx="526211" cy="1"/>
+          </a:xfrm>
+          <a:prstGeom prst="bentConnector3">
+            <a:avLst/>
+          </a:prstGeom>
+          <a:ln>
+            <a:solidFill>
+              <a:schemeClr val="tx1"/>
+            </a:solidFill>
+            <a:tailEnd type="triangle"/>
+          </a:ln>
+        </p:spPr>
+        <p:style>
+          <a:lnRef idx="1">
+            <a:schemeClr val="accent1"/>
+          </a:lnRef>
+          <a:fillRef idx="0">
+            <a:schemeClr val="accent1"/>
+          </a:fillRef>
+          <a:effectRef idx="0">
+            <a:schemeClr val="accent1"/>
+          </a:effectRef>
+          <a:fontRef idx="minor">
+            <a:schemeClr val="tx1"/>
+          </a:fontRef>
+        </p:style>
+      </p:cxnSp>
+      <p:cxnSp>
+        <p:nvCxnSpPr>
+          <p:cNvPr id="40" name="Elbow Connector 39"/>
+          <p:cNvCxnSpPr>
+            <a:stCxn id="8" idx="1"/>
+          </p:cNvCxnSpPr>
+          <p:nvPr/>
+        </p:nvCxnSpPr>
+        <p:spPr>
+          <a:xfrm rot="10800000">
+            <a:off x="4373598" y="1634713"/>
+            <a:ext cx="207028" cy="2531847"/>
+          </a:xfrm>
+          <a:prstGeom prst="bentConnector2">
+            <a:avLst/>
+          </a:prstGeom>
+          <a:ln>
+            <a:solidFill>
+              <a:schemeClr val="tx1"/>
+            </a:solidFill>
+            <a:tailEnd type="triangle"/>
+          </a:ln>
+        </p:spPr>
+        <p:style>
+          <a:lnRef idx="1">
+            <a:schemeClr val="accent1"/>
+          </a:lnRef>
+          <a:fillRef idx="0">
+            <a:schemeClr val="accent1"/>
+          </a:fillRef>
+          <a:effectRef idx="0">
+            <a:schemeClr val="accent1"/>
+          </a:effectRef>
+          <a:fontRef idx="minor">
+            <a:schemeClr val="tx1"/>
+          </a:fontRef>
+        </p:style>
+      </p:cxnSp>
+      <p:cxnSp>
+        <p:nvCxnSpPr>
+          <p:cNvPr id="42" name="Elbow Connector 41"/>
+          <p:cNvCxnSpPr>
+            <a:stCxn id="6" idx="3"/>
+            <a:endCxn id="7" idx="3"/>
+          </p:cNvCxnSpPr>
+          <p:nvPr/>
+        </p:nvCxnSpPr>
+        <p:spPr>
+          <a:xfrm>
+            <a:off x="7513608" y="2915728"/>
+            <a:ext cx="457199" cy="868587"/>
+          </a:xfrm>
+          <a:prstGeom prst="bentConnector3">
+            <a:avLst>
+              <a:gd name="adj1" fmla="val 150000"/>
+            </a:avLst>
+          </a:prstGeom>
+          <a:ln>
+            <a:solidFill>
+              <a:schemeClr val="tx1"/>
+            </a:solidFill>
+            <a:tailEnd type="triangle"/>
+          </a:ln>
+        </p:spPr>
+        <p:style>
+          <a:lnRef idx="1">
+            <a:schemeClr val="accent1"/>
+          </a:lnRef>
+          <a:fillRef idx="0">
+            <a:schemeClr val="accent1"/>
+          </a:fillRef>
+          <a:effectRef idx="0">
+            <a:schemeClr val="accent1"/>
+          </a:effectRef>
+          <a:fontRef idx="minor">
+            <a:schemeClr val="tx1"/>
+          </a:fontRef>
+        </p:style>
+      </p:cxnSp>
+      <p:sp>
+        <p:nvSpPr>
+          <p:cNvPr id="48" name="TextBox 47"/>
+          <p:cNvSpPr txBox="1"/>
+          <p:nvPr/>
+        </p:nvSpPr>
+        <p:spPr>
+          <a:xfrm>
+            <a:off x="6018246" y="1495321"/>
+            <a:ext cx="1241750" cy="276999"/>
+          </a:xfrm>
+          <a:prstGeom prst="rect">
+            <a:avLst/>
+          </a:prstGeom>
+          <a:noFill/>
+        </p:spPr>
+        <p:txBody>
+          <a:bodyPr wrap="none" rtlCol="0">
+            <a:spAutoFit/>
+          </a:bodyPr>
+          <a:lstStyle>
+            <a:defPPr>
+              <a:defRPr lang="en-US"/>
+            </a:defPPr>
+            <a:lvl1pPr>
+              <a:defRPr sz="1200"/>
+            </a:lvl1pPr>
+          </a:lstStyle>
+          <a:p>
+            <a:r>
+              <a:rPr lang="en-US" dirty="0" smtClean="0">
+                <a:solidFill>
+                  <a:schemeClr val="accent6">
+                    <a:lumMod val="75000"/>
+                  </a:schemeClr>
+                </a:solidFill>
+              </a:rPr>
+              <a:t>3. traffic</a:t>
+            </a:r>
+            <a:r>
+              <a:rPr lang="en-US" dirty="0" smtClean="0"/>
+              <a:t> </a:t>
+            </a:r>
+            <a:r>
+              <a:rPr lang="en-US" dirty="0">
+                <a:solidFill>
+                  <a:schemeClr val="accent6">
+                    <a:lumMod val="75000"/>
+                  </a:schemeClr>
+                </a:solidFill>
+              </a:rPr>
+              <a:t>steering</a:t>
+            </a:r>
+          </a:p>
+        </p:txBody>
+      </p:sp>
+      <p:sp>
+        <p:nvSpPr>
+          <p:cNvPr id="49" name="TextBox 48"/>
+          <p:cNvSpPr txBox="1"/>
+          <p:nvPr/>
+        </p:nvSpPr>
+        <p:spPr>
+          <a:xfrm>
+            <a:off x="2823404" y="1878576"/>
+            <a:ext cx="1546321" cy="276999"/>
+          </a:xfrm>
+          <a:prstGeom prst="rect">
+            <a:avLst/>
+          </a:prstGeom>
+          <a:noFill/>
+        </p:spPr>
+        <p:txBody>
+          <a:bodyPr wrap="none" rtlCol="0">
+            <a:spAutoFit/>
+          </a:bodyPr>
+          <a:lstStyle>
+            <a:defPPr>
+              <a:defRPr lang="en-US"/>
+            </a:defPPr>
+            <a:lvl1pPr>
+              <a:defRPr sz="1200">
+                <a:solidFill>
+                  <a:schemeClr val="accent6">
+                    <a:lumMod val="75000"/>
+                  </a:schemeClr>
+                </a:solidFill>
+              </a:defRPr>
+            </a:lvl1pPr>
+          </a:lstStyle>
+          <a:p>
+            <a:r>
+              <a:rPr lang="en-US" dirty="0" smtClean="0"/>
+              <a:t>2. workload </a:t>
+            </a:r>
+            <a:r>
+              <a:rPr lang="en-US" dirty="0"/>
+              <a:t>discovery</a:t>
+            </a:r>
+          </a:p>
+        </p:txBody>
+      </p:sp>
+      <p:sp>
+        <p:nvSpPr>
+          <p:cNvPr id="76" name="Rectangle 75"/>
+          <p:cNvSpPr/>
+          <p:nvPr/>
+        </p:nvSpPr>
+        <p:spPr>
+          <a:xfrm>
+            <a:off x="4830414" y="3930542"/>
+            <a:ext cx="1117121" cy="606954"/>
+          </a:xfrm>
+          <a:prstGeom prst="rect">
+            <a:avLst/>
+          </a:prstGeom>
+          <a:solidFill>
+            <a:schemeClr val="accent4">
+              <a:lumMod val="60000"/>
+              <a:lumOff val="40000"/>
+            </a:schemeClr>
+          </a:solidFill>
+        </p:spPr>
+        <p:style>
+          <a:lnRef idx="2">
+            <a:schemeClr val="accent1">
+              <a:shade val="50000"/>
+            </a:schemeClr>
+          </a:lnRef>
+          <a:fillRef idx="1">
+            <a:schemeClr val="accent1"/>
+          </a:fillRef>
+          <a:effectRef idx="0">
+            <a:schemeClr val="accent1"/>
+          </a:effectRef>
+          <a:fontRef idx="minor">
+            <a:schemeClr val="lt1"/>
+          </a:fontRef>
+        </p:style>
+        <p:txBody>
+          <a:bodyPr rot="0" spcFirstLastPara="0" vertOverflow="overflow" horzOverflow="overflow" vert="horz" wrap="square" lIns="91440" tIns="45720" rIns="91440" bIns="45720" numCol="1" spcCol="0" rtlCol="0" fromWordArt="0" anchor="ctr" anchorCtr="0" forceAA="0" compatLnSpc="1">
+            <a:prstTxWarp prst="textNoShape">
+              <a:avLst/>
+            </a:prstTxWarp>
+            <a:noAutofit/>
+          </a:bodyPr>
+          <a:lstStyle/>
+          <a:p>
+            <a:pPr algn="ctr"/>
+            <a:r>
+              <a:rPr lang="en-US" sz="1000" dirty="0" err="1"/>
+              <a:t>VirtLet</a:t>
+            </a:r>
+            <a:r>
+              <a:rPr lang="en-US" sz="1000" dirty="0"/>
+              <a:t>/</a:t>
+            </a:r>
+            <a:r>
+              <a:rPr lang="en-US" sz="1000" dirty="0" err="1"/>
+              <a:t>KubeVirt</a:t>
+            </a:r>
+            <a:endParaRPr lang="en-US" sz="1000" dirty="0"/>
+          </a:p>
+        </p:txBody>
+      </p:sp>
+      <p:cxnSp>
+        <p:nvCxnSpPr>
+          <p:cNvPr id="79" name="Elbow Connector 78"/>
+          <p:cNvCxnSpPr/>
+          <p:nvPr/>
+        </p:nvCxnSpPr>
+        <p:spPr>
+          <a:xfrm rot="16200000" flipH="1">
+            <a:off x="4218254" y="2222983"/>
+            <a:ext cx="1827853" cy="682179"/>
+          </a:xfrm>
+          <a:prstGeom prst="bentConnector3">
+            <a:avLst>
+              <a:gd name="adj1" fmla="val 50000"/>
+            </a:avLst>
+          </a:prstGeom>
+          <a:ln>
+            <a:solidFill>
+              <a:schemeClr val="tx1"/>
+            </a:solidFill>
+            <a:tailEnd type="triangle"/>
+          </a:ln>
+        </p:spPr>
+        <p:style>
+          <a:lnRef idx="1">
+            <a:schemeClr val="accent1"/>
+          </a:lnRef>
+          <a:fillRef idx="0">
+            <a:schemeClr val="accent1"/>
+          </a:fillRef>
+          <a:effectRef idx="0">
+            <a:schemeClr val="accent1"/>
+          </a:effectRef>
+          <a:fontRef idx="minor">
+            <a:schemeClr val="tx1"/>
+          </a:fontRef>
+        </p:style>
+      </p:cxnSp>
+      <p:sp>
+        <p:nvSpPr>
+          <p:cNvPr id="81" name="TextBox 80"/>
+          <p:cNvSpPr txBox="1"/>
+          <p:nvPr/>
+        </p:nvSpPr>
+        <p:spPr>
+          <a:xfrm>
+            <a:off x="4746682" y="2110839"/>
+            <a:ext cx="794576" cy="276999"/>
+          </a:xfrm>
+          <a:prstGeom prst="rect">
+            <a:avLst/>
+          </a:prstGeom>
+          <a:noFill/>
+        </p:spPr>
+        <p:txBody>
+          <a:bodyPr wrap="none" rtlCol="0">
+            <a:spAutoFit/>
+          </a:bodyPr>
+          <a:lstStyle>
+            <a:defPPr>
+              <a:defRPr lang="en-US"/>
+            </a:defPPr>
+            <a:lvl1pPr>
+              <a:defRPr sz="1200"/>
+            </a:lvl1pPr>
+          </a:lstStyle>
+          <a:p>
+            <a:r>
               <a:rPr lang="en-US" dirty="0" smtClean="0">
                 <a:solidFill>
                   <a:schemeClr val="accent6">
@@ -4301,13 +10020,6 @@
               </a:rPr>
               <a:t>1. deploy </a:t>
             </a:r>
-            <a:endParaRPr lang="en-US" dirty="0" smtClean="0">
-              <a:solidFill>
-                <a:schemeClr val="accent6">
-                  <a:lumMod val="75000"/>
-                </a:schemeClr>
-              </a:solidFill>
-            </a:endParaRPr>
           </a:p>
         </p:txBody>
       </p:sp>
@@ -4542,7 +10254,6 @@
               <a:rPr lang="en-US" sz="800" dirty="0" smtClean="0"/>
               <a:t>k8s-minon1,  clientp1, </a:t>
             </a:r>
-            <a:endParaRPr lang="en-US" sz="800" dirty="0" smtClean="0"/>
           </a:p>
           <a:p>
             <a:pPr algn="ctr"/>
@@ -4559,15 +10270,7 @@
             <a:pPr algn="ctr"/>
             <a:r>
               <a:rPr lang="en-US" sz="800" dirty="0" smtClean="0"/>
-              <a:t>v</a:t>
-            </a:r>
-            <a:r>
-              <a:rPr lang="en-US" sz="800" dirty="0" smtClean="0"/>
-              <a:t>nfp2</a:t>
-            </a:r>
-            <a:r>
-              <a:rPr lang="en-US" sz="800" dirty="0" smtClean="0"/>
-              <a:t>,</a:t>
+              <a:t>vnfp2,</a:t>
             </a:r>
           </a:p>
           <a:p>
@@ -4721,11 +10424,7 @@
             <a:pPr algn="ctr"/>
             <a:r>
               <a:rPr lang="en-US" sz="800" dirty="0" smtClean="0"/>
-              <a:t>k</a:t>
-            </a:r>
-            <a:r>
-              <a:rPr lang="en-US" sz="800" dirty="0" smtClean="0"/>
-              <a:t>8s-minion2</a:t>
+              <a:t>k8s-minion2</a:t>
             </a:r>
             <a:endParaRPr lang="en-US" sz="800" dirty="0"/>
           </a:p>
